--- a/Inatel - Seguranca em dispositivos Android.pptx
+++ b/Inatel - Seguranca em dispositivos Android.pptx
@@ -1174,7 +1174,7 @@
           <a:noFill/>
           <a:extLst>
             <a:ext uri="{909E8E84-426E-40dd-AFC4-6F175D3DCCD1}">
-              <a14:hiddenFill xmlns:a14="http://schemas.microsoft.com/office/drawing/2010/main" xmlns="">
+              <a14:hiddenFill xmlns="" xmlns:a14="http://schemas.microsoft.com/office/drawing/2010/main">
                 <a:solidFill>
                   <a:srgbClr val="FFFFFF"/>
                 </a:solidFill>
@@ -4244,7 +4244,7 @@
           <a:noFill/>
           <a:extLst>
             <a:ext uri="{909E8E84-426E-40dd-AFC4-6F175D3DCCD1}">
-              <a14:hiddenFill xmlns:a14="http://schemas.microsoft.com/office/drawing/2010/main" xmlns="">
+              <a14:hiddenFill xmlns="" xmlns:a14="http://schemas.microsoft.com/office/drawing/2010/main">
                 <a:solidFill>
                   <a:srgbClr val="FFFFFF"/>
                 </a:solidFill>
@@ -5326,7 +5326,7 @@
           <a:noFill/>
           <a:extLst>
             <a:ext uri="{909E8E84-426E-40dd-AFC4-6F175D3DCCD1}">
-              <a14:hiddenFill xmlns:a14="http://schemas.microsoft.com/office/drawing/2010/main" xmlns="">
+              <a14:hiddenFill xmlns="" xmlns:a14="http://schemas.microsoft.com/office/drawing/2010/main">
                 <a:solidFill>
                   <a:srgbClr val="FFFFFF"/>
                 </a:solidFill>
@@ -5986,7 +5986,7 @@
           <a:noFill/>
           <a:extLst>
             <a:ext uri="{909E8E84-426E-40dd-AFC4-6F175D3DCCD1}">
-              <a14:hiddenFill xmlns:a14="http://schemas.microsoft.com/office/drawing/2010/main" xmlns="">
+              <a14:hiddenFill xmlns="" xmlns:a14="http://schemas.microsoft.com/office/drawing/2010/main">
                 <a:solidFill>
                   <a:srgbClr val="FFFFFF"/>
                 </a:solidFill>
@@ -8082,8 +8082,8 @@
         </p:nvSpPr>
         <p:spPr>
           <a:xfrm>
-            <a:off x="359763" y="1066800"/>
-            <a:ext cx="8327037" cy="4267200"/>
+            <a:off x="359763" y="685800"/>
+            <a:ext cx="8327037" cy="5715000"/>
           </a:xfrm>
         </p:spPr>
         <p:txBody>
@@ -8276,7 +8276,123 @@
               </a:rPr>
               <a:t>   </a:t>
             </a:r>
-            <a:endParaRPr lang="en-US" sz="2400" dirty="0"/>
+          </a:p>
+          <a:p>
+            <a:pPr>
+              <a:lnSpc>
+                <a:spcPct val="170000"/>
+              </a:lnSpc>
+            </a:pPr>
+            <a:r>
+              <a:rPr lang="en-US" sz="2400" dirty="0">
+                <a:sym typeface="Wingdings" panose="05000000000000000000" pitchFamily="2" charset="2"/>
+              </a:rPr>
+              <a:t>Agora no Android M e N </a:t>
+            </a:r>
+            <a:r>
+              <a:rPr lang="en-US" sz="2400" dirty="0" err="1">
+                <a:sym typeface="Wingdings" panose="05000000000000000000" pitchFamily="2" charset="2"/>
+              </a:rPr>
+              <a:t>aparece</a:t>
+            </a:r>
+            <a:r>
+              <a:rPr lang="en-US" sz="2400" dirty="0">
+                <a:sym typeface="Wingdings" panose="05000000000000000000" pitchFamily="2" charset="2"/>
+              </a:rPr>
+              <a:t> </a:t>
+            </a:r>
+            <a:r>
+              <a:rPr lang="en-US" sz="2400" dirty="0" err="1">
+                <a:sym typeface="Wingdings" panose="05000000000000000000" pitchFamily="2" charset="2"/>
+              </a:rPr>
+              <a:t>uma</a:t>
+            </a:r>
+            <a:r>
+              <a:rPr lang="en-US" sz="2400" dirty="0">
+                <a:sym typeface="Wingdings" panose="05000000000000000000" pitchFamily="2" charset="2"/>
+              </a:rPr>
+              <a:t> </a:t>
+            </a:r>
+            <a:r>
+              <a:rPr lang="en-US" sz="2400" dirty="0" err="1">
+                <a:sym typeface="Wingdings" panose="05000000000000000000" pitchFamily="2" charset="2"/>
+              </a:rPr>
+              <a:t>notificação</a:t>
+            </a:r>
+            <a:r>
+              <a:rPr lang="en-US" sz="2400" dirty="0">
+                <a:sym typeface="Wingdings" panose="05000000000000000000" pitchFamily="2" charset="2"/>
+              </a:rPr>
+              <a:t> para o </a:t>
+            </a:r>
+            <a:r>
+              <a:rPr lang="en-US" sz="2400" dirty="0" err="1">
+                <a:sym typeface="Wingdings" panose="05000000000000000000" pitchFamily="2" charset="2"/>
+              </a:rPr>
+              <a:t>usuário</a:t>
+            </a:r>
+            <a:r>
+              <a:rPr lang="en-US" sz="2400" dirty="0">
+                <a:sym typeface="Wingdings" panose="05000000000000000000" pitchFamily="2" charset="2"/>
+              </a:rPr>
+              <a:t>, </a:t>
+            </a:r>
+            <a:r>
+              <a:rPr lang="en-US" sz="2400" dirty="0" err="1">
+                <a:sym typeface="Wingdings" panose="05000000000000000000" pitchFamily="2" charset="2"/>
+              </a:rPr>
+              <a:t>solicitando</a:t>
+            </a:r>
+            <a:r>
+              <a:rPr lang="en-US" sz="2400" dirty="0">
+                <a:sym typeface="Wingdings" panose="05000000000000000000" pitchFamily="2" charset="2"/>
+              </a:rPr>
+              <a:t> que </a:t>
+            </a:r>
+            <a:r>
+              <a:rPr lang="en-US" sz="2400" dirty="0" err="1">
+                <a:sym typeface="Wingdings" panose="05000000000000000000" pitchFamily="2" charset="2"/>
+              </a:rPr>
+              <a:t>aceite</a:t>
+            </a:r>
+            <a:r>
+              <a:rPr lang="en-US" sz="2400" dirty="0">
+                <a:sym typeface="Wingdings" panose="05000000000000000000" pitchFamily="2" charset="2"/>
+              </a:rPr>
+              <a:t> </a:t>
+            </a:r>
+            <a:r>
+              <a:rPr lang="en-US" sz="2400" dirty="0" err="1">
+                <a:sym typeface="Wingdings" panose="05000000000000000000" pitchFamily="2" charset="2"/>
+              </a:rPr>
+              <a:t>ou</a:t>
+            </a:r>
+            <a:r>
+              <a:rPr lang="en-US" sz="2400" dirty="0">
+                <a:sym typeface="Wingdings" panose="05000000000000000000" pitchFamily="2" charset="2"/>
+              </a:rPr>
+              <a:t> </a:t>
+            </a:r>
+            <a:r>
+              <a:rPr lang="en-US" sz="2400" dirty="0" err="1">
+                <a:sym typeface="Wingdings" panose="05000000000000000000" pitchFamily="2" charset="2"/>
+              </a:rPr>
+              <a:t>não</a:t>
+            </a:r>
+            <a:endParaRPr lang="en-US" sz="2400" dirty="0">
+              <a:sym typeface="Wingdings" panose="05000000000000000000" pitchFamily="2" charset="2"/>
+            </a:endParaRPr>
+          </a:p>
+          <a:p>
+            <a:pPr marL="0" indent="0">
+              <a:lnSpc>
+                <a:spcPct val="170000"/>
+              </a:lnSpc>
+              <a:buNone/>
+            </a:pPr>
+            <a:endParaRPr lang="en-US" sz="2400" dirty="0">
+              <a:sym typeface="Wingdings" panose="05000000000000000000" pitchFamily="2" charset="2"/>
+            </a:endParaRPr>
           </a:p>
         </p:txBody>
       </p:sp>
@@ -8704,7 +8820,23 @@
             </a:pPr>
             <a:r>
               <a:rPr lang="en-US" sz="3000" dirty="0" err="1"/>
-              <a:t>Ferramentas</a:t>
+              <a:t>Existe</a:t>
+            </a:r>
+            <a:r>
+              <a:rPr lang="en-US" sz="3000" dirty="0"/>
+              <a:t> um </a:t>
+            </a:r>
+            <a:r>
+              <a:rPr lang="en-US" sz="3000" dirty="0" err="1"/>
+              <a:t>conjunto</a:t>
+            </a:r>
+            <a:r>
+              <a:rPr lang="en-US" sz="3000" dirty="0"/>
+              <a:t> de </a:t>
+            </a:r>
+            <a:r>
+              <a:rPr lang="en-US" sz="3000" dirty="0" err="1"/>
+              <a:t>ferramentas</a:t>
             </a:r>
             <a:r>
               <a:rPr lang="en-US" sz="3000" dirty="0"/>
@@ -9214,8 +9346,15 @@
           <a:p>
             <a:r>
               <a:rPr lang="pt-BR" dirty="0"/>
-              <a:t>Evitar fazer root (A não ser que saiba o que está fazendo)</a:t>
-            </a:r>
+              <a:t>Evitar fazer root (A não ser que saiba o que está fazendo) </a:t>
+            </a:r>
+            <a:r>
+              <a:rPr lang="pt-BR" dirty="0">
+                <a:sym typeface="Wingdings" panose="05000000000000000000" pitchFamily="2" charset="2"/>
+              </a:rPr>
+              <a:t> </a:t>
+            </a:r>
+            <a:endParaRPr lang="pt-BR" dirty="0"/>
           </a:p>
           <a:p>
             <a:r>
@@ -9355,7 +9494,7 @@
             <a:pPr algn="r"/>
             <a:r>
               <a:rPr lang="en-US" sz="2400" dirty="0" err="1"/>
-              <a:t>Apresentação</a:t>
+              <a:t>Apresentação,instalação,links</a:t>
             </a:r>
             <a:r>
               <a:rPr lang="en-US" sz="2400" dirty="0"/>
@@ -10847,7 +10986,7 @@
         </p:spPr>
         <p:txBody>
           <a:bodyPr vert="horz" lIns="0" tIns="0" rIns="0" bIns="0" rtlCol="0">
-            <a:normAutofit/>
+            <a:normAutofit lnSpcReduction="10000"/>
           </a:bodyPr>
           <a:lstStyle>
             <a:lvl1pPr marL="287338" indent="-287338" algn="l" defTabSz="914400" rtl="0" eaLnBrk="1" latinLnBrk="0" hangingPunct="1">
@@ -11050,24 +11189,40 @@
               </a:lnSpc>
             </a:pPr>
             <a:r>
-              <a:rPr lang="pt-BR" sz="2200" b="1" dirty="0" err="1"/>
-              <a:t>Intent</a:t>
-            </a:r>
-            <a:r>
-              <a:rPr lang="pt-BR" sz="2200" dirty="0"/>
-              <a:t>: Um objeto de mensagem que pode ser usado para solicitar </a:t>
-            </a:r>
-          </a:p>
-          <a:p>
-            <a:pPr marL="0" indent="0">
-              <a:lnSpc>
-                <a:spcPct val="150000"/>
-              </a:lnSpc>
-              <a:buNone/>
-            </a:pPr>
-            <a:r>
-              <a:rPr lang="pt-BR" sz="2200" dirty="0"/>
-              <a:t> uma  ação para outro componente do aplicativo e outros aplicativos</a:t>
+              <a:rPr lang="en-US" sz="2200" b="1" dirty="0"/>
+              <a:t>Broadcast Receiver</a:t>
+            </a:r>
+            <a:r>
+              <a:rPr lang="en-US" sz="2200" dirty="0"/>
+              <a:t>: </a:t>
+            </a:r>
+            <a:r>
+              <a:rPr lang="en-US" sz="2200" dirty="0" err="1"/>
+              <a:t>Recebe</a:t>
+            </a:r>
+            <a:r>
+              <a:rPr lang="en-US" sz="2200" dirty="0"/>
+              <a:t> “</a:t>
+            </a:r>
+            <a:r>
+              <a:rPr lang="en-US" sz="2200" dirty="0" err="1"/>
+              <a:t>msgs</a:t>
+            </a:r>
+            <a:r>
+              <a:rPr lang="en-US" sz="2200" dirty="0"/>
+              <a:t>” de </a:t>
+            </a:r>
+            <a:r>
+              <a:rPr lang="en-US" sz="2200" dirty="0" err="1"/>
+              <a:t>outras</a:t>
+            </a:r>
+            <a:r>
+              <a:rPr lang="en-US" sz="2200" dirty="0"/>
+              <a:t> </a:t>
+            </a:r>
+            <a:r>
+              <a:rPr lang="en-US" sz="2200" dirty="0" err="1"/>
+              <a:t>aplicações</a:t>
             </a:r>
             <a:endParaRPr lang="en-US" sz="2200" dirty="0"/>
           </a:p>
@@ -11079,31 +11234,23 @@
             </a:pPr>
             <a:r>
               <a:rPr lang="en-US" sz="2200" b="1" dirty="0"/>
-              <a:t>Broadcast Receiver</a:t>
+              <a:t>Content Provider</a:t>
             </a:r>
             <a:r>
               <a:rPr lang="en-US" sz="2200" dirty="0"/>
-              <a:t>: </a:t>
+              <a:t>: Banco de dados </a:t>
             </a:r>
             <a:r>
               <a:rPr lang="en-US" sz="2200" dirty="0" err="1"/>
-              <a:t>Recebe</a:t>
+              <a:t>relacional</a:t>
             </a:r>
             <a:r>
               <a:rPr lang="en-US" sz="2200" dirty="0"/>
-              <a:t> “</a:t>
+              <a:t> (</a:t>
             </a:r>
             <a:r>
               <a:rPr lang="en-US" sz="2200" dirty="0" err="1"/>
-              <a:t>msgs</a:t>
-            </a:r>
-            <a:r>
-              <a:rPr lang="en-US" sz="2200" dirty="0"/>
-              <a:t>” de </a:t>
-            </a:r>
-            <a:r>
-              <a:rPr lang="en-US" sz="2200" dirty="0" err="1"/>
-              <a:t>outras</a:t>
+              <a:t>ou</a:t>
             </a:r>
             <a:r>
               <a:rPr lang="en-US" sz="2200" dirty="0"/>
@@ -11111,9 +11258,28 @@
             </a:r>
             <a:r>
               <a:rPr lang="en-US" sz="2200" dirty="0" err="1"/>
-              <a:t>aplicações</a:t>
-            </a:r>
-            <a:endParaRPr lang="en-US" sz="2200" dirty="0"/>
+              <a:t>arquivo</a:t>
+            </a:r>
+            <a:r>
+              <a:rPr lang="en-US" sz="2200" dirty="0"/>
+              <a:t>) para </a:t>
+            </a:r>
+            <a:r>
+              <a:rPr lang="en-US" sz="2200" dirty="0" err="1"/>
+              <a:t>compartilhamento</a:t>
+            </a:r>
+            <a:r>
+              <a:rPr lang="en-US" sz="2200" dirty="0"/>
+              <a:t> de dados entre </a:t>
+            </a:r>
+            <a:r>
+              <a:rPr lang="en-US" sz="2200" dirty="0" err="1"/>
+              <a:t>os</a:t>
+            </a:r>
+            <a:r>
+              <a:rPr lang="en-US" sz="2200" dirty="0"/>
+              <a:t> apps</a:t>
+            </a:r>
           </a:p>
           <a:p>
             <a:pPr>
@@ -11122,53 +11288,62 @@
               </a:lnSpc>
             </a:pPr>
             <a:r>
-              <a:rPr lang="en-US" sz="2200" b="1" dirty="0"/>
-              <a:t>Content Provider</a:t>
+              <a:rPr lang="en-US" sz="2200" dirty="0" err="1"/>
+              <a:t>Comunicação</a:t>
             </a:r>
             <a:r>
               <a:rPr lang="en-US" sz="2200" dirty="0"/>
-              <a:t>: Banco de dados </a:t>
+              <a:t> entre </a:t>
             </a:r>
             <a:r>
               <a:rPr lang="en-US" sz="2200" dirty="0" err="1"/>
-              <a:t>relacional</a:t>
+              <a:t>processos</a:t>
             </a:r>
             <a:r>
               <a:rPr lang="en-US" sz="2200" dirty="0"/>
-              <a:t> (</a:t>
-            </a:r>
-            <a:r>
-              <a:rPr lang="en-US" sz="2200" dirty="0" err="1"/>
-              <a:t>ou</a:t>
-            </a:r>
-            <a:r>
-              <a:rPr lang="en-US" sz="2200" dirty="0"/>
+              <a:t> (IPC): </a:t>
+            </a:r>
+          </a:p>
+          <a:p>
+            <a:pPr marL="0" indent="0">
+              <a:lnSpc>
+                <a:spcPct val="150000"/>
+              </a:lnSpc>
+              <a:buNone/>
+            </a:pPr>
+            <a:r>
+              <a:rPr lang="pt-BR" sz="2200" b="1" dirty="0"/>
               <a:t> </a:t>
             </a:r>
             <a:r>
-              <a:rPr lang="en-US" sz="2200" dirty="0" err="1"/>
-              <a:t>arquivo</a:t>
-            </a:r>
-            <a:r>
-              <a:rPr lang="en-US" sz="2200" dirty="0"/>
-              <a:t>) para </a:t>
-            </a:r>
-            <a:r>
-              <a:rPr lang="en-US" sz="2200" dirty="0" err="1"/>
-              <a:t>compartilhamento</a:t>
-            </a:r>
-            <a:r>
-              <a:rPr lang="en-US" sz="2200" dirty="0"/>
-              <a:t> de dados entre </a:t>
-            </a:r>
-            <a:r>
-              <a:rPr lang="en-US" sz="2200" dirty="0" err="1"/>
-              <a:t>os</a:t>
-            </a:r>
-            <a:r>
-              <a:rPr lang="en-US" sz="2200" dirty="0"/>
-              <a:t> apps</a:t>
-            </a:r>
+              <a:rPr lang="pt-BR" sz="2200" b="1" dirty="0" err="1"/>
+              <a:t>Intent</a:t>
+            </a:r>
+            <a:r>
+              <a:rPr lang="pt-BR" sz="2200" dirty="0"/>
+              <a:t>: Um objeto de mensagem que pode ser usado para solicitar </a:t>
+            </a:r>
+          </a:p>
+          <a:p>
+            <a:pPr marL="0" indent="0">
+              <a:lnSpc>
+                <a:spcPct val="150000"/>
+              </a:lnSpc>
+              <a:buNone/>
+            </a:pPr>
+            <a:r>
+              <a:rPr lang="pt-BR" sz="2200" dirty="0"/>
+              <a:t> uma  ação para outro componente do aplicativo e outros aplicativos</a:t>
+            </a:r>
+            <a:endParaRPr lang="en-US" sz="2200" dirty="0"/>
+          </a:p>
+          <a:p>
+            <a:pPr>
+              <a:lnSpc>
+                <a:spcPct val="150000"/>
+              </a:lnSpc>
+            </a:pPr>
+            <a:endParaRPr lang="en-US" sz="2200" dirty="0"/>
           </a:p>
           <a:p>
             <a:pPr marL="0" indent="0">
@@ -11375,7 +11550,7 @@
         </p:blipFill>
         <p:spPr bwMode="auto">
           <a:xfrm>
-            <a:off x="2587317" y="1841129"/>
+            <a:off x="2609485" y="1819024"/>
             <a:ext cx="1598788" cy="2162545"/>
           </a:xfrm>
           <a:prstGeom prst="rect">
@@ -11457,8 +11632,8 @@
         </p:blipFill>
         <p:spPr bwMode="auto">
           <a:xfrm>
-            <a:off x="4468813" y="1849556"/>
-            <a:ext cx="1463625" cy="2154118"/>
+            <a:off x="4539953" y="1825681"/>
+            <a:ext cx="1479847" cy="2177993"/>
           </a:xfrm>
           <a:prstGeom prst="rect">
             <a:avLst/>

--- a/Inatel - Seguranca em dispositivos Android.pptx
+++ b/Inatel - Seguranca em dispositivos Android.pptx
@@ -9340,8 +9340,13 @@
           <a:p>
             <a:r>
               <a:rPr lang="pt-BR" altLang="en-US" dirty="0"/>
-              <a:t>Atualizar S.O.</a:t>
-            </a:r>
+              <a:t>Atualizar sempre o </a:t>
+            </a:r>
+            <a:r>
+              <a:rPr lang="pt-BR" altLang="en-US" dirty="0" err="1"/>
+              <a:t>Android</a:t>
+            </a:r>
+            <a:endParaRPr lang="pt-BR" altLang="en-US" dirty="0"/>
           </a:p>
           <a:p>
             <a:r>
@@ -9352,7 +9357,7 @@
               <a:rPr lang="pt-BR" dirty="0">
                 <a:sym typeface="Wingdings" panose="05000000000000000000" pitchFamily="2" charset="2"/>
               </a:rPr>
-              <a:t> </a:t>
+              <a:t> </a:t>
             </a:r>
             <a:endParaRPr lang="pt-BR" dirty="0"/>
           </a:p>

--- a/Inatel - Seguranca em dispositivos Android.pptx
+++ b/Inatel - Seguranca em dispositivos Android.pptx
@@ -7880,7 +7880,7 @@
             </a:r>
             <a:r>
               <a:rPr lang="pt-BR" sz="2200" dirty="0" err="1"/>
-              <a:t>Deny</a:t>
+              <a:t>Denial</a:t>
             </a:r>
             <a:r>
               <a:rPr lang="pt-BR" sz="2200" dirty="0"/>
@@ -7891,9 +7891,10 @@
               <a:t>Of</a:t>
             </a:r>
             <a:r>
-              <a:rPr lang="pt-BR" sz="2200" dirty="0"/>
-              <a:t> Service</a:t>
-            </a:r>
+              <a:rPr lang="pt-BR" sz="2200"/>
+              <a:t> Service </a:t>
+            </a:r>
+            <a:endParaRPr lang="pt-BR" sz="2200" dirty="0"/>
           </a:p>
           <a:p>
             <a:pPr marL="0" indent="0">

--- a/Inatel - Seguranca em dispositivos Android.pptx
+++ b/Inatel - Seguranca em dispositivos Android.pptx
@@ -6,7 +6,7 @@
     <p:sldMasterId id="2147483956" r:id="rId2"/>
   </p:sldMasterIdLst>
   <p:notesMasterIdLst>
-    <p:notesMasterId r:id="rId22"/>
+    <p:notesMasterId r:id="rId23"/>
   </p:notesMasterIdLst>
   <p:sldIdLst>
     <p:sldId id="288" r:id="rId3"/>
@@ -14,20 +14,21 @@
     <p:sldId id="304" r:id="rId5"/>
     <p:sldId id="309" r:id="rId6"/>
     <p:sldId id="310" r:id="rId7"/>
-    <p:sldId id="258" r:id="rId8"/>
-    <p:sldId id="259" r:id="rId9"/>
-    <p:sldId id="260" r:id="rId10"/>
-    <p:sldId id="271" r:id="rId11"/>
-    <p:sldId id="305" r:id="rId12"/>
-    <p:sldId id="306" r:id="rId13"/>
-    <p:sldId id="307" r:id="rId14"/>
-    <p:sldId id="262" r:id="rId15"/>
-    <p:sldId id="264" r:id="rId16"/>
-    <p:sldId id="296" r:id="rId17"/>
-    <p:sldId id="267" r:id="rId18"/>
-    <p:sldId id="311" r:id="rId19"/>
-    <p:sldId id="312" r:id="rId20"/>
-    <p:sldId id="289" r:id="rId21"/>
+    <p:sldId id="313" r:id="rId8"/>
+    <p:sldId id="258" r:id="rId9"/>
+    <p:sldId id="259" r:id="rId10"/>
+    <p:sldId id="260" r:id="rId11"/>
+    <p:sldId id="271" r:id="rId12"/>
+    <p:sldId id="305" r:id="rId13"/>
+    <p:sldId id="306" r:id="rId14"/>
+    <p:sldId id="307" r:id="rId15"/>
+    <p:sldId id="262" r:id="rId16"/>
+    <p:sldId id="264" r:id="rId17"/>
+    <p:sldId id="296" r:id="rId18"/>
+    <p:sldId id="267" r:id="rId19"/>
+    <p:sldId id="311" r:id="rId20"/>
+    <p:sldId id="312" r:id="rId21"/>
+    <p:sldId id="289" r:id="rId22"/>
   </p:sldIdLst>
   <p:sldSz cx="9144000" cy="6858000" type="screen4x3"/>
   <p:notesSz cx="6858000" cy="9296400"/>
@@ -136,6 +137,7 @@
             <p14:sldId id="304"/>
             <p14:sldId id="309"/>
             <p14:sldId id="310"/>
+            <p14:sldId id="313"/>
             <p14:sldId id="258"/>
             <p14:sldId id="259"/>
             <p14:sldId id="260"/>
@@ -692,7 +694,7 @@
             <a:fld id="{C8D55AD2-C118-4431-99BA-65DE94AC05FB}" type="slidenum">
               <a:rPr lang="en-US" smtClean="0"/>
               <a:pPr/>
-              <a:t>6</a:t>
+              <a:t>7</a:t>
             </a:fld>
             <a:endParaRPr lang="en-US"/>
           </a:p>
@@ -772,7 +774,7 @@
             <a:fld id="{C8D55AD2-C118-4431-99BA-65DE94AC05FB}" type="slidenum">
               <a:rPr lang="en-US" smtClean="0"/>
               <a:pPr/>
-              <a:t>7</a:t>
+              <a:t>8</a:t>
             </a:fld>
             <a:endParaRPr lang="en-US"/>
           </a:p>
@@ -859,7 +861,7 @@
             <a:fld id="{C8D55AD2-C118-4431-99BA-65DE94AC05FB}" type="slidenum">
               <a:rPr lang="en-US" smtClean="0"/>
               <a:pPr/>
-              <a:t>8</a:t>
+              <a:t>9</a:t>
             </a:fld>
             <a:endParaRPr lang="en-US"/>
           </a:p>
@@ -941,7 +943,7 @@
             <a:fld id="{C8D55AD2-C118-4431-99BA-65DE94AC05FB}" type="slidenum">
               <a:rPr lang="en-US" smtClean="0"/>
               <a:pPr/>
-              <a:t>9</a:t>
+              <a:t>10</a:t>
             </a:fld>
             <a:endParaRPr lang="en-US"/>
           </a:p>
@@ -1021,7 +1023,7 @@
             <a:fld id="{C8D55AD2-C118-4431-99BA-65DE94AC05FB}" type="slidenum">
               <a:rPr lang="en-US" smtClean="0"/>
               <a:pPr/>
-              <a:t>13</a:t>
+              <a:t>14</a:t>
             </a:fld>
             <a:endParaRPr lang="en-US"/>
           </a:p>
@@ -1106,7 +1108,7 @@
             <a:fld id="{C8D55AD2-C118-4431-99BA-65DE94AC05FB}" type="slidenum">
               <a:rPr lang="en-US" smtClean="0"/>
               <a:pPr/>
-              <a:t>14</a:t>
+              <a:t>15</a:t>
             </a:fld>
             <a:endParaRPr lang="en-US"/>
           </a:p>
@@ -7294,4110 +7296,6 @@
 <file path=ppt/slides/slide10.xml><?xml version="1.0" encoding="utf-8"?>
 <p:sld xmlns:a="http://schemas.openxmlformats.org/drawingml/2006/main" xmlns:r="http://schemas.openxmlformats.org/officeDocument/2006/relationships" xmlns:p="http://schemas.openxmlformats.org/presentationml/2006/main">
   <p:cSld>
-    <p:spTree>
-      <p:nvGrpSpPr>
-        <p:cNvPr id="1" name=""/>
-        <p:cNvGrpSpPr/>
-        <p:nvPr/>
-      </p:nvGrpSpPr>
-      <p:grpSpPr>
-        <a:xfrm>
-          <a:off x="0" y="0"/>
-          <a:ext cx="0" cy="0"/>
-          <a:chOff x="0" y="0"/>
-          <a:chExt cx="0" cy="0"/>
-        </a:xfrm>
-      </p:grpSpPr>
-      <p:sp>
-        <p:nvSpPr>
-          <p:cNvPr id="2" name="Título 1"/>
-          <p:cNvSpPr>
-            <a:spLocks noGrp="1"/>
-          </p:cNvSpPr>
-          <p:nvPr>
-            <p:ph type="title"/>
-          </p:nvPr>
-        </p:nvSpPr>
-        <p:spPr/>
-        <p:txBody>
-          <a:bodyPr/>
-          <a:lstStyle/>
-          <a:p>
-            <a:r>
-              <a:rPr lang="pt-BR" dirty="0"/>
-              <a:t>Ciclo de vida dos aplicativos</a:t>
-            </a:r>
-          </a:p>
-        </p:txBody>
-      </p:sp>
-      <p:sp>
-        <p:nvSpPr>
-          <p:cNvPr id="7" name="Retângulo 6"/>
-          <p:cNvSpPr/>
-          <p:nvPr/>
-        </p:nvSpPr>
-        <p:spPr>
-          <a:xfrm>
-            <a:off x="390243" y="1905000"/>
-            <a:ext cx="4572000" cy="735586"/>
-          </a:xfrm>
-          <a:prstGeom prst="rect">
-            <a:avLst/>
-          </a:prstGeom>
-        </p:spPr>
-        <p:txBody>
-          <a:bodyPr>
-            <a:spAutoFit/>
-          </a:bodyPr>
-          <a:lstStyle/>
-          <a:p>
-            <a:pPr lvl="1" indent="-342900">
-              <a:lnSpc>
-                <a:spcPct val="95000"/>
-              </a:lnSpc>
-              <a:spcBef>
-                <a:spcPct val="0"/>
-              </a:spcBef>
-              <a:buClr>
-                <a:srgbClr val="000000"/>
-              </a:buClr>
-              <a:buFontTx/>
-              <a:buChar char="•"/>
-            </a:pPr>
-            <a:r>
-              <a:rPr lang="en-US" altLang="pt-BR" sz="2200" dirty="0" err="1">
-                <a:solidFill>
-                  <a:schemeClr val="tx2"/>
-                </a:solidFill>
-              </a:rPr>
-              <a:t>Desenvolvidos</a:t>
-            </a:r>
-            <a:r>
-              <a:rPr lang="en-US" altLang="pt-BR" sz="2200" dirty="0">
-                <a:solidFill>
-                  <a:schemeClr val="tx2"/>
-                </a:solidFill>
-              </a:rPr>
-              <a:t> para </a:t>
-            </a:r>
-            <a:r>
-              <a:rPr lang="en-US" altLang="pt-BR" sz="2200" dirty="0" err="1">
-                <a:solidFill>
-                  <a:schemeClr val="tx2"/>
-                </a:solidFill>
-              </a:rPr>
-              <a:t>economizar</a:t>
-            </a:r>
-            <a:r>
-              <a:rPr lang="en-US" altLang="pt-BR" sz="2200" dirty="0">
-                <a:solidFill>
-                  <a:schemeClr val="tx2"/>
-                </a:solidFill>
-              </a:rPr>
-              <a:t> </a:t>
-            </a:r>
-            <a:r>
-              <a:rPr lang="en-US" altLang="pt-BR" sz="2200" dirty="0" err="1">
-                <a:solidFill>
-                  <a:schemeClr val="tx2"/>
-                </a:solidFill>
-              </a:rPr>
-              <a:t>bateria</a:t>
-            </a:r>
-            <a:endParaRPr lang="en-US" altLang="pt-BR" sz="2200" dirty="0">
-              <a:solidFill>
-                <a:schemeClr val="tx2"/>
-              </a:solidFill>
-            </a:endParaRPr>
-          </a:p>
-        </p:txBody>
-      </p:sp>
-      <p:pic>
-        <p:nvPicPr>
-          <p:cNvPr id="5" name="Espaço Reservado para Conteúdo 4"/>
-          <p:cNvPicPr>
-            <a:picLocks noGrp="1" noChangeAspect="1"/>
-          </p:cNvPicPr>
-          <p:nvPr>
-            <p:ph idx="1"/>
-          </p:nvPr>
-        </p:nvPicPr>
-        <p:blipFill>
-          <a:blip r:embed="rId2" cstate="print">
-            <a:extLst>
-              <a:ext uri="{28A0092B-C50C-407E-A947-70E740481C1C}">
-                <a14:useLocalDpi xmlns:a14="http://schemas.microsoft.com/office/drawing/2010/main" val="0"/>
-              </a:ext>
-            </a:extLst>
-          </a:blip>
-          <a:stretch>
-            <a:fillRect/>
-          </a:stretch>
-        </p:blipFill>
-        <p:spPr>
-          <a:xfrm>
-            <a:off x="6553200" y="1905000"/>
-            <a:ext cx="2142232" cy="3808413"/>
-          </a:xfrm>
-        </p:spPr>
-      </p:pic>
-    </p:spTree>
-    <p:extLst>
-      <p:ext uri="{BB962C8B-B14F-4D97-AF65-F5344CB8AC3E}">
-        <p14:creationId xmlns:p14="http://schemas.microsoft.com/office/powerpoint/2010/main" val="639757292"/>
-      </p:ext>
-    </p:extLst>
-  </p:cSld>
-  <p:clrMapOvr>
-    <a:masterClrMapping/>
-  </p:clrMapOvr>
-</p:sld>
-</file>
-
-<file path=ppt/slides/slide11.xml><?xml version="1.0" encoding="utf-8"?>
-<p:sld xmlns:a="http://schemas.openxmlformats.org/drawingml/2006/main" xmlns:r="http://schemas.openxmlformats.org/officeDocument/2006/relationships" xmlns:p="http://schemas.openxmlformats.org/presentationml/2006/main">
-  <p:cSld>
-    <p:spTree>
-      <p:nvGrpSpPr>
-        <p:cNvPr id="1" name=""/>
-        <p:cNvGrpSpPr/>
-        <p:nvPr/>
-      </p:nvGrpSpPr>
-      <p:grpSpPr>
-        <a:xfrm>
-          <a:off x="0" y="0"/>
-          <a:ext cx="0" cy="0"/>
-          <a:chOff x="0" y="0"/>
-          <a:chExt cx="0" cy="0"/>
-        </a:xfrm>
-      </p:grpSpPr>
-      <p:sp>
-        <p:nvSpPr>
-          <p:cNvPr id="2" name="Título 1"/>
-          <p:cNvSpPr>
-            <a:spLocks noGrp="1"/>
-          </p:cNvSpPr>
-          <p:nvPr>
-            <p:ph type="title"/>
-          </p:nvPr>
-        </p:nvSpPr>
-        <p:spPr/>
-        <p:txBody>
-          <a:bodyPr/>
-          <a:lstStyle/>
-          <a:p>
-            <a:r>
-              <a:rPr lang="pt-BR" dirty="0"/>
-              <a:t>Ciclo de vida dos aplicativos</a:t>
-            </a:r>
-          </a:p>
-        </p:txBody>
-      </p:sp>
-      <p:sp>
-        <p:nvSpPr>
-          <p:cNvPr id="3" name="Espaço Reservado para Conteúdo 2"/>
-          <p:cNvSpPr>
-            <a:spLocks noGrp="1"/>
-          </p:cNvSpPr>
-          <p:nvPr>
-            <p:ph idx="1"/>
-          </p:nvPr>
-        </p:nvSpPr>
-        <p:spPr/>
-        <p:txBody>
-          <a:bodyPr/>
-          <a:lstStyle/>
-          <a:p>
-            <a:pPr marL="287338" lvl="1">
-              <a:buFont typeface="Wingdings" pitchFamily="2" charset="2"/>
-              <a:buChar char="§"/>
-            </a:pPr>
-            <a:r>
-              <a:rPr lang="en-US" altLang="pt-BR" sz="2200" dirty="0" err="1"/>
-              <a:t>Desenvolvidos</a:t>
-            </a:r>
-            <a:r>
-              <a:rPr lang="en-US" altLang="pt-BR" sz="2200" dirty="0"/>
-              <a:t> para </a:t>
-            </a:r>
-            <a:r>
-              <a:rPr lang="en-US" altLang="pt-BR" sz="2200" dirty="0" err="1"/>
-              <a:t>economizar</a:t>
-            </a:r>
-            <a:r>
-              <a:rPr lang="en-US" altLang="pt-BR" sz="2200" dirty="0"/>
-              <a:t> </a:t>
-            </a:r>
-            <a:r>
-              <a:rPr lang="en-US" altLang="pt-BR" sz="2200" dirty="0" err="1"/>
-              <a:t>bateria</a:t>
-            </a:r>
-            <a:endParaRPr lang="en-US" altLang="pt-BR" sz="2200" dirty="0"/>
-          </a:p>
-          <a:p>
-            <a:pPr marL="287338" lvl="1">
-              <a:buFont typeface="Wingdings" pitchFamily="2" charset="2"/>
-              <a:buChar char="§"/>
-            </a:pPr>
-            <a:r>
-              <a:rPr lang="en-US" altLang="pt-BR" sz="2200" dirty="0"/>
-              <a:t>Activities </a:t>
-            </a:r>
-            <a:r>
-              <a:rPr lang="en-US" altLang="pt-BR" sz="2200" dirty="0" err="1"/>
-              <a:t>são</a:t>
-            </a:r>
-            <a:r>
-              <a:rPr lang="en-US" altLang="pt-BR" sz="2200" dirty="0"/>
-              <a:t> </a:t>
-            </a:r>
-            <a:r>
-              <a:rPr lang="en-US" altLang="pt-BR" sz="2200" dirty="0" err="1"/>
-              <a:t>chamadas</a:t>
-            </a:r>
-            <a:r>
-              <a:rPr lang="en-US" altLang="pt-BR" sz="2200" dirty="0"/>
-              <a:t>,</a:t>
-            </a:r>
-          </a:p>
-          <a:p>
-            <a:pPr marL="0" lvl="1" indent="0">
-              <a:buNone/>
-            </a:pPr>
-            <a:r>
-              <a:rPr lang="en-US" altLang="pt-BR" sz="2200" dirty="0" err="1"/>
-              <a:t>Tomando</a:t>
-            </a:r>
-            <a:r>
-              <a:rPr lang="en-US" altLang="pt-BR" sz="2200" dirty="0"/>
-              <a:t> </a:t>
-            </a:r>
-            <a:r>
-              <a:rPr lang="en-US" altLang="pt-BR" sz="2200" dirty="0" err="1"/>
-              <a:t>prioridades</a:t>
-            </a:r>
-            <a:r>
-              <a:rPr lang="en-US" altLang="pt-BR" sz="2200" dirty="0"/>
-              <a:t> </a:t>
-            </a:r>
-            <a:r>
-              <a:rPr lang="en-US" altLang="pt-BR" sz="2200" dirty="0" err="1"/>
-              <a:t>na</a:t>
-            </a:r>
-            <a:r>
-              <a:rPr lang="en-US" altLang="pt-BR" sz="2200" dirty="0"/>
-              <a:t> “</a:t>
-            </a:r>
-            <a:r>
-              <a:rPr lang="en-US" altLang="pt-BR" sz="2200" dirty="0" err="1"/>
-              <a:t>pilha</a:t>
-            </a:r>
-            <a:r>
-              <a:rPr lang="en-US" altLang="pt-BR" sz="2200" dirty="0"/>
-              <a:t>”</a:t>
-            </a:r>
-          </a:p>
-          <a:p>
-            <a:pPr marL="0" lvl="1" indent="0">
-              <a:buNone/>
-            </a:pPr>
-            <a:endParaRPr lang="en-US" altLang="pt-BR" sz="2200" dirty="0"/>
-          </a:p>
-          <a:p>
-            <a:endParaRPr lang="pt-BR" dirty="0"/>
-          </a:p>
-        </p:txBody>
-      </p:sp>
-      <p:pic>
-        <p:nvPicPr>
-          <p:cNvPr id="6" name="Espaço Reservado para Conteúdo 4"/>
-          <p:cNvPicPr>
-            <a:picLocks noChangeAspect="1"/>
-          </p:cNvPicPr>
-          <p:nvPr/>
-        </p:nvPicPr>
-        <p:blipFill>
-          <a:blip r:embed="rId2" cstate="print">
-            <a:extLst>
-              <a:ext uri="{28A0092B-C50C-407E-A947-70E740481C1C}">
-                <a14:useLocalDpi xmlns:a14="http://schemas.microsoft.com/office/drawing/2010/main" val="0"/>
-              </a:ext>
-            </a:extLst>
-          </a:blip>
-          <a:stretch>
-            <a:fillRect/>
-          </a:stretch>
-        </p:blipFill>
-        <p:spPr>
-          <a:xfrm>
-            <a:off x="6553200" y="1905000"/>
-            <a:ext cx="2142232" cy="3808413"/>
-          </a:xfrm>
-          <a:prstGeom prst="rect">
-            <a:avLst/>
-          </a:prstGeom>
-        </p:spPr>
-      </p:pic>
-      <p:pic>
-        <p:nvPicPr>
-          <p:cNvPr id="7" name="Imagem 6"/>
-          <p:cNvPicPr>
-            <a:picLocks noChangeAspect="1"/>
-          </p:cNvPicPr>
-          <p:nvPr/>
-        </p:nvPicPr>
-        <p:blipFill>
-          <a:blip r:embed="rId3" cstate="print">
-            <a:extLst>
-              <a:ext uri="{28A0092B-C50C-407E-A947-70E740481C1C}">
-                <a14:useLocalDpi xmlns:a14="http://schemas.microsoft.com/office/drawing/2010/main" val="0"/>
-              </a:ext>
-            </a:extLst>
-          </a:blip>
-          <a:stretch>
-            <a:fillRect/>
-          </a:stretch>
-        </p:blipFill>
-        <p:spPr>
-          <a:xfrm>
-            <a:off x="5629392" y="2133600"/>
-            <a:ext cx="2157412" cy="3835399"/>
-          </a:xfrm>
-          <a:prstGeom prst="rect">
-            <a:avLst/>
-          </a:prstGeom>
-        </p:spPr>
-      </p:pic>
-    </p:spTree>
-    <p:extLst>
-      <p:ext uri="{BB962C8B-B14F-4D97-AF65-F5344CB8AC3E}">
-        <p14:creationId xmlns:p14="http://schemas.microsoft.com/office/powerpoint/2010/main" val="4125993617"/>
-      </p:ext>
-    </p:extLst>
-  </p:cSld>
-  <p:clrMapOvr>
-    <a:masterClrMapping/>
-  </p:clrMapOvr>
-</p:sld>
-</file>
-
-<file path=ppt/slides/slide12.xml><?xml version="1.0" encoding="utf-8"?>
-<p:sld xmlns:a="http://schemas.openxmlformats.org/drawingml/2006/main" xmlns:r="http://schemas.openxmlformats.org/officeDocument/2006/relationships" xmlns:p="http://schemas.openxmlformats.org/presentationml/2006/main">
-  <p:cSld>
-    <p:spTree>
-      <p:nvGrpSpPr>
-        <p:cNvPr id="1" name=""/>
-        <p:cNvGrpSpPr/>
-        <p:nvPr/>
-      </p:nvGrpSpPr>
-      <p:grpSpPr>
-        <a:xfrm>
-          <a:off x="0" y="0"/>
-          <a:ext cx="0" cy="0"/>
-          <a:chOff x="0" y="0"/>
-          <a:chExt cx="0" cy="0"/>
-        </a:xfrm>
-      </p:grpSpPr>
-      <p:sp>
-        <p:nvSpPr>
-          <p:cNvPr id="2" name="Título 1"/>
-          <p:cNvSpPr>
-            <a:spLocks noGrp="1"/>
-          </p:cNvSpPr>
-          <p:nvPr>
-            <p:ph type="title"/>
-          </p:nvPr>
-        </p:nvSpPr>
-        <p:spPr/>
-        <p:txBody>
-          <a:bodyPr/>
-          <a:lstStyle/>
-          <a:p>
-            <a:r>
-              <a:rPr lang="pt-BR" dirty="0"/>
-              <a:t>Ciclo de vida dos aplicativos</a:t>
-            </a:r>
-          </a:p>
-        </p:txBody>
-      </p:sp>
-      <p:sp>
-        <p:nvSpPr>
-          <p:cNvPr id="3" name="Espaço Reservado para Conteúdo 2"/>
-          <p:cNvSpPr>
-            <a:spLocks noGrp="1"/>
-          </p:cNvSpPr>
-          <p:nvPr>
-            <p:ph idx="1"/>
-          </p:nvPr>
-        </p:nvSpPr>
-        <p:spPr/>
-        <p:txBody>
-          <a:bodyPr/>
-          <a:lstStyle/>
-          <a:p>
-            <a:pPr marL="287338" lvl="1">
-              <a:buFont typeface="Wingdings" pitchFamily="2" charset="2"/>
-              <a:buChar char="§"/>
-            </a:pPr>
-            <a:r>
-              <a:rPr lang="en-US" altLang="pt-BR" sz="2200" dirty="0" err="1"/>
-              <a:t>Desenvolvidos</a:t>
-            </a:r>
-            <a:r>
-              <a:rPr lang="en-US" altLang="pt-BR" sz="2200" dirty="0"/>
-              <a:t> para </a:t>
-            </a:r>
-            <a:r>
-              <a:rPr lang="en-US" altLang="pt-BR" sz="2200" dirty="0" err="1"/>
-              <a:t>economizar</a:t>
-            </a:r>
-            <a:r>
-              <a:rPr lang="en-US" altLang="pt-BR" sz="2200" dirty="0"/>
-              <a:t> </a:t>
-            </a:r>
-            <a:r>
-              <a:rPr lang="en-US" altLang="pt-BR" sz="2200" dirty="0" err="1"/>
-              <a:t>bateria</a:t>
-            </a:r>
-            <a:endParaRPr lang="en-US" altLang="pt-BR" sz="2200" dirty="0"/>
-          </a:p>
-          <a:p>
-            <a:pPr marL="287338" lvl="1">
-              <a:buFont typeface="Wingdings" pitchFamily="2" charset="2"/>
-              <a:buChar char="§"/>
-            </a:pPr>
-            <a:r>
-              <a:rPr lang="en-US" altLang="pt-BR" sz="2200" dirty="0"/>
-              <a:t>Activities </a:t>
-            </a:r>
-            <a:r>
-              <a:rPr lang="en-US" altLang="pt-BR" sz="2200" dirty="0" err="1"/>
-              <a:t>são</a:t>
-            </a:r>
-            <a:r>
-              <a:rPr lang="en-US" altLang="pt-BR" sz="2200" dirty="0"/>
-              <a:t> </a:t>
-            </a:r>
-            <a:r>
-              <a:rPr lang="en-US" altLang="pt-BR" sz="2200" dirty="0" err="1"/>
-              <a:t>chamadas</a:t>
-            </a:r>
-            <a:r>
-              <a:rPr lang="en-US" altLang="pt-BR" sz="2200" dirty="0"/>
-              <a:t>,</a:t>
-            </a:r>
-          </a:p>
-          <a:p>
-            <a:pPr marL="0" lvl="1" indent="0">
-              <a:buNone/>
-            </a:pPr>
-            <a:r>
-              <a:rPr lang="en-US" altLang="pt-BR" sz="2200" dirty="0" err="1"/>
-              <a:t>Tomando</a:t>
-            </a:r>
-            <a:r>
-              <a:rPr lang="en-US" altLang="pt-BR" sz="2200" dirty="0"/>
-              <a:t> </a:t>
-            </a:r>
-            <a:r>
-              <a:rPr lang="en-US" altLang="pt-BR" sz="2200" dirty="0" err="1"/>
-              <a:t>prioridades</a:t>
-            </a:r>
-            <a:r>
-              <a:rPr lang="en-US" altLang="pt-BR" sz="2200" dirty="0"/>
-              <a:t> </a:t>
-            </a:r>
-            <a:r>
-              <a:rPr lang="en-US" altLang="pt-BR" sz="2200" dirty="0" err="1"/>
-              <a:t>na</a:t>
-            </a:r>
-            <a:r>
-              <a:rPr lang="en-US" altLang="pt-BR" sz="2200" dirty="0"/>
-              <a:t> “</a:t>
-            </a:r>
-            <a:r>
-              <a:rPr lang="en-US" altLang="pt-BR" sz="2200" dirty="0" err="1"/>
-              <a:t>pilha</a:t>
-            </a:r>
-            <a:r>
-              <a:rPr lang="en-US" altLang="pt-BR" sz="2200" dirty="0"/>
-              <a:t>”</a:t>
-            </a:r>
-          </a:p>
-          <a:p>
-            <a:pPr marL="0" lvl="1" indent="0">
-              <a:buNone/>
-            </a:pPr>
-            <a:endParaRPr lang="pt-BR" sz="2200" dirty="0"/>
-          </a:p>
-          <a:p>
-            <a:r>
-              <a:rPr lang="pt-BR" sz="2200" dirty="0" err="1"/>
-              <a:t>Activities</a:t>
-            </a:r>
-            <a:r>
-              <a:rPr lang="pt-BR" sz="2200" dirty="0"/>
-              <a:t> em background podem</a:t>
-            </a:r>
-          </a:p>
-          <a:p>
-            <a:pPr marL="0" indent="0">
-              <a:buNone/>
-            </a:pPr>
-            <a:r>
-              <a:rPr lang="pt-BR" sz="2200" dirty="0"/>
-              <a:t>ser encerradas a qualquer momento</a:t>
-            </a:r>
-          </a:p>
-          <a:p>
-            <a:r>
-              <a:rPr lang="pt-BR" sz="2200" dirty="0"/>
-              <a:t>Aqui começam os problemas </a:t>
-            </a:r>
-          </a:p>
-          <a:p>
-            <a:pPr marL="0" indent="0">
-              <a:buNone/>
-            </a:pPr>
-            <a:r>
-              <a:rPr lang="pt-BR" sz="2200" dirty="0"/>
-              <a:t>de </a:t>
-            </a:r>
-            <a:r>
-              <a:rPr lang="pt-BR" sz="2200" dirty="0" err="1"/>
-              <a:t>DoS</a:t>
-            </a:r>
-            <a:endParaRPr lang="pt-BR" sz="2200" dirty="0"/>
-          </a:p>
-          <a:p>
-            <a:r>
-              <a:rPr lang="pt-BR" sz="2200" dirty="0" err="1"/>
-              <a:t>DoS</a:t>
-            </a:r>
-            <a:r>
-              <a:rPr lang="pt-BR" sz="2200" dirty="0"/>
-              <a:t> = </a:t>
-            </a:r>
-            <a:r>
-              <a:rPr lang="pt-BR" sz="2200" dirty="0" err="1"/>
-              <a:t>Denial</a:t>
-            </a:r>
-            <a:r>
-              <a:rPr lang="pt-BR" sz="2200" dirty="0"/>
-              <a:t> </a:t>
-            </a:r>
-            <a:r>
-              <a:rPr lang="pt-BR" sz="2200" dirty="0" err="1"/>
-              <a:t>Of</a:t>
-            </a:r>
-            <a:r>
-              <a:rPr lang="pt-BR" sz="2200"/>
-              <a:t> Service </a:t>
-            </a:r>
-            <a:endParaRPr lang="pt-BR" sz="2200" dirty="0"/>
-          </a:p>
-          <a:p>
-            <a:pPr marL="0" indent="0">
-              <a:buNone/>
-            </a:pPr>
-            <a:endParaRPr lang="pt-BR" dirty="0"/>
-          </a:p>
-        </p:txBody>
-      </p:sp>
-      <p:pic>
-        <p:nvPicPr>
-          <p:cNvPr id="8" name="Espaço Reservado para Conteúdo 4"/>
-          <p:cNvPicPr>
-            <a:picLocks noChangeAspect="1"/>
-          </p:cNvPicPr>
-          <p:nvPr/>
-        </p:nvPicPr>
-        <p:blipFill>
-          <a:blip r:embed="rId2" cstate="print">
-            <a:extLst>
-              <a:ext uri="{28A0092B-C50C-407E-A947-70E740481C1C}">
-                <a14:useLocalDpi xmlns:a14="http://schemas.microsoft.com/office/drawing/2010/main" val="0"/>
-              </a:ext>
-            </a:extLst>
-          </a:blip>
-          <a:stretch>
-            <a:fillRect/>
-          </a:stretch>
-        </p:blipFill>
-        <p:spPr>
-          <a:xfrm>
-            <a:off x="6708098" y="1857871"/>
-            <a:ext cx="2142232" cy="3808413"/>
-          </a:xfrm>
-          <a:prstGeom prst="rect">
-            <a:avLst/>
-          </a:prstGeom>
-        </p:spPr>
-      </p:pic>
-      <p:pic>
-        <p:nvPicPr>
-          <p:cNvPr id="9" name="Imagem 8"/>
-          <p:cNvPicPr>
-            <a:picLocks noChangeAspect="1"/>
-          </p:cNvPicPr>
-          <p:nvPr/>
-        </p:nvPicPr>
-        <p:blipFill>
-          <a:blip r:embed="rId3" cstate="print">
-            <a:extLst>
-              <a:ext uri="{28A0092B-C50C-407E-A947-70E740481C1C}">
-                <a14:useLocalDpi xmlns:a14="http://schemas.microsoft.com/office/drawing/2010/main" val="0"/>
-              </a:ext>
-            </a:extLst>
-          </a:blip>
-          <a:stretch>
-            <a:fillRect/>
-          </a:stretch>
-        </p:blipFill>
-        <p:spPr>
-          <a:xfrm>
-            <a:off x="5784290" y="2086471"/>
-            <a:ext cx="2157412" cy="3835399"/>
-          </a:xfrm>
-          <a:prstGeom prst="rect">
-            <a:avLst/>
-          </a:prstGeom>
-        </p:spPr>
-      </p:pic>
-      <p:pic>
-        <p:nvPicPr>
-          <p:cNvPr id="10" name="Imagem 9"/>
-          <p:cNvPicPr>
-            <a:picLocks noChangeAspect="1"/>
-          </p:cNvPicPr>
-          <p:nvPr/>
-        </p:nvPicPr>
-        <p:blipFill>
-          <a:blip r:embed="rId4" cstate="print">
-            <a:extLst>
-              <a:ext uri="{28A0092B-C50C-407E-A947-70E740481C1C}">
-                <a14:useLocalDpi xmlns:a14="http://schemas.microsoft.com/office/drawing/2010/main" val="0"/>
-              </a:ext>
-            </a:extLst>
-          </a:blip>
-          <a:stretch>
-            <a:fillRect/>
-          </a:stretch>
-        </p:blipFill>
-        <p:spPr>
-          <a:xfrm>
-            <a:off x="5334000" y="2325498"/>
-            <a:ext cx="2157412" cy="3835399"/>
-          </a:xfrm>
-          <a:prstGeom prst="rect">
-            <a:avLst/>
-          </a:prstGeom>
-        </p:spPr>
-      </p:pic>
-    </p:spTree>
-    <p:extLst>
-      <p:ext uri="{BB962C8B-B14F-4D97-AF65-F5344CB8AC3E}">
-        <p14:creationId xmlns:p14="http://schemas.microsoft.com/office/powerpoint/2010/main" val="3178971909"/>
-      </p:ext>
-    </p:extLst>
-  </p:cSld>
-  <p:clrMapOvr>
-    <a:masterClrMapping/>
-  </p:clrMapOvr>
-</p:sld>
-</file>
-
-<file path=ppt/slides/slide13.xml><?xml version="1.0" encoding="utf-8"?>
-<p:sld xmlns:a="http://schemas.openxmlformats.org/drawingml/2006/main" xmlns:r="http://schemas.openxmlformats.org/officeDocument/2006/relationships" xmlns:p="http://schemas.openxmlformats.org/presentationml/2006/main">
-  <p:cSld>
-    <p:spTree>
-      <p:nvGrpSpPr>
-        <p:cNvPr id="1" name=""/>
-        <p:cNvGrpSpPr/>
-        <p:nvPr/>
-      </p:nvGrpSpPr>
-      <p:grpSpPr>
-        <a:xfrm>
-          <a:off x="0" y="0"/>
-          <a:ext cx="0" cy="0"/>
-          <a:chOff x="0" y="0"/>
-          <a:chExt cx="0" cy="0"/>
-        </a:xfrm>
-      </p:grpSpPr>
-      <p:sp>
-        <p:nvSpPr>
-          <p:cNvPr id="2" name="Title 1"/>
-          <p:cNvSpPr>
-            <a:spLocks noGrp="1"/>
-          </p:cNvSpPr>
-          <p:nvPr>
-            <p:ph type="title"/>
-          </p:nvPr>
-        </p:nvSpPr>
-        <p:spPr/>
-        <p:txBody>
-          <a:bodyPr/>
-          <a:lstStyle/>
-          <a:p>
-            <a:r>
-              <a:rPr lang="en-US" dirty="0" err="1"/>
-              <a:t>Camada</a:t>
-            </a:r>
-            <a:r>
-              <a:rPr lang="en-US" dirty="0"/>
-              <a:t> de </a:t>
-            </a:r>
-            <a:r>
-              <a:rPr lang="en-US" dirty="0" err="1"/>
-              <a:t>aplicação</a:t>
-            </a:r>
-            <a:r>
-              <a:rPr lang="en-US" dirty="0"/>
-              <a:t> - </a:t>
-            </a:r>
-            <a:r>
-              <a:rPr lang="en-US" dirty="0" err="1"/>
-              <a:t>Niveis</a:t>
-            </a:r>
-            <a:r>
-              <a:rPr lang="en-US" dirty="0"/>
-              <a:t> de </a:t>
-            </a:r>
-            <a:r>
-              <a:rPr lang="en-US" dirty="0" err="1"/>
-              <a:t>proteção</a:t>
-            </a:r>
-            <a:endParaRPr lang="en-US" dirty="0"/>
-          </a:p>
-        </p:txBody>
-      </p:sp>
-      <p:sp>
-        <p:nvSpPr>
-          <p:cNvPr id="3" name="Content Placeholder 2"/>
-          <p:cNvSpPr>
-            <a:spLocks noGrp="1"/>
-          </p:cNvSpPr>
-          <p:nvPr>
-            <p:ph idx="1"/>
-          </p:nvPr>
-        </p:nvSpPr>
-        <p:spPr>
-          <a:xfrm>
-            <a:off x="359763" y="685800"/>
-            <a:ext cx="8327037" cy="5715000"/>
-          </a:xfrm>
-        </p:spPr>
-        <p:txBody>
-          <a:bodyPr>
-            <a:noAutofit/>
-          </a:bodyPr>
-          <a:lstStyle/>
-          <a:p>
-            <a:pPr marL="0" indent="0">
-              <a:lnSpc>
-                <a:spcPct val="170000"/>
-              </a:lnSpc>
-              <a:buNone/>
-            </a:pPr>
-            <a:endParaRPr lang="en-US" sz="2400" dirty="0"/>
-          </a:p>
-          <a:p>
-            <a:pPr>
-              <a:lnSpc>
-                <a:spcPct val="170000"/>
-              </a:lnSpc>
-            </a:pPr>
-            <a:r>
-              <a:rPr lang="en-US" sz="2400" dirty="0"/>
-              <a:t>As </a:t>
-            </a:r>
-            <a:r>
-              <a:rPr lang="en-US" sz="2400" dirty="0" err="1"/>
-              <a:t>permissões</a:t>
-            </a:r>
-            <a:r>
-              <a:rPr lang="en-US" sz="2400" dirty="0"/>
-              <a:t> </a:t>
-            </a:r>
-            <a:r>
-              <a:rPr lang="en-US" sz="2400" dirty="0" err="1"/>
-              <a:t>são</a:t>
-            </a:r>
-            <a:r>
-              <a:rPr lang="en-US" sz="2400" dirty="0"/>
-              <a:t> </a:t>
-            </a:r>
-            <a:r>
-              <a:rPr lang="en-US" sz="2400" dirty="0" err="1"/>
-              <a:t>definidas</a:t>
-            </a:r>
-            <a:r>
-              <a:rPr lang="en-US" sz="2400" dirty="0"/>
-              <a:t> </a:t>
-            </a:r>
-            <a:r>
-              <a:rPr lang="en-US" sz="2400" dirty="0" err="1"/>
-              <a:t>em</a:t>
-            </a:r>
-            <a:r>
-              <a:rPr lang="en-US" sz="2400" dirty="0"/>
-              <a:t> AndroidManifest.xml</a:t>
-            </a:r>
-          </a:p>
-          <a:p>
-            <a:pPr>
-              <a:lnSpc>
-                <a:spcPct val="170000"/>
-              </a:lnSpc>
-            </a:pPr>
-            <a:r>
-              <a:rPr lang="en-US" sz="2400" dirty="0" err="1"/>
-              <a:t>PackageManager</a:t>
-            </a:r>
-            <a:r>
-              <a:rPr lang="en-US" sz="2400" dirty="0"/>
-              <a:t> e </a:t>
-            </a:r>
-            <a:r>
-              <a:rPr lang="en-US" sz="2400" dirty="0" err="1"/>
-              <a:t>ActivityManager</a:t>
-            </a:r>
-            <a:r>
-              <a:rPr lang="en-US" sz="2400" dirty="0"/>
-              <a:t> </a:t>
-            </a:r>
-            <a:r>
-              <a:rPr lang="en-US" sz="2400" dirty="0" err="1"/>
-              <a:t>aplicam</a:t>
-            </a:r>
-            <a:r>
-              <a:rPr lang="en-US" sz="2400" dirty="0"/>
-              <a:t> as </a:t>
-            </a:r>
-            <a:r>
-              <a:rPr lang="en-US" sz="2400" dirty="0" err="1"/>
-              <a:t>permissões</a:t>
-            </a:r>
-            <a:endParaRPr lang="en-US" sz="2400" dirty="0"/>
-          </a:p>
-          <a:p>
-            <a:pPr>
-              <a:lnSpc>
-                <a:spcPct val="170000"/>
-              </a:lnSpc>
-            </a:pPr>
-            <a:r>
-              <a:rPr lang="en-US" sz="2400" dirty="0"/>
-              <a:t>O </a:t>
-            </a:r>
-            <a:r>
-              <a:rPr lang="en-US" sz="2400" dirty="0" err="1"/>
-              <a:t>usuário</a:t>
-            </a:r>
-            <a:r>
-              <a:rPr lang="en-US" sz="2400" dirty="0"/>
-              <a:t> </a:t>
-            </a:r>
-            <a:r>
-              <a:rPr lang="en-US" sz="2400" dirty="0" err="1"/>
-              <a:t>aceita</a:t>
-            </a:r>
-            <a:r>
-              <a:rPr lang="en-US" sz="2400" dirty="0"/>
-              <a:t> </a:t>
-            </a:r>
-            <a:r>
-              <a:rPr lang="en-US" sz="2400" dirty="0" err="1"/>
-              <a:t>estas</a:t>
-            </a:r>
-            <a:r>
-              <a:rPr lang="en-US" sz="2400" dirty="0"/>
-              <a:t> </a:t>
-            </a:r>
-            <a:r>
-              <a:rPr lang="en-US" sz="2400" dirty="0" err="1"/>
-              <a:t>permissões</a:t>
-            </a:r>
-            <a:r>
-              <a:rPr lang="en-US" sz="2400" dirty="0"/>
-              <a:t> no </a:t>
-            </a:r>
-            <a:r>
-              <a:rPr lang="en-US" sz="2400" dirty="0" err="1"/>
-              <a:t>ato</a:t>
-            </a:r>
-            <a:r>
-              <a:rPr lang="en-US" sz="2400" dirty="0"/>
-              <a:t> da </a:t>
-            </a:r>
-            <a:r>
-              <a:rPr lang="en-US" sz="2400" dirty="0" err="1"/>
-              <a:t>instalação</a:t>
-            </a:r>
-            <a:endParaRPr lang="en-US" sz="2400" dirty="0"/>
-          </a:p>
-          <a:p>
-            <a:pPr marL="0" indent="0">
-              <a:lnSpc>
-                <a:spcPct val="170000"/>
-              </a:lnSpc>
-              <a:buNone/>
-            </a:pPr>
-            <a:r>
-              <a:rPr lang="en-US" sz="2400" dirty="0"/>
-              <a:t> e </a:t>
-            </a:r>
-            <a:r>
-              <a:rPr lang="en-US" sz="2400" dirty="0" err="1"/>
-              <a:t>normalmente</a:t>
-            </a:r>
-            <a:r>
-              <a:rPr lang="en-US" sz="2400" dirty="0"/>
-              <a:t> </a:t>
-            </a:r>
-            <a:r>
-              <a:rPr lang="en-US" sz="2400" dirty="0" err="1"/>
-              <a:t>ninguém</a:t>
-            </a:r>
-            <a:r>
-              <a:rPr lang="en-US" sz="2400" dirty="0"/>
-              <a:t> </a:t>
-            </a:r>
-            <a:r>
-              <a:rPr lang="en-US" sz="2400" dirty="0" err="1"/>
-              <a:t>lê</a:t>
-            </a:r>
-            <a:r>
-              <a:rPr lang="en-US" sz="2400" dirty="0"/>
-              <a:t>! </a:t>
-            </a:r>
-            <a:r>
-              <a:rPr lang="en-US" sz="2400" dirty="0">
-                <a:sym typeface="Wingdings" panose="05000000000000000000" pitchFamily="2" charset="2"/>
-              </a:rPr>
-              <a:t>   </a:t>
-            </a:r>
-          </a:p>
-          <a:p>
-            <a:pPr>
-              <a:lnSpc>
-                <a:spcPct val="170000"/>
-              </a:lnSpc>
-            </a:pPr>
-            <a:r>
-              <a:rPr lang="en-US" sz="2400" dirty="0">
-                <a:sym typeface="Wingdings" panose="05000000000000000000" pitchFamily="2" charset="2"/>
-              </a:rPr>
-              <a:t>Agora no Android M e N </a:t>
-            </a:r>
-            <a:r>
-              <a:rPr lang="en-US" sz="2400" dirty="0" err="1">
-                <a:sym typeface="Wingdings" panose="05000000000000000000" pitchFamily="2" charset="2"/>
-              </a:rPr>
-              <a:t>aparece</a:t>
-            </a:r>
-            <a:r>
-              <a:rPr lang="en-US" sz="2400" dirty="0">
-                <a:sym typeface="Wingdings" panose="05000000000000000000" pitchFamily="2" charset="2"/>
-              </a:rPr>
-              <a:t> </a:t>
-            </a:r>
-            <a:r>
-              <a:rPr lang="en-US" sz="2400" dirty="0" err="1">
-                <a:sym typeface="Wingdings" panose="05000000000000000000" pitchFamily="2" charset="2"/>
-              </a:rPr>
-              <a:t>uma</a:t>
-            </a:r>
-            <a:r>
-              <a:rPr lang="en-US" sz="2400" dirty="0">
-                <a:sym typeface="Wingdings" panose="05000000000000000000" pitchFamily="2" charset="2"/>
-              </a:rPr>
-              <a:t> </a:t>
-            </a:r>
-            <a:r>
-              <a:rPr lang="en-US" sz="2400" dirty="0" err="1">
-                <a:sym typeface="Wingdings" panose="05000000000000000000" pitchFamily="2" charset="2"/>
-              </a:rPr>
-              <a:t>notificação</a:t>
-            </a:r>
-            <a:r>
-              <a:rPr lang="en-US" sz="2400" dirty="0">
-                <a:sym typeface="Wingdings" panose="05000000000000000000" pitchFamily="2" charset="2"/>
-              </a:rPr>
-              <a:t> para o </a:t>
-            </a:r>
-            <a:r>
-              <a:rPr lang="en-US" sz="2400" dirty="0" err="1">
-                <a:sym typeface="Wingdings" panose="05000000000000000000" pitchFamily="2" charset="2"/>
-              </a:rPr>
-              <a:t>usuário</a:t>
-            </a:r>
-            <a:r>
-              <a:rPr lang="en-US" sz="2400" dirty="0">
-                <a:sym typeface="Wingdings" panose="05000000000000000000" pitchFamily="2" charset="2"/>
-              </a:rPr>
-              <a:t>, </a:t>
-            </a:r>
-            <a:r>
-              <a:rPr lang="en-US" sz="2400" dirty="0" err="1">
-                <a:sym typeface="Wingdings" panose="05000000000000000000" pitchFamily="2" charset="2"/>
-              </a:rPr>
-              <a:t>solicitando</a:t>
-            </a:r>
-            <a:r>
-              <a:rPr lang="en-US" sz="2400" dirty="0">
-                <a:sym typeface="Wingdings" panose="05000000000000000000" pitchFamily="2" charset="2"/>
-              </a:rPr>
-              <a:t> que </a:t>
-            </a:r>
-            <a:r>
-              <a:rPr lang="en-US" sz="2400" dirty="0" err="1">
-                <a:sym typeface="Wingdings" panose="05000000000000000000" pitchFamily="2" charset="2"/>
-              </a:rPr>
-              <a:t>aceite</a:t>
-            </a:r>
-            <a:r>
-              <a:rPr lang="en-US" sz="2400" dirty="0">
-                <a:sym typeface="Wingdings" panose="05000000000000000000" pitchFamily="2" charset="2"/>
-              </a:rPr>
-              <a:t> </a:t>
-            </a:r>
-            <a:r>
-              <a:rPr lang="en-US" sz="2400" dirty="0" err="1">
-                <a:sym typeface="Wingdings" panose="05000000000000000000" pitchFamily="2" charset="2"/>
-              </a:rPr>
-              <a:t>ou</a:t>
-            </a:r>
-            <a:r>
-              <a:rPr lang="en-US" sz="2400" dirty="0">
-                <a:sym typeface="Wingdings" panose="05000000000000000000" pitchFamily="2" charset="2"/>
-              </a:rPr>
-              <a:t> </a:t>
-            </a:r>
-            <a:r>
-              <a:rPr lang="en-US" sz="2400" dirty="0" err="1">
-                <a:sym typeface="Wingdings" panose="05000000000000000000" pitchFamily="2" charset="2"/>
-              </a:rPr>
-              <a:t>não</a:t>
-            </a:r>
-            <a:endParaRPr lang="en-US" sz="2400" dirty="0">
-              <a:sym typeface="Wingdings" panose="05000000000000000000" pitchFamily="2" charset="2"/>
-            </a:endParaRPr>
-          </a:p>
-          <a:p>
-            <a:pPr marL="0" indent="0">
-              <a:lnSpc>
-                <a:spcPct val="170000"/>
-              </a:lnSpc>
-              <a:buNone/>
-            </a:pPr>
-            <a:endParaRPr lang="en-US" sz="2400" dirty="0">
-              <a:sym typeface="Wingdings" panose="05000000000000000000" pitchFamily="2" charset="2"/>
-            </a:endParaRPr>
-          </a:p>
-        </p:txBody>
-      </p:sp>
-    </p:spTree>
-  </p:cSld>
-  <p:clrMapOvr>
-    <a:masterClrMapping/>
-  </p:clrMapOvr>
-</p:sld>
-</file>
-
-<file path=ppt/slides/slide14.xml><?xml version="1.0" encoding="utf-8"?>
-<p:sld xmlns:a="http://schemas.openxmlformats.org/drawingml/2006/main" xmlns:r="http://schemas.openxmlformats.org/officeDocument/2006/relationships" xmlns:p="http://schemas.openxmlformats.org/presentationml/2006/main">
-  <p:cSld>
-    <p:spTree>
-      <p:nvGrpSpPr>
-        <p:cNvPr id="1" name=""/>
-        <p:cNvGrpSpPr/>
-        <p:nvPr/>
-      </p:nvGrpSpPr>
-      <p:grpSpPr>
-        <a:xfrm>
-          <a:off x="0" y="0"/>
-          <a:ext cx="0" cy="0"/>
-          <a:chOff x="0" y="0"/>
-          <a:chExt cx="0" cy="0"/>
-        </a:xfrm>
-      </p:grpSpPr>
-      <p:sp>
-        <p:nvSpPr>
-          <p:cNvPr id="2" name="Title 1"/>
-          <p:cNvSpPr>
-            <a:spLocks noGrp="1"/>
-          </p:cNvSpPr>
-          <p:nvPr>
-            <p:ph type="title"/>
-          </p:nvPr>
-        </p:nvSpPr>
-        <p:spPr/>
-        <p:txBody>
-          <a:bodyPr/>
-          <a:lstStyle/>
-          <a:p>
-            <a:r>
-              <a:rPr lang="en-US" dirty="0" err="1"/>
-              <a:t>Niveis</a:t>
-            </a:r>
-            <a:r>
-              <a:rPr lang="en-US" dirty="0"/>
-              <a:t> de </a:t>
-            </a:r>
-            <a:r>
-              <a:rPr lang="en-US" dirty="0" err="1"/>
-              <a:t>proteção</a:t>
-            </a:r>
-            <a:endParaRPr lang="en-US" dirty="0"/>
-          </a:p>
-        </p:txBody>
-      </p:sp>
-      <p:sp>
-        <p:nvSpPr>
-          <p:cNvPr id="3" name="Content Placeholder 2"/>
-          <p:cNvSpPr>
-            <a:spLocks noGrp="1"/>
-          </p:cNvSpPr>
-          <p:nvPr>
-            <p:ph idx="1"/>
-          </p:nvPr>
-        </p:nvSpPr>
-        <p:spPr>
-          <a:xfrm>
-            <a:off x="457200" y="1524000"/>
-            <a:ext cx="8229600" cy="4267200"/>
-          </a:xfrm>
-        </p:spPr>
-        <p:txBody>
-          <a:bodyPr>
-            <a:normAutofit fontScale="92500" lnSpcReduction="20000"/>
-          </a:bodyPr>
-          <a:lstStyle/>
-          <a:p>
-            <a:pPr>
-              <a:lnSpc>
-                <a:spcPct val="170000"/>
-              </a:lnSpc>
-            </a:pPr>
-            <a:r>
-              <a:rPr lang="en-US" sz="1400" b="1" dirty="0"/>
-              <a:t>NORMAL</a:t>
-            </a:r>
-          </a:p>
-          <a:p>
-            <a:pPr lvl="1">
-              <a:lnSpc>
-                <a:spcPct val="170000"/>
-              </a:lnSpc>
-              <a:buNone/>
-            </a:pPr>
-            <a:r>
-              <a:rPr lang="en-US" sz="1400" dirty="0"/>
-              <a:t>	</a:t>
-            </a:r>
-            <a:r>
-              <a:rPr lang="en-US" sz="1400" dirty="0" err="1">
-                <a:latin typeface="Courier New" pitchFamily="49" charset="0"/>
-                <a:cs typeface="Courier New" pitchFamily="49" charset="0"/>
-              </a:rPr>
-              <a:t>android.permission.VIBRATE</a:t>
-            </a:r>
-            <a:endParaRPr lang="en-US" sz="1400" dirty="0">
-              <a:latin typeface="Courier New" pitchFamily="49" charset="0"/>
-              <a:cs typeface="Courier New" pitchFamily="49" charset="0"/>
-            </a:endParaRPr>
-          </a:p>
-          <a:p>
-            <a:pPr lvl="1">
-              <a:lnSpc>
-                <a:spcPct val="170000"/>
-              </a:lnSpc>
-              <a:buNone/>
-            </a:pPr>
-            <a:r>
-              <a:rPr lang="en-US" sz="1400" dirty="0">
-                <a:latin typeface="Courier New" pitchFamily="49" charset="0"/>
-                <a:cs typeface="Courier New" pitchFamily="49" charset="0"/>
-              </a:rPr>
-              <a:t>	</a:t>
-            </a:r>
-            <a:r>
-              <a:rPr lang="en-US" sz="1400" dirty="0" err="1">
-                <a:latin typeface="Courier New" pitchFamily="49" charset="0"/>
-                <a:cs typeface="Courier New" pitchFamily="49" charset="0"/>
-              </a:rPr>
-              <a:t>com.android.alarm.permission.SET_ALARM</a:t>
-            </a:r>
-            <a:endParaRPr lang="en-US" sz="1400" dirty="0">
-              <a:latin typeface="Courier New" pitchFamily="49" charset="0"/>
-              <a:cs typeface="Courier New" pitchFamily="49" charset="0"/>
-            </a:endParaRPr>
-          </a:p>
-          <a:p>
-            <a:pPr>
-              <a:lnSpc>
-                <a:spcPct val="170000"/>
-              </a:lnSpc>
-            </a:pPr>
-            <a:r>
-              <a:rPr lang="en-US" sz="1400" b="1" dirty="0"/>
-              <a:t>DANGEROUS</a:t>
-            </a:r>
-          </a:p>
-          <a:p>
-            <a:pPr lvl="1">
-              <a:lnSpc>
-                <a:spcPct val="170000"/>
-              </a:lnSpc>
-              <a:buNone/>
-            </a:pPr>
-            <a:r>
-              <a:rPr lang="en-US" sz="1400" dirty="0"/>
-              <a:t>	</a:t>
-            </a:r>
-            <a:r>
-              <a:rPr lang="en-US" sz="1400" dirty="0" err="1">
-                <a:latin typeface="Courier New" pitchFamily="49" charset="0"/>
-                <a:cs typeface="Courier New" pitchFamily="49" charset="0"/>
-              </a:rPr>
-              <a:t>android.permission.SEND_SMS</a:t>
-            </a:r>
-            <a:endParaRPr lang="en-US" sz="1400" dirty="0">
-              <a:latin typeface="Courier New" pitchFamily="49" charset="0"/>
-              <a:cs typeface="Courier New" pitchFamily="49" charset="0"/>
-            </a:endParaRPr>
-          </a:p>
-          <a:p>
-            <a:pPr lvl="1">
-              <a:lnSpc>
-                <a:spcPct val="170000"/>
-              </a:lnSpc>
-              <a:buNone/>
-            </a:pPr>
-            <a:r>
-              <a:rPr lang="en-US" sz="1400" dirty="0">
-                <a:latin typeface="Courier New" pitchFamily="49" charset="0"/>
-                <a:cs typeface="Courier New" pitchFamily="49" charset="0"/>
-              </a:rPr>
-              <a:t>	</a:t>
-            </a:r>
-            <a:r>
-              <a:rPr lang="en-US" sz="1400" dirty="0" err="1">
-                <a:latin typeface="Courier New" pitchFamily="49" charset="0"/>
-                <a:cs typeface="Courier New" pitchFamily="49" charset="0"/>
-              </a:rPr>
-              <a:t>android.permission.CALL_PHONE</a:t>
-            </a:r>
-            <a:endParaRPr lang="en-US" sz="1400" dirty="0">
-              <a:latin typeface="Courier New" pitchFamily="49" charset="0"/>
-              <a:cs typeface="Courier New" pitchFamily="49" charset="0"/>
-            </a:endParaRPr>
-          </a:p>
-          <a:p>
-            <a:pPr>
-              <a:lnSpc>
-                <a:spcPct val="170000"/>
-              </a:lnSpc>
-            </a:pPr>
-            <a:r>
-              <a:rPr lang="en-US" sz="1400" b="1" dirty="0"/>
-              <a:t>SIGNATURE</a:t>
-            </a:r>
-          </a:p>
-          <a:p>
-            <a:pPr lvl="1">
-              <a:lnSpc>
-                <a:spcPct val="170000"/>
-              </a:lnSpc>
-              <a:buNone/>
-            </a:pPr>
-            <a:r>
-              <a:rPr lang="en-US" sz="1400" dirty="0"/>
-              <a:t>	</a:t>
-            </a:r>
-            <a:r>
-              <a:rPr lang="en-US" sz="1400" dirty="0" err="1">
-                <a:latin typeface="Courier New" pitchFamily="49" charset="0"/>
-                <a:cs typeface="Courier New" pitchFamily="49" charset="0"/>
-              </a:rPr>
-              <a:t>android.permission.FORCE_STOP_PACKAGES</a:t>
-            </a:r>
-            <a:endParaRPr lang="en-US" sz="1400" dirty="0">
-              <a:latin typeface="Courier New" pitchFamily="49" charset="0"/>
-              <a:cs typeface="Courier New" pitchFamily="49" charset="0"/>
-            </a:endParaRPr>
-          </a:p>
-          <a:p>
-            <a:pPr lvl="1">
-              <a:lnSpc>
-                <a:spcPct val="170000"/>
-              </a:lnSpc>
-              <a:buNone/>
-            </a:pPr>
-            <a:r>
-              <a:rPr lang="en-US" sz="1400" dirty="0">
-                <a:latin typeface="Courier New" pitchFamily="49" charset="0"/>
-                <a:cs typeface="Courier New" pitchFamily="49" charset="0"/>
-              </a:rPr>
-              <a:t>	</a:t>
-            </a:r>
-            <a:r>
-              <a:rPr lang="en-US" sz="1400" dirty="0" err="1">
-                <a:latin typeface="Courier New" pitchFamily="49" charset="0"/>
-                <a:cs typeface="Courier New" pitchFamily="49" charset="0"/>
-              </a:rPr>
-              <a:t>android.permission.INJECT_EVENTS</a:t>
-            </a:r>
-            <a:endParaRPr lang="en-US" sz="1400" dirty="0">
-              <a:latin typeface="Courier New" pitchFamily="49" charset="0"/>
-              <a:cs typeface="Courier New" pitchFamily="49" charset="0"/>
-            </a:endParaRPr>
-          </a:p>
-          <a:p>
-            <a:pPr>
-              <a:lnSpc>
-                <a:spcPct val="170000"/>
-              </a:lnSpc>
-            </a:pPr>
-            <a:r>
-              <a:rPr lang="en-US" sz="1400" b="1" dirty="0"/>
-              <a:t>SIGNATURE OR SYSTEM</a:t>
-            </a:r>
-          </a:p>
-          <a:p>
-            <a:pPr lvl="1">
-              <a:lnSpc>
-                <a:spcPct val="170000"/>
-              </a:lnSpc>
-              <a:buNone/>
-            </a:pPr>
-            <a:r>
-              <a:rPr lang="en-US" sz="1400" dirty="0"/>
-              <a:t>	</a:t>
-            </a:r>
-            <a:r>
-              <a:rPr lang="en-US" sz="1400" dirty="0" err="1">
-                <a:latin typeface="Courier New" pitchFamily="49" charset="0"/>
-                <a:cs typeface="Courier New" pitchFamily="49" charset="0"/>
-              </a:rPr>
-              <a:t>android.permission.ACCESS_USB</a:t>
-            </a:r>
-            <a:endParaRPr lang="en-US" sz="1400" dirty="0">
-              <a:latin typeface="Courier New" pitchFamily="49" charset="0"/>
-              <a:cs typeface="Courier New" pitchFamily="49" charset="0"/>
-            </a:endParaRPr>
-          </a:p>
-          <a:p>
-            <a:pPr lvl="1">
-              <a:lnSpc>
-                <a:spcPct val="170000"/>
-              </a:lnSpc>
-              <a:buNone/>
-            </a:pPr>
-            <a:r>
-              <a:rPr lang="en-US" sz="1400" dirty="0">
-                <a:latin typeface="Courier New" pitchFamily="49" charset="0"/>
-                <a:cs typeface="Courier New" pitchFamily="49" charset="0"/>
-              </a:rPr>
-              <a:t>	</a:t>
-            </a:r>
-            <a:r>
-              <a:rPr lang="en-US" sz="1400" dirty="0" err="1">
-                <a:latin typeface="Courier New" pitchFamily="49" charset="0"/>
-                <a:cs typeface="Courier New" pitchFamily="49" charset="0"/>
-              </a:rPr>
-              <a:t>android.permission.SET_TIME</a:t>
-            </a:r>
-            <a:endParaRPr lang="en-US" sz="1400" dirty="0">
-              <a:latin typeface="Courier New" pitchFamily="49" charset="0"/>
-              <a:cs typeface="Courier New" pitchFamily="49" charset="0"/>
-            </a:endParaRPr>
-          </a:p>
-          <a:p>
-            <a:pPr lvl="1">
-              <a:buNone/>
-            </a:pPr>
-            <a:endParaRPr lang="en-US" sz="1100" dirty="0"/>
-          </a:p>
-          <a:p>
-            <a:pPr>
-              <a:buNone/>
-            </a:pPr>
-            <a:endParaRPr lang="en-US" sz="1100" dirty="0"/>
-          </a:p>
-          <a:p>
-            <a:pPr>
-              <a:buNone/>
-            </a:pPr>
-            <a:endParaRPr lang="en-US" sz="1100" dirty="0"/>
-          </a:p>
-        </p:txBody>
-      </p:sp>
-    </p:spTree>
-  </p:cSld>
-  <p:clrMapOvr>
-    <a:masterClrMapping/>
-  </p:clrMapOvr>
-</p:sld>
-</file>
-
-<file path=ppt/slides/slide15.xml><?xml version="1.0" encoding="utf-8"?>
-<p:sld xmlns:a="http://schemas.openxmlformats.org/drawingml/2006/main" xmlns:r="http://schemas.openxmlformats.org/officeDocument/2006/relationships" xmlns:p="http://schemas.openxmlformats.org/presentationml/2006/main">
-  <p:cSld>
-    <p:spTree>
-      <p:nvGrpSpPr>
-        <p:cNvPr id="1" name=""/>
-        <p:cNvGrpSpPr/>
-        <p:nvPr/>
-      </p:nvGrpSpPr>
-      <p:grpSpPr>
-        <a:xfrm>
-          <a:off x="0" y="0"/>
-          <a:ext cx="0" cy="0"/>
-          <a:chOff x="0" y="0"/>
-          <a:chExt cx="0" cy="0"/>
-        </a:xfrm>
-      </p:grpSpPr>
-      <p:sp>
-        <p:nvSpPr>
-          <p:cNvPr id="2" name="Title 1"/>
-          <p:cNvSpPr>
-            <a:spLocks noGrp="1"/>
-          </p:cNvSpPr>
-          <p:nvPr>
-            <p:ph type="title"/>
-          </p:nvPr>
-        </p:nvSpPr>
-        <p:spPr/>
-        <p:txBody>
-          <a:bodyPr/>
-          <a:lstStyle/>
-          <a:p>
-            <a:r>
-              <a:rPr lang="en-US" dirty="0"/>
-              <a:t>Como </a:t>
-            </a:r>
-            <a:r>
-              <a:rPr lang="en-US" dirty="0" err="1"/>
-              <a:t>podemos</a:t>
-            </a:r>
-            <a:r>
-              <a:rPr lang="en-US" dirty="0"/>
-              <a:t> “</a:t>
-            </a:r>
-            <a:r>
-              <a:rPr lang="en-US" dirty="0" err="1"/>
-              <a:t>hackear</a:t>
-            </a:r>
-            <a:r>
-              <a:rPr lang="en-US" dirty="0"/>
-              <a:t>” um app </a:t>
-            </a:r>
-          </a:p>
-        </p:txBody>
-      </p:sp>
-      <p:sp>
-        <p:nvSpPr>
-          <p:cNvPr id="3" name="Content Placeholder 2"/>
-          <p:cNvSpPr>
-            <a:spLocks noGrp="1"/>
-          </p:cNvSpPr>
-          <p:nvPr>
-            <p:ph idx="1"/>
-          </p:nvPr>
-        </p:nvSpPr>
-        <p:spPr/>
-        <p:txBody>
-          <a:bodyPr>
-            <a:normAutofit fontScale="85000" lnSpcReduction="20000"/>
-          </a:bodyPr>
-          <a:lstStyle/>
-          <a:p>
-            <a:pPr>
-              <a:lnSpc>
-                <a:spcPct val="160000"/>
-              </a:lnSpc>
-            </a:pPr>
-            <a:r>
-              <a:rPr lang="en-US" sz="3000" dirty="0" err="1"/>
-              <a:t>Existe</a:t>
-            </a:r>
-            <a:r>
-              <a:rPr lang="en-US" sz="3000" dirty="0"/>
-              <a:t> um </a:t>
-            </a:r>
-            <a:r>
-              <a:rPr lang="en-US" sz="3000" dirty="0" err="1"/>
-              <a:t>conjunto</a:t>
-            </a:r>
-            <a:r>
-              <a:rPr lang="en-US" sz="3000" dirty="0"/>
-              <a:t> de </a:t>
-            </a:r>
-            <a:r>
-              <a:rPr lang="en-US" sz="3000" dirty="0" err="1"/>
-              <a:t>ferramentas</a:t>
-            </a:r>
-            <a:r>
-              <a:rPr lang="en-US" sz="3000" dirty="0"/>
-              <a:t> </a:t>
-            </a:r>
-            <a:r>
-              <a:rPr lang="en-US" sz="3000" dirty="0" err="1"/>
-              <a:t>nos</a:t>
-            </a:r>
-            <a:r>
-              <a:rPr lang="en-US" sz="3000" dirty="0"/>
-              <a:t> </a:t>
-            </a:r>
-            <a:r>
-              <a:rPr lang="en-US" sz="3000" dirty="0" err="1"/>
-              <a:t>ajudam</a:t>
-            </a:r>
-            <a:r>
-              <a:rPr lang="en-US" sz="3000" dirty="0"/>
-              <a:t> a </a:t>
-            </a:r>
-            <a:r>
-              <a:rPr lang="en-US" sz="3000" dirty="0" err="1"/>
-              <a:t>validar</a:t>
-            </a:r>
-            <a:r>
-              <a:rPr lang="en-US" sz="3000" dirty="0"/>
-              <a:t> e </a:t>
-            </a:r>
-            <a:r>
-              <a:rPr lang="en-US" sz="3000" dirty="0" err="1"/>
-              <a:t>encontrar</a:t>
-            </a:r>
-            <a:r>
-              <a:rPr lang="en-US" sz="3000" dirty="0"/>
-              <a:t> </a:t>
-            </a:r>
-            <a:r>
-              <a:rPr lang="en-US" sz="3000" dirty="0" err="1"/>
-              <a:t>estas</a:t>
-            </a:r>
-            <a:r>
-              <a:rPr lang="en-US" sz="3000" dirty="0"/>
-              <a:t> </a:t>
-            </a:r>
-            <a:r>
-              <a:rPr lang="en-US" sz="3000" dirty="0" err="1"/>
-              <a:t>falhas</a:t>
-            </a:r>
-            <a:r>
-              <a:rPr lang="en-US" sz="3000" dirty="0"/>
-              <a:t> de </a:t>
-            </a:r>
-            <a:r>
-              <a:rPr lang="en-US" sz="3000" dirty="0" err="1"/>
-              <a:t>segurança</a:t>
-            </a:r>
-            <a:endParaRPr lang="en-US" sz="3000" dirty="0"/>
-          </a:p>
-          <a:p>
-            <a:pPr>
-              <a:lnSpc>
-                <a:spcPct val="160000"/>
-              </a:lnSpc>
-            </a:pPr>
-            <a:r>
-              <a:rPr lang="en-US" sz="3000" dirty="0" err="1"/>
-              <a:t>Introdução</a:t>
-            </a:r>
-            <a:r>
-              <a:rPr lang="en-US" sz="3000" dirty="0"/>
-              <a:t> </a:t>
-            </a:r>
-            <a:r>
-              <a:rPr lang="en-US" sz="3000" dirty="0" err="1"/>
-              <a:t>ao</a:t>
-            </a:r>
-            <a:r>
-              <a:rPr lang="en-US" sz="3000" dirty="0"/>
-              <a:t> </a:t>
-            </a:r>
-            <a:r>
-              <a:rPr lang="en-US" sz="3000" dirty="0" err="1"/>
-              <a:t>Drozer</a:t>
-            </a:r>
-            <a:r>
-              <a:rPr lang="en-US" sz="3000" dirty="0"/>
-              <a:t> </a:t>
-            </a:r>
-            <a:r>
-              <a:rPr lang="en-US" sz="3000" dirty="0">
-                <a:hlinkClick r:id="rId2"/>
-              </a:rPr>
-              <a:t>https://labs.mwrinfosecurity.com/tools/drozer/</a:t>
-            </a:r>
-            <a:endParaRPr lang="en-US" sz="3000" dirty="0"/>
-          </a:p>
-          <a:p>
-            <a:pPr>
-              <a:lnSpc>
-                <a:spcPct val="160000"/>
-              </a:lnSpc>
-            </a:pPr>
-            <a:r>
-              <a:rPr lang="en-US" sz="3000" dirty="0"/>
-              <a:t>Cliente/</a:t>
-            </a:r>
-            <a:r>
-              <a:rPr lang="en-US" sz="3000" dirty="0" err="1"/>
-              <a:t>Servidor</a:t>
-            </a:r>
-            <a:endParaRPr lang="en-US" sz="3000" dirty="0"/>
-          </a:p>
-          <a:p>
-            <a:pPr>
-              <a:lnSpc>
-                <a:spcPct val="160000"/>
-              </a:lnSpc>
-            </a:pPr>
-            <a:r>
-              <a:rPr lang="en-US" sz="3000" dirty="0" err="1"/>
-              <a:t>Permissão</a:t>
-            </a:r>
-            <a:r>
-              <a:rPr lang="en-US" sz="3000" dirty="0"/>
-              <a:t> de </a:t>
-            </a:r>
-            <a:r>
-              <a:rPr lang="en-US" sz="3000" dirty="0" err="1"/>
-              <a:t>acesso</a:t>
-            </a:r>
-            <a:r>
-              <a:rPr lang="en-US" sz="3000" dirty="0"/>
-              <a:t> total a </a:t>
-            </a:r>
-            <a:r>
-              <a:rPr lang="en-US" sz="3000" dirty="0" err="1"/>
-              <a:t>rede</a:t>
-            </a:r>
-            <a:endParaRPr lang="en-US" sz="3000" dirty="0"/>
-          </a:p>
-          <a:p>
-            <a:endParaRPr lang="en-US" dirty="0"/>
-          </a:p>
-        </p:txBody>
-      </p:sp>
-    </p:spTree>
-    <p:extLst>
-      <p:ext uri="{BB962C8B-B14F-4D97-AF65-F5344CB8AC3E}">
-        <p14:creationId xmlns:p14="http://schemas.microsoft.com/office/powerpoint/2010/main" val="3118188635"/>
-      </p:ext>
-    </p:extLst>
-  </p:cSld>
-  <p:clrMapOvr>
-    <a:masterClrMapping/>
-  </p:clrMapOvr>
-</p:sld>
-</file>
-
-<file path=ppt/slides/slide16.xml><?xml version="1.0" encoding="utf-8"?>
-<p:sld xmlns:a="http://schemas.openxmlformats.org/drawingml/2006/main" xmlns:r="http://schemas.openxmlformats.org/officeDocument/2006/relationships" xmlns:p="http://schemas.openxmlformats.org/presentationml/2006/main">
-  <p:cSld>
-    <p:spTree>
-      <p:nvGrpSpPr>
-        <p:cNvPr id="1" name=""/>
-        <p:cNvGrpSpPr/>
-        <p:nvPr/>
-      </p:nvGrpSpPr>
-      <p:grpSpPr>
-        <a:xfrm>
-          <a:off x="0" y="0"/>
-          <a:ext cx="0" cy="0"/>
-          <a:chOff x="0" y="0"/>
-          <a:chExt cx="0" cy="0"/>
-        </a:xfrm>
-      </p:grpSpPr>
-      <p:sp>
-        <p:nvSpPr>
-          <p:cNvPr id="2" name="Title 1"/>
-          <p:cNvSpPr>
-            <a:spLocks noGrp="1"/>
-          </p:cNvSpPr>
-          <p:nvPr>
-            <p:ph type="title"/>
-          </p:nvPr>
-        </p:nvSpPr>
-        <p:spPr>
-          <a:xfrm>
-            <a:off x="609600" y="304800"/>
-            <a:ext cx="8229600" cy="1048512"/>
-          </a:xfrm>
-        </p:spPr>
-        <p:txBody>
-          <a:bodyPr/>
-          <a:lstStyle/>
-          <a:p>
-            <a:r>
-              <a:rPr lang="en-US" dirty="0" err="1"/>
-              <a:t>Demonstração</a:t>
-            </a:r>
-            <a:endParaRPr lang="en-US" dirty="0"/>
-          </a:p>
-        </p:txBody>
-      </p:sp>
-      <p:sp>
-        <p:nvSpPr>
-          <p:cNvPr id="3" name="Content Placeholder 2"/>
-          <p:cNvSpPr>
-            <a:spLocks noGrp="1"/>
-          </p:cNvSpPr>
-          <p:nvPr>
-            <p:ph idx="1"/>
-          </p:nvPr>
-        </p:nvSpPr>
-        <p:spPr>
-          <a:xfrm>
-            <a:off x="533400" y="1828800"/>
-            <a:ext cx="8229600" cy="3886200"/>
-          </a:xfrm>
-        </p:spPr>
-        <p:txBody>
-          <a:bodyPr>
-            <a:normAutofit/>
-          </a:bodyPr>
-          <a:lstStyle/>
-          <a:p>
-            <a:pPr>
-              <a:buNone/>
-            </a:pPr>
-            <a:endParaRPr lang="en-US" dirty="0"/>
-          </a:p>
-          <a:p>
-            <a:pPr>
-              <a:buNone/>
-            </a:pPr>
-            <a:endParaRPr lang="en-US" dirty="0"/>
-          </a:p>
-          <a:p>
-            <a:pPr>
-              <a:buNone/>
-            </a:pPr>
-            <a:endParaRPr lang="en-US" dirty="0"/>
-          </a:p>
-        </p:txBody>
-      </p:sp>
-      <p:pic>
-        <p:nvPicPr>
-          <p:cNvPr id="4" name="Picture 3"/>
-          <p:cNvPicPr>
-            <a:picLocks noChangeAspect="1" noChangeArrowheads="1"/>
-          </p:cNvPicPr>
-          <p:nvPr/>
-        </p:nvPicPr>
-        <p:blipFill>
-          <a:blip r:embed="rId2" cstate="print">
-            <a:extLst>
-              <a:ext uri="{28A0092B-C50C-407E-A947-70E740481C1C}">
-                <a14:useLocalDpi xmlns:a14="http://schemas.microsoft.com/office/drawing/2010/main" val="0"/>
-              </a:ext>
-            </a:extLst>
-          </a:blip>
-          <a:srcRect/>
-          <a:stretch>
-            <a:fillRect/>
-          </a:stretch>
-        </p:blipFill>
-        <p:spPr bwMode="auto">
-          <a:xfrm>
-            <a:off x="685800" y="1376493"/>
-            <a:ext cx="2683356" cy="4643307"/>
-          </a:xfrm>
-          <a:prstGeom prst="rect">
-            <a:avLst/>
-          </a:prstGeom>
-          <a:noFill/>
-          <a:ln>
-            <a:noFill/>
-          </a:ln>
-          <a:extLst>
-            <a:ext uri="{909E8E84-426E-40DD-AFC4-6F175D3DCCD1}">
-              <a14:hiddenFill xmlns:a14="http://schemas.microsoft.com/office/drawing/2010/main">
-                <a:solidFill>
-                  <a:srgbClr val="FFFFFF"/>
-                </a:solidFill>
-              </a14:hiddenFill>
-            </a:ext>
-            <a:ext uri="{91240B29-F687-4F45-9708-019B960494DF}">
-              <a14:hiddenLine xmlns:a14="http://schemas.microsoft.com/office/drawing/2010/main" w="9525">
-                <a:solidFill>
-                  <a:srgbClr val="000000"/>
-                </a:solidFill>
-                <a:miter lim="800000"/>
-                <a:headEnd/>
-                <a:tailEnd/>
-              </a14:hiddenLine>
-            </a:ext>
-          </a:extLst>
-        </p:spPr>
-      </p:pic>
-      <p:pic>
-        <p:nvPicPr>
-          <p:cNvPr id="5" name="Picture 2"/>
-          <p:cNvPicPr>
-            <a:picLocks noChangeAspect="1" noChangeArrowheads="1"/>
-          </p:cNvPicPr>
-          <p:nvPr/>
-        </p:nvPicPr>
-        <p:blipFill>
-          <a:blip r:embed="rId3" cstate="print">
-            <a:extLst>
-              <a:ext uri="{28A0092B-C50C-407E-A947-70E740481C1C}">
-                <a14:useLocalDpi xmlns:a14="http://schemas.microsoft.com/office/drawing/2010/main" val="0"/>
-              </a:ext>
-            </a:extLst>
-          </a:blip>
-          <a:srcRect/>
-          <a:stretch>
-            <a:fillRect/>
-          </a:stretch>
-        </p:blipFill>
-        <p:spPr bwMode="auto">
-          <a:xfrm>
-            <a:off x="4343400" y="1353312"/>
-            <a:ext cx="2743200" cy="4638549"/>
-          </a:xfrm>
-          <a:prstGeom prst="rect">
-            <a:avLst/>
-          </a:prstGeom>
-          <a:noFill/>
-          <a:ln>
-            <a:noFill/>
-          </a:ln>
-          <a:extLst>
-            <a:ext uri="{909E8E84-426E-40DD-AFC4-6F175D3DCCD1}">
-              <a14:hiddenFill xmlns:a14="http://schemas.microsoft.com/office/drawing/2010/main">
-                <a:solidFill>
-                  <a:srgbClr val="FFFFFF"/>
-                </a:solidFill>
-              </a14:hiddenFill>
-            </a:ext>
-            <a:ext uri="{91240B29-F687-4F45-9708-019B960494DF}">
-              <a14:hiddenLine xmlns:a14="http://schemas.microsoft.com/office/drawing/2010/main" w="9525">
-                <a:solidFill>
-                  <a:srgbClr val="000000"/>
-                </a:solidFill>
-                <a:miter lim="800000"/>
-                <a:headEnd/>
-                <a:tailEnd/>
-              </a14:hiddenLine>
-            </a:ext>
-          </a:extLst>
-        </p:spPr>
-      </p:pic>
-    </p:spTree>
-  </p:cSld>
-  <p:clrMapOvr>
-    <a:masterClrMapping/>
-  </p:clrMapOvr>
-</p:sld>
-</file>
-
-<file path=ppt/slides/slide17.xml><?xml version="1.0" encoding="utf-8"?>
-<p:sld xmlns:a="http://schemas.openxmlformats.org/drawingml/2006/main" xmlns:r="http://schemas.openxmlformats.org/officeDocument/2006/relationships" xmlns:p="http://schemas.openxmlformats.org/presentationml/2006/main">
-  <p:cSld>
-    <p:spTree>
-      <p:nvGrpSpPr>
-        <p:cNvPr id="1" name=""/>
-        <p:cNvGrpSpPr/>
-        <p:nvPr/>
-      </p:nvGrpSpPr>
-      <p:grpSpPr>
-        <a:xfrm>
-          <a:off x="0" y="0"/>
-          <a:ext cx="0" cy="0"/>
-          <a:chOff x="0" y="0"/>
-          <a:chExt cx="0" cy="0"/>
-        </a:xfrm>
-      </p:grpSpPr>
-      <p:sp>
-        <p:nvSpPr>
-          <p:cNvPr id="2" name="Título 1"/>
-          <p:cNvSpPr>
-            <a:spLocks noGrp="1"/>
-          </p:cNvSpPr>
-          <p:nvPr>
-            <p:ph type="title"/>
-          </p:nvPr>
-        </p:nvSpPr>
-        <p:spPr/>
-        <p:txBody>
-          <a:bodyPr/>
-          <a:lstStyle/>
-          <a:p>
-            <a:r>
-              <a:rPr lang="pt-BR" dirty="0"/>
-              <a:t>Como se proteger?</a:t>
-            </a:r>
-          </a:p>
-        </p:txBody>
-      </p:sp>
-      <p:pic>
-        <p:nvPicPr>
-          <p:cNvPr id="4" name="Espaço Reservado para Conteúdo 3"/>
-          <p:cNvPicPr>
-            <a:picLocks noGrp="1" noChangeAspect="1"/>
-          </p:cNvPicPr>
-          <p:nvPr>
-            <p:ph idx="1"/>
-          </p:nvPr>
-        </p:nvPicPr>
-        <p:blipFill>
-          <a:blip r:embed="rId2">
-            <a:extLst>
-              <a:ext uri="{28A0092B-C50C-407E-A947-70E740481C1C}">
-                <a14:useLocalDpi xmlns:a14="http://schemas.microsoft.com/office/drawing/2010/main" val="0"/>
-              </a:ext>
-            </a:extLst>
-          </a:blip>
-          <a:stretch>
-            <a:fillRect/>
-          </a:stretch>
-        </p:blipFill>
-        <p:spPr>
-          <a:xfrm>
-            <a:off x="838200" y="1752600"/>
-            <a:ext cx="6705600" cy="3771899"/>
-          </a:xfrm>
-        </p:spPr>
-      </p:pic>
-    </p:spTree>
-    <p:extLst>
-      <p:ext uri="{BB962C8B-B14F-4D97-AF65-F5344CB8AC3E}">
-        <p14:creationId xmlns:p14="http://schemas.microsoft.com/office/powerpoint/2010/main" val="4253121945"/>
-      </p:ext>
-    </p:extLst>
-  </p:cSld>
-  <p:clrMapOvr>
-    <a:masterClrMapping/>
-  </p:clrMapOvr>
-</p:sld>
-</file>
-
-<file path=ppt/slides/slide18.xml><?xml version="1.0" encoding="utf-8"?>
-<p:sld xmlns:a="http://schemas.openxmlformats.org/drawingml/2006/main" xmlns:r="http://schemas.openxmlformats.org/officeDocument/2006/relationships" xmlns:p="http://schemas.openxmlformats.org/presentationml/2006/main">
-  <p:cSld>
-    <p:spTree>
-      <p:nvGrpSpPr>
-        <p:cNvPr id="1" name=""/>
-        <p:cNvGrpSpPr/>
-        <p:nvPr/>
-      </p:nvGrpSpPr>
-      <p:grpSpPr>
-        <a:xfrm>
-          <a:off x="0" y="0"/>
-          <a:ext cx="0" cy="0"/>
-          <a:chOff x="0" y="0"/>
-          <a:chExt cx="0" cy="0"/>
-        </a:xfrm>
-      </p:grpSpPr>
-      <p:sp>
-        <p:nvSpPr>
-          <p:cNvPr id="2" name="Título 1"/>
-          <p:cNvSpPr>
-            <a:spLocks noGrp="1"/>
-          </p:cNvSpPr>
-          <p:nvPr>
-            <p:ph type="title"/>
-          </p:nvPr>
-        </p:nvSpPr>
-        <p:spPr/>
-        <p:txBody>
-          <a:bodyPr/>
-          <a:lstStyle/>
-          <a:p>
-            <a:r>
-              <a:rPr lang="pt-BR" dirty="0"/>
-              <a:t>Como se proteger?</a:t>
-            </a:r>
-          </a:p>
-        </p:txBody>
-      </p:sp>
-      <p:sp>
-        <p:nvSpPr>
-          <p:cNvPr id="3" name="Espaço Reservado para Conteúdo 2"/>
-          <p:cNvSpPr>
-            <a:spLocks noGrp="1"/>
-          </p:cNvSpPr>
-          <p:nvPr>
-            <p:ph idx="1"/>
-          </p:nvPr>
-        </p:nvSpPr>
-        <p:spPr>
-          <a:xfrm>
-            <a:off x="457200" y="1981200"/>
-            <a:ext cx="8229600" cy="3807502"/>
-          </a:xfrm>
-        </p:spPr>
-        <p:txBody>
-          <a:bodyPr/>
-          <a:lstStyle/>
-          <a:p>
-            <a:r>
-              <a:rPr lang="pt-BR" altLang="en-US" dirty="0"/>
-              <a:t>Atualizar sempre o </a:t>
-            </a:r>
-            <a:r>
-              <a:rPr lang="pt-BR" altLang="en-US" dirty="0" err="1"/>
-              <a:t>Android</a:t>
-            </a:r>
-            <a:endParaRPr lang="pt-BR" altLang="en-US" dirty="0"/>
-          </a:p>
-          <a:p>
-            <a:r>
-              <a:rPr lang="pt-BR" dirty="0"/>
-              <a:t>Evitar fazer root (A não ser que saiba o que está fazendo) </a:t>
-            </a:r>
-            <a:r>
-              <a:rPr lang="pt-BR" dirty="0">
-                <a:sym typeface="Wingdings" panose="05000000000000000000" pitchFamily="2" charset="2"/>
-              </a:rPr>
-              <a:t> </a:t>
-            </a:r>
-            <a:endParaRPr lang="pt-BR" dirty="0"/>
-          </a:p>
-          <a:p>
-            <a:r>
-              <a:rPr lang="pt-BR" dirty="0"/>
-              <a:t>Utilizar criptografia</a:t>
-            </a:r>
-          </a:p>
-          <a:p>
-            <a:r>
-              <a:rPr lang="pt-BR" altLang="en-US" dirty="0"/>
-              <a:t>Preferência para aplicativos que criptografam seus arquivos armazenados na memória interna</a:t>
-            </a:r>
-          </a:p>
-          <a:p>
-            <a:r>
-              <a:rPr lang="pt-BR" dirty="0"/>
-              <a:t>Verificar as permissões antes de instalar um </a:t>
-            </a:r>
-            <a:r>
-              <a:rPr lang="pt-BR" dirty="0" err="1"/>
-              <a:t>app</a:t>
-            </a:r>
-            <a:endParaRPr lang="pt-BR" dirty="0"/>
-          </a:p>
-          <a:p>
-            <a:r>
-              <a:rPr lang="pt-BR" dirty="0"/>
-              <a:t>Para o desenvolvedor: Utilizar todas as ferramentas disponíveis para validar e fazer testes de segurança durante o desenvolvimento</a:t>
-            </a:r>
-          </a:p>
-          <a:p>
-            <a:endParaRPr lang="pt-BR" dirty="0"/>
-          </a:p>
-        </p:txBody>
-      </p:sp>
-    </p:spTree>
-    <p:extLst>
-      <p:ext uri="{BB962C8B-B14F-4D97-AF65-F5344CB8AC3E}">
-        <p14:creationId xmlns:p14="http://schemas.microsoft.com/office/powerpoint/2010/main" val="2552640704"/>
-      </p:ext>
-    </p:extLst>
-  </p:cSld>
-  <p:clrMapOvr>
-    <a:masterClrMapping/>
-  </p:clrMapOvr>
-</p:sld>
-</file>
-
-<file path=ppt/slides/slide19.xml><?xml version="1.0" encoding="utf-8"?>
-<p:sld xmlns:a="http://schemas.openxmlformats.org/drawingml/2006/main" xmlns:r="http://schemas.openxmlformats.org/officeDocument/2006/relationships" xmlns:p="http://schemas.openxmlformats.org/presentationml/2006/main">
-  <p:cSld>
-    <p:bg>
-      <p:bgPr>
-        <a:solidFill>
-          <a:schemeClr val="bg1">
-            <a:lumMod val="95000"/>
-          </a:schemeClr>
-        </a:solidFill>
-        <a:effectLst/>
-      </p:bgPr>
-    </p:bg>
-    <p:spTree>
-      <p:nvGrpSpPr>
-        <p:cNvPr id="1" name=""/>
-        <p:cNvGrpSpPr/>
-        <p:nvPr/>
-      </p:nvGrpSpPr>
-      <p:grpSpPr>
-        <a:xfrm>
-          <a:off x="0" y="0"/>
-          <a:ext cx="0" cy="0"/>
-          <a:chOff x="0" y="0"/>
-          <a:chExt cx="0" cy="0"/>
-        </a:xfrm>
-      </p:grpSpPr>
-      <p:sp>
-        <p:nvSpPr>
-          <p:cNvPr id="4" name="Title 1"/>
-          <p:cNvSpPr>
-            <a:spLocks noGrp="1"/>
-          </p:cNvSpPr>
-          <p:nvPr>
-            <p:ph type="ctrTitle"/>
-          </p:nvPr>
-        </p:nvSpPr>
-        <p:spPr>
-          <a:prstGeom prst="rect">
-            <a:avLst/>
-          </a:prstGeom>
-          <a:noFill/>
-        </p:spPr>
-        <p:txBody>
-          <a:bodyPr/>
-          <a:lstStyle>
-            <a:lvl1pPr algn="l">
-              <a:defRPr b="1" i="0" baseline="0">
-                <a:solidFill>
-                  <a:schemeClr val="bg1"/>
-                </a:solidFill>
-              </a:defRPr>
-            </a:lvl1pPr>
-          </a:lstStyle>
-          <a:p>
-            <a:r>
-              <a:rPr lang="en-US" dirty="0" err="1"/>
-              <a:t>Obrigada</a:t>
-            </a:r>
-            <a:r>
-              <a:rPr lang="en-US" dirty="0"/>
-              <a:t>!</a:t>
-            </a:r>
-          </a:p>
-        </p:txBody>
-      </p:sp>
-      <p:sp>
-        <p:nvSpPr>
-          <p:cNvPr id="7" name="TextBox 6"/>
-          <p:cNvSpPr txBox="1"/>
-          <p:nvPr/>
-        </p:nvSpPr>
-        <p:spPr>
-          <a:xfrm>
-            <a:off x="1447800" y="2895600"/>
-            <a:ext cx="7315200" cy="1569660"/>
-          </a:xfrm>
-          <a:prstGeom prst="rect">
-            <a:avLst/>
-          </a:prstGeom>
-          <a:noFill/>
-        </p:spPr>
-        <p:txBody>
-          <a:bodyPr wrap="square" rtlCol="0">
-            <a:spAutoFit/>
-          </a:bodyPr>
-          <a:lstStyle/>
-          <a:p>
-            <a:pPr algn="r"/>
-            <a:r>
-              <a:rPr lang="en-US" sz="2400" dirty="0" err="1"/>
-              <a:t>Apresentação,instalação,links</a:t>
-            </a:r>
-            <a:r>
-              <a:rPr lang="en-US" sz="2400" dirty="0"/>
-              <a:t> e </a:t>
-            </a:r>
-            <a:r>
-              <a:rPr lang="en-US" sz="2400" dirty="0" err="1"/>
-              <a:t>apks</a:t>
-            </a:r>
-            <a:r>
-              <a:rPr lang="en-US" sz="2400" dirty="0"/>
-              <a:t> </a:t>
-            </a:r>
-            <a:r>
-              <a:rPr lang="en-US" sz="2400" dirty="0" err="1"/>
-              <a:t>em</a:t>
-            </a:r>
-            <a:r>
-              <a:rPr lang="en-US" sz="2400" dirty="0"/>
-              <a:t> : </a:t>
-            </a:r>
-            <a:r>
-              <a:rPr lang="en-US" sz="2400" dirty="0">
-                <a:hlinkClick r:id="rId2"/>
-              </a:rPr>
-              <a:t>https://github.com/priscila225/SemanaDaComputacao</a:t>
-            </a:r>
-            <a:endParaRPr lang="en-US" sz="2400" dirty="0"/>
-          </a:p>
-          <a:p>
-            <a:pPr algn="r"/>
-            <a:endParaRPr lang="en-US" sz="2400" dirty="0"/>
-          </a:p>
-          <a:p>
-            <a:pPr algn="r"/>
-            <a:endParaRPr lang="en-US" sz="2400" dirty="0"/>
-          </a:p>
-        </p:txBody>
-      </p:sp>
-    </p:spTree>
-    <p:extLst>
-      <p:ext uri="{BB962C8B-B14F-4D97-AF65-F5344CB8AC3E}">
-        <p14:creationId xmlns:p14="http://schemas.microsoft.com/office/powerpoint/2010/main" val="24730695"/>
-      </p:ext>
-    </p:extLst>
-  </p:cSld>
-  <p:clrMapOvr>
-    <a:masterClrMapping/>
-  </p:clrMapOvr>
-</p:sld>
-</file>
-
-<file path=ppt/slides/slide2.xml><?xml version="1.0" encoding="utf-8"?>
-<p:sld xmlns:a="http://schemas.openxmlformats.org/drawingml/2006/main" xmlns:r="http://schemas.openxmlformats.org/officeDocument/2006/relationships" xmlns:p="http://schemas.openxmlformats.org/presentationml/2006/main">
-  <p:cSld>
-    <p:bg>
-      <p:bgPr>
-        <a:solidFill>
-          <a:schemeClr val="accent1"/>
-        </a:solidFill>
-        <a:effectLst/>
-      </p:bgPr>
-    </p:bg>
-    <p:spTree>
-      <p:nvGrpSpPr>
-        <p:cNvPr id="1" name=""/>
-        <p:cNvGrpSpPr/>
-        <p:nvPr/>
-      </p:nvGrpSpPr>
-      <p:grpSpPr>
-        <a:xfrm>
-          <a:off x="0" y="0"/>
-          <a:ext cx="0" cy="0"/>
-          <a:chOff x="0" y="0"/>
-          <a:chExt cx="0" cy="0"/>
-        </a:xfrm>
-      </p:grpSpPr>
-      <p:sp>
-        <p:nvSpPr>
-          <p:cNvPr id="2" name="Title 1"/>
-          <p:cNvSpPr>
-            <a:spLocks noGrp="1"/>
-          </p:cNvSpPr>
-          <p:nvPr>
-            <p:ph type="title"/>
-          </p:nvPr>
-        </p:nvSpPr>
-        <p:spPr/>
-        <p:txBody>
-          <a:bodyPr/>
-          <a:lstStyle/>
-          <a:p>
-            <a:r>
-              <a:rPr lang="en-US" dirty="0" err="1"/>
-              <a:t>Visão</a:t>
-            </a:r>
-            <a:r>
-              <a:rPr lang="en-US" dirty="0"/>
-              <a:t> </a:t>
-            </a:r>
-            <a:r>
-              <a:rPr lang="en-US" dirty="0" err="1"/>
-              <a:t>Geral</a:t>
-            </a:r>
-            <a:endParaRPr lang="en-US" dirty="0"/>
-          </a:p>
-        </p:txBody>
-      </p:sp>
-      <p:sp>
-        <p:nvSpPr>
-          <p:cNvPr id="3" name="Content Placeholder 2"/>
-          <p:cNvSpPr>
-            <a:spLocks noGrp="1"/>
-          </p:cNvSpPr>
-          <p:nvPr>
-            <p:ph idx="1"/>
-          </p:nvPr>
-        </p:nvSpPr>
-        <p:spPr>
-          <a:xfrm>
-            <a:off x="533400" y="1676400"/>
-            <a:ext cx="8229600" cy="4389120"/>
-          </a:xfrm>
-        </p:spPr>
-        <p:txBody>
-          <a:bodyPr>
-            <a:normAutofit/>
-          </a:bodyPr>
-          <a:lstStyle/>
-          <a:p>
-            <a:pPr>
-              <a:lnSpc>
-                <a:spcPct val="150000"/>
-              </a:lnSpc>
-            </a:pPr>
-            <a:r>
-              <a:rPr lang="en-US" sz="2400" dirty="0" err="1"/>
-              <a:t>Porque</a:t>
-            </a:r>
-            <a:r>
-              <a:rPr lang="en-US" sz="2400" dirty="0"/>
-              <a:t> </a:t>
-            </a:r>
-            <a:r>
-              <a:rPr lang="en-US" sz="2400" dirty="0" err="1"/>
-              <a:t>devemos</a:t>
-            </a:r>
-            <a:r>
-              <a:rPr lang="en-US" sz="2400" dirty="0"/>
-              <a:t> </a:t>
-            </a:r>
-            <a:r>
-              <a:rPr lang="en-US" sz="2400" dirty="0" err="1"/>
-              <a:t>entender</a:t>
-            </a:r>
-            <a:r>
-              <a:rPr lang="en-US" sz="2400" dirty="0"/>
-              <a:t> o </a:t>
-            </a:r>
-            <a:r>
-              <a:rPr lang="en-US" sz="2400" dirty="0" err="1"/>
-              <a:t>modelo</a:t>
-            </a:r>
-            <a:r>
-              <a:rPr lang="en-US" sz="2400" dirty="0"/>
-              <a:t> de </a:t>
-            </a:r>
-            <a:r>
-              <a:rPr lang="en-US" sz="2400" dirty="0" err="1"/>
-              <a:t>segurança</a:t>
-            </a:r>
-            <a:r>
-              <a:rPr lang="en-US" sz="2400" dirty="0"/>
-              <a:t>?</a:t>
-            </a:r>
-          </a:p>
-          <a:p>
-            <a:pPr>
-              <a:lnSpc>
-                <a:spcPct val="150000"/>
-              </a:lnSpc>
-            </a:pPr>
-            <a:r>
-              <a:rPr lang="en-US" sz="2400" dirty="0"/>
-              <a:t>Como </a:t>
-            </a:r>
-            <a:r>
-              <a:rPr lang="en-US" sz="2400" dirty="0" err="1"/>
-              <a:t>funcionam</a:t>
-            </a:r>
-            <a:r>
-              <a:rPr lang="en-US" sz="2400" dirty="0"/>
-              <a:t> </a:t>
-            </a:r>
-            <a:r>
-              <a:rPr lang="en-US" sz="2400" dirty="0" err="1"/>
-              <a:t>os</a:t>
-            </a:r>
-            <a:r>
-              <a:rPr lang="en-US" sz="2400" dirty="0"/>
-              <a:t> </a:t>
-            </a:r>
-            <a:r>
-              <a:rPr lang="en-US" sz="2400" dirty="0" err="1"/>
-              <a:t>aplicativos</a:t>
-            </a:r>
-            <a:r>
-              <a:rPr lang="en-US" sz="2400" dirty="0"/>
-              <a:t> Android</a:t>
-            </a:r>
-          </a:p>
-          <a:p>
-            <a:pPr>
-              <a:lnSpc>
-                <a:spcPct val="150000"/>
-              </a:lnSpc>
-            </a:pPr>
-            <a:r>
-              <a:rPr lang="en-US" sz="2400" dirty="0" err="1"/>
-              <a:t>Ciclo</a:t>
-            </a:r>
-            <a:r>
-              <a:rPr lang="en-US" sz="2400" dirty="0"/>
-              <a:t> de vida dos </a:t>
-            </a:r>
-            <a:r>
-              <a:rPr lang="en-US" sz="2400" dirty="0" err="1"/>
-              <a:t>aplicativos</a:t>
-            </a:r>
-            <a:endParaRPr lang="en-US" sz="2400" dirty="0"/>
-          </a:p>
-          <a:p>
-            <a:pPr>
-              <a:lnSpc>
-                <a:spcPct val="150000"/>
-              </a:lnSpc>
-            </a:pPr>
-            <a:r>
-              <a:rPr lang="en-US" sz="2400" dirty="0" err="1"/>
-              <a:t>Camada</a:t>
-            </a:r>
-            <a:r>
-              <a:rPr lang="en-US" sz="2400" dirty="0"/>
-              <a:t> de </a:t>
-            </a:r>
-            <a:r>
-              <a:rPr lang="en-US" sz="2400" dirty="0" err="1"/>
-              <a:t>aplicação</a:t>
-            </a:r>
-            <a:r>
-              <a:rPr lang="en-US" sz="2400" dirty="0"/>
-              <a:t> - </a:t>
-            </a:r>
-            <a:r>
-              <a:rPr lang="en-US" sz="2400" dirty="0" err="1"/>
-              <a:t>Niveis</a:t>
-            </a:r>
-            <a:r>
-              <a:rPr lang="en-US" sz="2400" dirty="0"/>
-              <a:t> de </a:t>
-            </a:r>
-            <a:r>
-              <a:rPr lang="en-US" sz="2400" dirty="0" err="1"/>
-              <a:t>proteção</a:t>
-            </a:r>
-            <a:endParaRPr lang="en-US" sz="2400" dirty="0"/>
-          </a:p>
-          <a:p>
-            <a:pPr>
-              <a:lnSpc>
-                <a:spcPct val="150000"/>
-              </a:lnSpc>
-            </a:pPr>
-            <a:r>
-              <a:rPr lang="en-US" sz="2400" dirty="0"/>
-              <a:t>Como </a:t>
-            </a:r>
-            <a:r>
-              <a:rPr lang="en-US" sz="2400" dirty="0" err="1"/>
-              <a:t>podemos</a:t>
-            </a:r>
-            <a:r>
-              <a:rPr lang="en-US" sz="2400" dirty="0"/>
-              <a:t> “</a:t>
-            </a:r>
-            <a:r>
-              <a:rPr lang="en-US" sz="2400" dirty="0" err="1"/>
-              <a:t>hackear</a:t>
-            </a:r>
-            <a:r>
-              <a:rPr lang="en-US" sz="2400" dirty="0"/>
-              <a:t>” um app</a:t>
-            </a:r>
-          </a:p>
-          <a:p>
-            <a:pPr>
-              <a:lnSpc>
-                <a:spcPct val="150000"/>
-              </a:lnSpc>
-            </a:pPr>
-            <a:r>
-              <a:rPr lang="en-US" sz="2400" dirty="0" err="1"/>
-              <a:t>Drozer</a:t>
-            </a:r>
-            <a:r>
-              <a:rPr lang="en-US" sz="2400" dirty="0"/>
-              <a:t>: </a:t>
-            </a:r>
-            <a:r>
-              <a:rPr lang="en-US" sz="2400" dirty="0" err="1"/>
-              <a:t>Demonstração</a:t>
-            </a:r>
-            <a:endParaRPr lang="en-US" sz="2400" dirty="0"/>
-          </a:p>
-          <a:p>
-            <a:pPr>
-              <a:lnSpc>
-                <a:spcPct val="150000"/>
-              </a:lnSpc>
-            </a:pPr>
-            <a:r>
-              <a:rPr lang="en-US" sz="2400" dirty="0"/>
-              <a:t>Como se </a:t>
-            </a:r>
-            <a:r>
-              <a:rPr lang="en-US" sz="2400" dirty="0" err="1"/>
-              <a:t>proteger</a:t>
-            </a:r>
-            <a:endParaRPr lang="en-US" sz="2400" dirty="0"/>
-          </a:p>
-          <a:p>
-            <a:pPr marL="457200" lvl="1" indent="0">
-              <a:buNone/>
-            </a:pPr>
-            <a:endParaRPr lang="en-US" dirty="0"/>
-          </a:p>
-        </p:txBody>
-      </p:sp>
-    </p:spTree>
-  </p:cSld>
-  <p:clrMapOvr>
-    <a:masterClrMapping/>
-  </p:clrMapOvr>
-</p:sld>
-</file>
-
-<file path=ppt/slides/slide3.xml><?xml version="1.0" encoding="utf-8"?>
-<p:sld xmlns:a="http://schemas.openxmlformats.org/drawingml/2006/main" xmlns:r="http://schemas.openxmlformats.org/officeDocument/2006/relationships" xmlns:p="http://schemas.openxmlformats.org/presentationml/2006/main">
-  <p:cSld>
-    <p:spTree>
-      <p:nvGrpSpPr>
-        <p:cNvPr id="1" name=""/>
-        <p:cNvGrpSpPr/>
-        <p:nvPr/>
-      </p:nvGrpSpPr>
-      <p:grpSpPr>
-        <a:xfrm>
-          <a:off x="0" y="0"/>
-          <a:ext cx="0" cy="0"/>
-          <a:chOff x="0" y="0"/>
-          <a:chExt cx="0" cy="0"/>
-        </a:xfrm>
-      </p:grpSpPr>
-      <p:sp>
-        <p:nvSpPr>
-          <p:cNvPr id="2" name="Título 1"/>
-          <p:cNvSpPr>
-            <a:spLocks noGrp="1"/>
-          </p:cNvSpPr>
-          <p:nvPr>
-            <p:ph type="title"/>
-          </p:nvPr>
-        </p:nvSpPr>
-        <p:spPr>
-          <a:xfrm>
-            <a:off x="441960" y="381000"/>
-            <a:ext cx="6348335" cy="759684"/>
-          </a:xfrm>
-        </p:spPr>
-        <p:txBody>
-          <a:bodyPr/>
-          <a:lstStyle/>
-          <a:p>
-            <a:r>
-              <a:rPr lang="en-US" dirty="0" err="1"/>
-              <a:t>Porque</a:t>
-            </a:r>
-            <a:r>
-              <a:rPr lang="en-US" dirty="0"/>
-              <a:t> </a:t>
-            </a:r>
-            <a:r>
-              <a:rPr lang="en-US" dirty="0" err="1"/>
-              <a:t>devemos</a:t>
-            </a:r>
-            <a:r>
-              <a:rPr lang="en-US" dirty="0"/>
-              <a:t> </a:t>
-            </a:r>
-            <a:r>
-              <a:rPr lang="en-US" dirty="0" err="1"/>
-              <a:t>entender</a:t>
-            </a:r>
-            <a:r>
-              <a:rPr lang="en-US" dirty="0"/>
-              <a:t> o </a:t>
-            </a:r>
-            <a:r>
-              <a:rPr lang="en-US" dirty="0" err="1"/>
-              <a:t>modelo</a:t>
-            </a:r>
-            <a:r>
-              <a:rPr lang="en-US" dirty="0"/>
-              <a:t> de </a:t>
-            </a:r>
-            <a:r>
-              <a:rPr lang="en-US" dirty="0" err="1"/>
-              <a:t>segurança</a:t>
-            </a:r>
-            <a:r>
-              <a:rPr lang="en-US" dirty="0"/>
-              <a:t>?</a:t>
-            </a:r>
-            <a:br>
-              <a:rPr lang="en-US" dirty="0"/>
-            </a:br>
-            <a:endParaRPr lang="pt-BR" dirty="0"/>
-          </a:p>
-        </p:txBody>
-      </p:sp>
-      <p:sp>
-        <p:nvSpPr>
-          <p:cNvPr id="3" name="Espaço Reservado para Conteúdo 2"/>
-          <p:cNvSpPr>
-            <a:spLocks noGrp="1"/>
-          </p:cNvSpPr>
-          <p:nvPr>
-            <p:ph idx="1"/>
-          </p:nvPr>
-        </p:nvSpPr>
-        <p:spPr>
-          <a:xfrm>
-            <a:off x="441960" y="1752600"/>
-            <a:ext cx="8229600" cy="3807502"/>
-          </a:xfrm>
-        </p:spPr>
-        <p:txBody>
-          <a:bodyPr>
-            <a:normAutofit/>
-          </a:bodyPr>
-          <a:lstStyle/>
-          <a:p>
-            <a:pPr>
-              <a:lnSpc>
-                <a:spcPct val="80000"/>
-              </a:lnSpc>
-            </a:pPr>
-            <a:r>
-              <a:rPr lang="en-US" altLang="pt-BR" sz="2400" dirty="0" err="1"/>
-              <a:t>Os</a:t>
-            </a:r>
-            <a:r>
-              <a:rPr lang="en-US" altLang="pt-BR" sz="2400" dirty="0"/>
-              <a:t> </a:t>
-            </a:r>
-            <a:r>
-              <a:rPr lang="en-US" altLang="pt-BR" sz="2400" dirty="0" err="1"/>
-              <a:t>celulares</a:t>
-            </a:r>
-            <a:r>
-              <a:rPr lang="en-US" altLang="pt-BR" sz="2400" dirty="0"/>
-              <a:t> </a:t>
-            </a:r>
-            <a:r>
-              <a:rPr lang="en-US" altLang="pt-BR" sz="2400" dirty="0" err="1"/>
-              <a:t>são</a:t>
-            </a:r>
-            <a:r>
-              <a:rPr lang="en-US" altLang="pt-BR" sz="2400" dirty="0"/>
-              <a:t> </a:t>
-            </a:r>
-            <a:r>
-              <a:rPr lang="en-US" altLang="pt-BR" sz="2400" dirty="0" err="1"/>
-              <a:t>bem</a:t>
-            </a:r>
-            <a:r>
-              <a:rPr lang="en-US" altLang="pt-BR" sz="2400" dirty="0"/>
-              <a:t> </a:t>
-            </a:r>
-            <a:r>
-              <a:rPr lang="en-US" altLang="pt-BR" sz="2400" dirty="0" err="1"/>
-              <a:t>atrativos</a:t>
-            </a:r>
-            <a:r>
-              <a:rPr lang="en-US" altLang="pt-BR" sz="2400" dirty="0"/>
-              <a:t> para </a:t>
-            </a:r>
-            <a:r>
-              <a:rPr lang="en-US" altLang="pt-BR" sz="2400" dirty="0" err="1"/>
-              <a:t>ataques</a:t>
-            </a:r>
-            <a:r>
-              <a:rPr lang="en-US" altLang="pt-BR" sz="2400" dirty="0"/>
-              <a:t>:</a:t>
-            </a:r>
-          </a:p>
-          <a:p>
-            <a:pPr>
-              <a:lnSpc>
-                <a:spcPct val="80000"/>
-              </a:lnSpc>
-            </a:pPr>
-            <a:endParaRPr lang="en-US" altLang="pt-BR" sz="2400" dirty="0"/>
-          </a:p>
-          <a:p>
-            <a:pPr lvl="1">
-              <a:lnSpc>
-                <a:spcPct val="80000"/>
-              </a:lnSpc>
-              <a:buFont typeface="Arial" panose="020B0604020202020204" pitchFamily="34" charset="0"/>
-              <a:buChar char="•"/>
-            </a:pPr>
-            <a:r>
-              <a:rPr lang="en-US" altLang="pt-BR" sz="2400" dirty="0" err="1"/>
-              <a:t>Pessoas</a:t>
-            </a:r>
-            <a:r>
-              <a:rPr lang="en-US" altLang="pt-BR" sz="2400" dirty="0"/>
-              <a:t> </a:t>
-            </a:r>
-            <a:r>
-              <a:rPr lang="en-US" altLang="pt-BR" sz="2400" dirty="0" err="1"/>
-              <a:t>armazenam</a:t>
-            </a:r>
-            <a:r>
-              <a:rPr lang="en-US" altLang="pt-BR" sz="2400" dirty="0"/>
-              <a:t> </a:t>
-            </a:r>
-            <a:r>
-              <a:rPr lang="en-US" altLang="pt-BR" sz="2400" dirty="0" err="1"/>
-              <a:t>muitas</a:t>
-            </a:r>
-            <a:r>
-              <a:rPr lang="en-US" altLang="pt-BR" sz="2400" dirty="0"/>
-              <a:t> </a:t>
-            </a:r>
-            <a:r>
-              <a:rPr lang="en-US" altLang="pt-BR" sz="2400" dirty="0" err="1"/>
-              <a:t>informações</a:t>
-            </a:r>
-            <a:r>
-              <a:rPr lang="en-US" altLang="pt-BR" sz="2400" dirty="0"/>
-              <a:t> </a:t>
-            </a:r>
-            <a:r>
-              <a:rPr lang="en-US" altLang="pt-BR" sz="2400" dirty="0" err="1"/>
-              <a:t>pessoais</a:t>
-            </a:r>
-            <a:r>
-              <a:rPr lang="en-US" altLang="pt-BR" sz="2400" dirty="0"/>
-              <a:t> </a:t>
-            </a:r>
-            <a:r>
-              <a:rPr lang="en-US" altLang="pt-BR" sz="2400" dirty="0" err="1"/>
-              <a:t>nos</a:t>
-            </a:r>
-            <a:r>
-              <a:rPr lang="en-US" altLang="pt-BR" sz="2400" dirty="0"/>
-              <a:t> </a:t>
-            </a:r>
-            <a:r>
-              <a:rPr lang="en-US" altLang="pt-BR" sz="2400" dirty="0" err="1"/>
-              <a:t>celulares</a:t>
-            </a:r>
-            <a:r>
-              <a:rPr lang="en-US" altLang="pt-BR" sz="2400" dirty="0"/>
-              <a:t> : email, </a:t>
-            </a:r>
-            <a:r>
-              <a:rPr lang="en-US" altLang="pt-BR" sz="2400" dirty="0" err="1"/>
-              <a:t>contatos</a:t>
-            </a:r>
-            <a:r>
-              <a:rPr lang="en-US" altLang="pt-BR" sz="2400" dirty="0"/>
-              <a:t>, </a:t>
-            </a:r>
-            <a:r>
-              <a:rPr lang="en-US" altLang="pt-BR" sz="2400" dirty="0" err="1"/>
-              <a:t>fotos</a:t>
-            </a:r>
-            <a:r>
-              <a:rPr lang="en-US" altLang="pt-BR" sz="2400" dirty="0"/>
-              <a:t>, </a:t>
-            </a:r>
-            <a:r>
-              <a:rPr lang="en-US" altLang="pt-BR" sz="2400" dirty="0" err="1"/>
-              <a:t>etc</a:t>
-            </a:r>
-            <a:r>
-              <a:rPr lang="en-US" altLang="pt-BR" sz="2400" dirty="0"/>
-              <a:t>…</a:t>
-            </a:r>
-          </a:p>
-          <a:p>
-            <a:pPr lvl="1">
-              <a:lnSpc>
-                <a:spcPct val="80000"/>
-              </a:lnSpc>
-              <a:buFont typeface="Arial" panose="020B0604020202020204" pitchFamily="34" charset="0"/>
-              <a:buChar char="•"/>
-            </a:pPr>
-            <a:r>
-              <a:rPr lang="en-US" altLang="pt-BR" sz="2400" dirty="0" err="1"/>
-              <a:t>Informações</a:t>
-            </a:r>
-            <a:r>
-              <a:rPr lang="en-US" altLang="pt-BR" sz="2400" dirty="0"/>
-              <a:t> </a:t>
-            </a:r>
-            <a:r>
-              <a:rPr lang="en-US" altLang="pt-BR" sz="2400" dirty="0" err="1"/>
-              <a:t>organizacionais</a:t>
-            </a:r>
-            <a:r>
-              <a:rPr lang="en-US" altLang="pt-BR" sz="2400" dirty="0"/>
-              <a:t> </a:t>
-            </a:r>
-            <a:r>
-              <a:rPr lang="en-US" altLang="pt-BR" sz="2400" dirty="0" err="1"/>
-              <a:t>também</a:t>
-            </a:r>
-            <a:r>
-              <a:rPr lang="en-US" altLang="pt-BR" sz="2400" dirty="0"/>
-              <a:t> </a:t>
-            </a:r>
-            <a:r>
-              <a:rPr lang="en-US" altLang="pt-BR" sz="2400" dirty="0" err="1"/>
-              <a:t>estão</a:t>
-            </a:r>
-            <a:r>
-              <a:rPr lang="en-US" altLang="pt-BR" sz="2400" dirty="0"/>
-              <a:t> </a:t>
-            </a:r>
-            <a:r>
-              <a:rPr lang="en-US" altLang="pt-BR" sz="2400" dirty="0" err="1"/>
-              <a:t>sendo</a:t>
-            </a:r>
-            <a:r>
-              <a:rPr lang="en-US" altLang="pt-BR" sz="2400" dirty="0"/>
-              <a:t> </a:t>
-            </a:r>
-            <a:r>
-              <a:rPr lang="en-US" altLang="pt-BR" sz="2400" dirty="0" err="1"/>
-              <a:t>armazenadas</a:t>
-            </a:r>
-            <a:endParaRPr lang="en-US" altLang="pt-BR" sz="2400" dirty="0"/>
-          </a:p>
-          <a:p>
-            <a:pPr lvl="1">
-              <a:lnSpc>
-                <a:spcPct val="80000"/>
-              </a:lnSpc>
-              <a:buFont typeface="Arial" panose="020B0604020202020204" pitchFamily="34" charset="0"/>
-              <a:buChar char="•"/>
-            </a:pPr>
-            <a:r>
-              <a:rPr lang="en-US" altLang="pt-BR" sz="2400" dirty="0" err="1"/>
-              <a:t>Fácil</a:t>
-            </a:r>
-            <a:r>
-              <a:rPr lang="en-US" altLang="pt-BR" sz="2400" dirty="0"/>
-              <a:t> de </a:t>
-            </a:r>
-            <a:r>
-              <a:rPr lang="en-US" altLang="pt-BR" sz="2400" dirty="0" err="1"/>
-              <a:t>perder</a:t>
-            </a:r>
-            <a:r>
-              <a:rPr lang="en-US" altLang="pt-BR" sz="2400" dirty="0"/>
-              <a:t> </a:t>
-            </a:r>
-            <a:r>
-              <a:rPr lang="en-US" altLang="pt-BR" sz="2400" dirty="0" err="1"/>
-              <a:t>ou</a:t>
-            </a:r>
-            <a:r>
-              <a:rPr lang="en-US" altLang="pt-BR" sz="2400" dirty="0"/>
-              <a:t> </a:t>
-            </a:r>
-            <a:r>
-              <a:rPr lang="en-US" altLang="pt-BR" sz="2400" dirty="0" err="1"/>
-              <a:t>ser</a:t>
-            </a:r>
-            <a:r>
-              <a:rPr lang="en-US" altLang="pt-BR" sz="2400" dirty="0"/>
-              <a:t> </a:t>
-            </a:r>
-            <a:r>
-              <a:rPr lang="en-US" altLang="pt-BR" sz="2400" dirty="0" err="1"/>
-              <a:t>roubado</a:t>
-            </a:r>
-            <a:endParaRPr lang="en-US" altLang="pt-BR" sz="2400" dirty="0"/>
-          </a:p>
-          <a:p>
-            <a:pPr lvl="1">
-              <a:lnSpc>
-                <a:spcPct val="80000"/>
-              </a:lnSpc>
-              <a:buFont typeface="Arial" panose="020B0604020202020204" pitchFamily="34" charset="0"/>
-              <a:buChar char="•"/>
-            </a:pPr>
-            <a:r>
-              <a:rPr lang="en-US" altLang="pt-BR" sz="2400" dirty="0" err="1"/>
-              <a:t>Aplicações</a:t>
-            </a:r>
-            <a:r>
-              <a:rPr lang="en-US" altLang="pt-BR" sz="2400" dirty="0"/>
-              <a:t> que </a:t>
-            </a:r>
-            <a:r>
-              <a:rPr lang="en-US" altLang="pt-BR" sz="2400" dirty="0" err="1"/>
-              <a:t>realizam</a:t>
-            </a:r>
-            <a:r>
-              <a:rPr lang="en-US" altLang="pt-BR" sz="2400" dirty="0"/>
-              <a:t> </a:t>
-            </a:r>
-            <a:r>
-              <a:rPr lang="en-US" altLang="pt-BR" sz="2400" dirty="0" err="1"/>
-              <a:t>compras</a:t>
-            </a:r>
-            <a:r>
-              <a:rPr lang="en-US" altLang="pt-BR" sz="2400" dirty="0"/>
-              <a:t>/</a:t>
-            </a:r>
-            <a:r>
-              <a:rPr lang="en-US" altLang="pt-BR" sz="2400" dirty="0" err="1"/>
-              <a:t>transações</a:t>
-            </a:r>
-            <a:r>
-              <a:rPr lang="en-US" altLang="pt-BR" sz="2400" dirty="0"/>
-              <a:t> </a:t>
-            </a:r>
-            <a:r>
-              <a:rPr lang="en-US" altLang="pt-BR" sz="2400" dirty="0" err="1"/>
-              <a:t>bancárias</a:t>
-            </a:r>
-            <a:endParaRPr lang="en-US" altLang="pt-BR" sz="2400" dirty="0"/>
-          </a:p>
-        </p:txBody>
-      </p:sp>
-    </p:spTree>
-    <p:extLst>
-      <p:ext uri="{BB962C8B-B14F-4D97-AF65-F5344CB8AC3E}">
-        <p14:creationId xmlns:p14="http://schemas.microsoft.com/office/powerpoint/2010/main" val="4068946135"/>
-      </p:ext>
-    </p:extLst>
-  </p:cSld>
-  <p:clrMapOvr>
-    <a:masterClrMapping/>
-  </p:clrMapOvr>
-</p:sld>
-</file>
-
-<file path=ppt/slides/slide4.xml><?xml version="1.0" encoding="utf-8"?>
-<p:sld xmlns:a="http://schemas.openxmlformats.org/drawingml/2006/main" xmlns:r="http://schemas.openxmlformats.org/officeDocument/2006/relationships" xmlns:p="http://schemas.openxmlformats.org/presentationml/2006/main">
-  <p:cSld>
-    <p:spTree>
-      <p:nvGrpSpPr>
-        <p:cNvPr id="1" name=""/>
-        <p:cNvGrpSpPr/>
-        <p:nvPr/>
-      </p:nvGrpSpPr>
-      <p:grpSpPr>
-        <a:xfrm>
-          <a:off x="0" y="0"/>
-          <a:ext cx="0" cy="0"/>
-          <a:chOff x="0" y="0"/>
-          <a:chExt cx="0" cy="0"/>
-        </a:xfrm>
-      </p:grpSpPr>
-      <p:sp>
-        <p:nvSpPr>
-          <p:cNvPr id="2" name="Título 1"/>
-          <p:cNvSpPr>
-            <a:spLocks noGrp="1"/>
-          </p:cNvSpPr>
-          <p:nvPr>
-            <p:ph type="title"/>
-          </p:nvPr>
-        </p:nvSpPr>
-        <p:spPr>
-          <a:xfrm>
-            <a:off x="429928" y="209863"/>
-            <a:ext cx="6348335" cy="759684"/>
-          </a:xfrm>
-        </p:spPr>
-        <p:txBody>
-          <a:bodyPr/>
-          <a:lstStyle/>
-          <a:p>
-            <a:r>
-              <a:rPr lang="en-US" dirty="0" err="1"/>
-              <a:t>Porque</a:t>
-            </a:r>
-            <a:r>
-              <a:rPr lang="en-US" dirty="0"/>
-              <a:t> </a:t>
-            </a:r>
-            <a:r>
-              <a:rPr lang="en-US" dirty="0" err="1"/>
-              <a:t>devemos</a:t>
-            </a:r>
-            <a:r>
-              <a:rPr lang="en-US" dirty="0"/>
-              <a:t> </a:t>
-            </a:r>
-            <a:r>
-              <a:rPr lang="en-US" dirty="0" err="1"/>
-              <a:t>entender</a:t>
-            </a:r>
-            <a:r>
-              <a:rPr lang="en-US" dirty="0"/>
-              <a:t> o </a:t>
-            </a:r>
-            <a:r>
-              <a:rPr lang="en-US" dirty="0" err="1"/>
-              <a:t>modelo</a:t>
-            </a:r>
-            <a:r>
-              <a:rPr lang="en-US" dirty="0"/>
-              <a:t> de </a:t>
-            </a:r>
-            <a:r>
-              <a:rPr lang="en-US" dirty="0" err="1"/>
-              <a:t>segurança</a:t>
-            </a:r>
-            <a:r>
-              <a:rPr lang="en-US" dirty="0"/>
-              <a:t>?</a:t>
-            </a:r>
-            <a:endParaRPr lang="pt-BR" dirty="0"/>
-          </a:p>
-        </p:txBody>
-      </p:sp>
-      <p:sp>
-        <p:nvSpPr>
-          <p:cNvPr id="3" name="Espaço Reservado para Conteúdo 2"/>
-          <p:cNvSpPr>
-            <a:spLocks noGrp="1"/>
-          </p:cNvSpPr>
-          <p:nvPr>
-            <p:ph idx="1"/>
-          </p:nvPr>
-        </p:nvSpPr>
-        <p:spPr/>
-        <p:txBody>
-          <a:bodyPr/>
-          <a:lstStyle/>
-          <a:p>
-            <a:r>
-              <a:rPr lang="pt-BR" dirty="0"/>
-              <a:t>1 a cada 10 </a:t>
-            </a:r>
-            <a:r>
-              <a:rPr lang="pt-BR" dirty="0" err="1"/>
-              <a:t>apps</a:t>
-            </a:r>
-            <a:r>
-              <a:rPr lang="pt-BR" dirty="0"/>
-              <a:t> no </a:t>
-            </a:r>
-            <a:r>
-              <a:rPr lang="pt-BR" dirty="0" err="1"/>
-              <a:t>Android</a:t>
-            </a:r>
-            <a:r>
-              <a:rPr lang="pt-BR" dirty="0"/>
-              <a:t> é classificado como malicioso (Total de 24,4 milhões de amostras)</a:t>
-            </a:r>
-            <a:endParaRPr lang="en-US" dirty="0"/>
-          </a:p>
-          <a:p>
-            <a:endParaRPr lang="pt-BR" dirty="0"/>
-          </a:p>
-          <a:p>
-            <a:endParaRPr lang="pt-BR" dirty="0"/>
-          </a:p>
-        </p:txBody>
-      </p:sp>
-      <p:pic>
-        <p:nvPicPr>
-          <p:cNvPr id="4" name="Picture 2"/>
-          <p:cNvPicPr>
-            <a:picLocks noChangeAspect="1" noChangeArrowheads="1"/>
-          </p:cNvPicPr>
-          <p:nvPr/>
-        </p:nvPicPr>
-        <p:blipFill>
-          <a:blip r:embed="rId2">
-            <a:extLst>
-              <a:ext uri="{28A0092B-C50C-407E-A947-70E740481C1C}">
-                <a14:useLocalDpi xmlns:a14="http://schemas.microsoft.com/office/drawing/2010/main" val="0"/>
-              </a:ext>
-            </a:extLst>
-          </a:blip>
-          <a:srcRect/>
-          <a:stretch>
-            <a:fillRect/>
-          </a:stretch>
-        </p:blipFill>
-        <p:spPr bwMode="auto">
-          <a:xfrm>
-            <a:off x="1539645" y="2120145"/>
-            <a:ext cx="5134765" cy="3550952"/>
-          </a:xfrm>
-          <a:prstGeom prst="rect">
-            <a:avLst/>
-          </a:prstGeom>
-          <a:noFill/>
-          <a:ln>
-            <a:noFill/>
-          </a:ln>
-          <a:extLst>
-            <a:ext uri="{909E8E84-426E-40DD-AFC4-6F175D3DCCD1}">
-              <a14:hiddenFill xmlns:a14="http://schemas.microsoft.com/office/drawing/2010/main">
-                <a:solidFill>
-                  <a:schemeClr val="accent1"/>
-                </a:solidFill>
-              </a14:hiddenFill>
-            </a:ext>
-            <a:ext uri="{91240B29-F687-4F45-9708-019B960494DF}">
-              <a14:hiddenLine xmlns:a14="http://schemas.microsoft.com/office/drawing/2010/main" w="9525">
-                <a:solidFill>
-                  <a:schemeClr val="tx1"/>
-                </a:solidFill>
-                <a:miter lim="800000"/>
-                <a:headEnd/>
-                <a:tailEnd/>
-              </a14:hiddenLine>
-            </a:ext>
-          </a:extLst>
-        </p:spPr>
-      </p:pic>
-    </p:spTree>
-    <p:extLst>
-      <p:ext uri="{BB962C8B-B14F-4D97-AF65-F5344CB8AC3E}">
-        <p14:creationId xmlns:p14="http://schemas.microsoft.com/office/powerpoint/2010/main" val="562468294"/>
-      </p:ext>
-    </p:extLst>
-  </p:cSld>
-  <p:clrMapOvr>
-    <a:masterClrMapping/>
-  </p:clrMapOvr>
-</p:sld>
-</file>
-
-<file path=ppt/slides/slide5.xml><?xml version="1.0" encoding="utf-8"?>
-<p:sld xmlns:a="http://schemas.openxmlformats.org/drawingml/2006/main" xmlns:r="http://schemas.openxmlformats.org/officeDocument/2006/relationships" xmlns:p="http://schemas.openxmlformats.org/presentationml/2006/main">
-  <p:cSld>
-    <p:spTree>
-      <p:nvGrpSpPr>
-        <p:cNvPr id="1" name=""/>
-        <p:cNvGrpSpPr/>
-        <p:nvPr/>
-      </p:nvGrpSpPr>
-      <p:grpSpPr>
-        <a:xfrm>
-          <a:off x="0" y="0"/>
-          <a:ext cx="0" cy="0"/>
-          <a:chOff x="0" y="0"/>
-          <a:chExt cx="0" cy="0"/>
-        </a:xfrm>
-      </p:grpSpPr>
-      <p:sp>
-        <p:nvSpPr>
-          <p:cNvPr id="2" name="Título 1"/>
-          <p:cNvSpPr>
-            <a:spLocks noGrp="1"/>
-          </p:cNvSpPr>
-          <p:nvPr>
-            <p:ph type="title"/>
-          </p:nvPr>
-        </p:nvSpPr>
-        <p:spPr/>
-        <p:txBody>
-          <a:bodyPr/>
-          <a:lstStyle/>
-          <a:p>
-            <a:r>
-              <a:rPr lang="pt-BR" dirty="0"/>
-              <a:t>Porque devemos entender o modelo de segurança?</a:t>
-            </a:r>
-          </a:p>
-        </p:txBody>
-      </p:sp>
-      <p:sp>
-        <p:nvSpPr>
-          <p:cNvPr id="3" name="Espaço Reservado para Conteúdo 2"/>
-          <p:cNvSpPr>
-            <a:spLocks noGrp="1"/>
-          </p:cNvSpPr>
-          <p:nvPr>
-            <p:ph idx="1"/>
-          </p:nvPr>
-        </p:nvSpPr>
-        <p:spPr/>
-        <p:txBody>
-          <a:bodyPr/>
-          <a:lstStyle/>
-          <a:p>
-            <a:r>
-              <a:rPr lang="pt-BR" dirty="0"/>
-              <a:t>Aumento de 600% nos últimos anos</a:t>
-            </a:r>
-          </a:p>
-        </p:txBody>
-      </p:sp>
-      <p:pic>
-        <p:nvPicPr>
-          <p:cNvPr id="4" name="Picture 2" descr="QQ截图20140724134537.jpg"/>
-          <p:cNvPicPr>
-            <a:picLocks noChangeAspect="1" noChangeArrowheads="1"/>
-          </p:cNvPicPr>
-          <p:nvPr/>
-        </p:nvPicPr>
-        <p:blipFill>
-          <a:blip r:embed="rId2">
-            <a:extLst>
-              <a:ext uri="{28A0092B-C50C-407E-A947-70E740481C1C}">
-                <a14:useLocalDpi xmlns:a14="http://schemas.microsoft.com/office/drawing/2010/main" val="0"/>
-              </a:ext>
-            </a:extLst>
-          </a:blip>
-          <a:srcRect/>
-          <a:stretch>
-            <a:fillRect/>
-          </a:stretch>
-        </p:blipFill>
-        <p:spPr bwMode="auto">
-          <a:xfrm>
-            <a:off x="990600" y="1828800"/>
-            <a:ext cx="6172200" cy="4129975"/>
-          </a:xfrm>
-          <a:prstGeom prst="rect">
-            <a:avLst/>
-          </a:prstGeom>
-          <a:noFill/>
-          <a:extLst>
-            <a:ext uri="{909E8E84-426E-40DD-AFC4-6F175D3DCCD1}">
-              <a14:hiddenFill xmlns:a14="http://schemas.microsoft.com/office/drawing/2010/main">
-                <a:solidFill>
-                  <a:srgbClr val="FFFFFF"/>
-                </a:solidFill>
-              </a14:hiddenFill>
-            </a:ext>
-          </a:extLst>
-        </p:spPr>
-      </p:pic>
-    </p:spTree>
-    <p:extLst>
-      <p:ext uri="{BB962C8B-B14F-4D97-AF65-F5344CB8AC3E}">
-        <p14:creationId xmlns:p14="http://schemas.microsoft.com/office/powerpoint/2010/main" val="1419622145"/>
-      </p:ext>
-    </p:extLst>
-  </p:cSld>
-  <p:clrMapOvr>
-    <a:masterClrMapping/>
-  </p:clrMapOvr>
-</p:sld>
-</file>
-
-<file path=ppt/slides/slide6.xml><?xml version="1.0" encoding="utf-8"?>
-<p:sld xmlns:a="http://schemas.openxmlformats.org/drawingml/2006/main" xmlns:r="http://schemas.openxmlformats.org/officeDocument/2006/relationships" xmlns:p="http://schemas.openxmlformats.org/presentationml/2006/main">
-  <p:cSld>
-    <p:spTree>
-      <p:nvGrpSpPr>
-        <p:cNvPr id="1" name=""/>
-        <p:cNvGrpSpPr/>
-        <p:nvPr/>
-      </p:nvGrpSpPr>
-      <p:grpSpPr>
-        <a:xfrm>
-          <a:off x="0" y="0"/>
-          <a:ext cx="0" cy="0"/>
-          <a:chOff x="0" y="0"/>
-          <a:chExt cx="0" cy="0"/>
-        </a:xfrm>
-      </p:grpSpPr>
-      <p:sp>
-        <p:nvSpPr>
-          <p:cNvPr id="3" name="Content Placeholder 2"/>
-          <p:cNvSpPr>
-            <a:spLocks noGrp="1"/>
-          </p:cNvSpPr>
-          <p:nvPr>
-            <p:ph sz="half" idx="1"/>
-          </p:nvPr>
-        </p:nvSpPr>
-        <p:spPr>
-          <a:xfrm>
-            <a:off x="381000" y="1676399"/>
-            <a:ext cx="4343400" cy="4297363"/>
-          </a:xfrm>
-        </p:spPr>
-        <p:txBody>
-          <a:bodyPr>
-            <a:normAutofit/>
-          </a:bodyPr>
-          <a:lstStyle/>
-          <a:p>
-            <a:pPr marL="0" indent="0">
-              <a:lnSpc>
-                <a:spcPct val="150000"/>
-              </a:lnSpc>
-              <a:buNone/>
-            </a:pPr>
-            <a:endParaRPr lang="en-US" sz="2400" dirty="0"/>
-          </a:p>
-          <a:p>
-            <a:pPr>
-              <a:lnSpc>
-                <a:spcPct val="150000"/>
-              </a:lnSpc>
-            </a:pPr>
-            <a:r>
-              <a:rPr lang="en-US" sz="2400" dirty="0" err="1"/>
-              <a:t>Plataforma</a:t>
-            </a:r>
-            <a:r>
-              <a:rPr lang="en-US" sz="2400" dirty="0"/>
-              <a:t> Open Source</a:t>
-            </a:r>
-          </a:p>
-          <a:p>
-            <a:pPr>
-              <a:lnSpc>
-                <a:spcPct val="150000"/>
-              </a:lnSpc>
-            </a:pPr>
-            <a:r>
-              <a:rPr lang="en-US" sz="2400" b="1" dirty="0" err="1"/>
-              <a:t>Você</a:t>
-            </a:r>
-            <a:r>
-              <a:rPr lang="en-US" sz="2400" b="1" dirty="0"/>
-              <a:t> </a:t>
-            </a:r>
-            <a:r>
-              <a:rPr lang="en-US" sz="2400" b="1" dirty="0" err="1"/>
-              <a:t>controla</a:t>
-            </a:r>
-            <a:r>
-              <a:rPr lang="en-US" sz="2400" b="1" dirty="0"/>
-              <a:t> as </a:t>
-            </a:r>
-            <a:r>
-              <a:rPr lang="en-US" sz="2400" b="1" dirty="0" err="1"/>
-              <a:t>permissões</a:t>
-            </a:r>
-            <a:r>
-              <a:rPr lang="en-US" sz="2400" b="1" dirty="0"/>
-              <a:t> do </a:t>
-            </a:r>
-            <a:r>
-              <a:rPr lang="en-US" sz="2400" b="1" dirty="0" err="1"/>
-              <a:t>seu</a:t>
-            </a:r>
-            <a:r>
-              <a:rPr lang="en-US" sz="2400" b="1" dirty="0"/>
-              <a:t> </a:t>
-            </a:r>
-            <a:r>
-              <a:rPr lang="en-US" sz="2400" b="1" dirty="0" err="1"/>
-              <a:t>dispositivo</a:t>
-            </a:r>
-            <a:r>
-              <a:rPr lang="en-US" sz="2400" b="1" dirty="0"/>
-              <a:t>!!</a:t>
-            </a:r>
-          </a:p>
-          <a:p>
-            <a:pPr>
-              <a:lnSpc>
-                <a:spcPct val="150000"/>
-              </a:lnSpc>
-            </a:pPr>
-            <a:r>
-              <a:rPr lang="en-US" sz="2400" b="1" dirty="0">
-                <a:solidFill>
-                  <a:schemeClr val="accent1">
-                    <a:lumMod val="75000"/>
-                  </a:schemeClr>
-                </a:solidFill>
-              </a:rPr>
-              <a:t>Facebook</a:t>
-            </a:r>
-            <a:r>
-              <a:rPr lang="en-US" sz="2400" dirty="0"/>
-              <a:t> app </a:t>
-            </a:r>
-            <a:r>
-              <a:rPr lang="en-US" sz="2400" dirty="0" err="1"/>
-              <a:t>ao</a:t>
-            </a:r>
-            <a:r>
-              <a:rPr lang="en-US" sz="2400" dirty="0"/>
-              <a:t> </a:t>
-            </a:r>
-            <a:r>
-              <a:rPr lang="en-US" sz="2400" dirty="0" err="1"/>
-              <a:t>lado</a:t>
-            </a:r>
-            <a:r>
-              <a:rPr lang="en-US" sz="2400" dirty="0"/>
-              <a:t> -&gt;</a:t>
-            </a:r>
-          </a:p>
-          <a:p>
-            <a:pPr>
-              <a:lnSpc>
-                <a:spcPct val="150000"/>
-              </a:lnSpc>
-            </a:pPr>
-            <a:endParaRPr lang="en-US" sz="2400" dirty="0"/>
-          </a:p>
-          <a:p>
-            <a:pPr>
-              <a:buNone/>
-            </a:pPr>
-            <a:endParaRPr lang="en-US" dirty="0"/>
-          </a:p>
-        </p:txBody>
-      </p:sp>
-      <p:sp>
-        <p:nvSpPr>
-          <p:cNvPr id="4" name="Título 3"/>
-          <p:cNvSpPr>
-            <a:spLocks noGrp="1"/>
-          </p:cNvSpPr>
-          <p:nvPr>
-            <p:ph type="title"/>
-          </p:nvPr>
-        </p:nvSpPr>
-        <p:spPr/>
-        <p:txBody>
-          <a:bodyPr/>
-          <a:lstStyle/>
-          <a:p>
-            <a:r>
-              <a:rPr lang="pt-BR" dirty="0"/>
-              <a:t>Porque devemos entender o modelo de segurança?</a:t>
-            </a:r>
-          </a:p>
-        </p:txBody>
-      </p:sp>
-      <p:pic>
-        <p:nvPicPr>
-          <p:cNvPr id="7" name="Espaço Reservado para Conteúdo 6"/>
-          <p:cNvPicPr>
-            <a:picLocks noGrp="1" noChangeAspect="1"/>
-          </p:cNvPicPr>
-          <p:nvPr>
-            <p:ph sz="half" idx="2"/>
-          </p:nvPr>
-        </p:nvPicPr>
-        <p:blipFill>
-          <a:blip r:embed="rId3" cstate="print">
-            <a:extLst>
-              <a:ext uri="{28A0092B-C50C-407E-A947-70E740481C1C}">
-                <a14:useLocalDpi xmlns:a14="http://schemas.microsoft.com/office/drawing/2010/main" val="0"/>
-              </a:ext>
-            </a:extLst>
-          </a:blip>
-          <a:stretch>
-            <a:fillRect/>
-          </a:stretch>
-        </p:blipFill>
-        <p:spPr>
-          <a:xfrm>
-            <a:off x="5562600" y="1447800"/>
-            <a:ext cx="2545854" cy="4525963"/>
-          </a:xfrm>
-        </p:spPr>
-      </p:pic>
-    </p:spTree>
-  </p:cSld>
-  <p:clrMapOvr>
-    <a:masterClrMapping/>
-  </p:clrMapOvr>
-</p:sld>
-</file>
-
-<file path=ppt/slides/slide7.xml><?xml version="1.0" encoding="utf-8"?>
-<p:sld xmlns:a="http://schemas.openxmlformats.org/drawingml/2006/main" xmlns:r="http://schemas.openxmlformats.org/officeDocument/2006/relationships" xmlns:p="http://schemas.openxmlformats.org/presentationml/2006/main">
-  <p:cSld>
-    <p:spTree>
-      <p:nvGrpSpPr>
-        <p:cNvPr id="1" name=""/>
-        <p:cNvGrpSpPr/>
-        <p:nvPr/>
-      </p:nvGrpSpPr>
-      <p:grpSpPr>
-        <a:xfrm>
-          <a:off x="0" y="0"/>
-          <a:ext cx="0" cy="0"/>
-          <a:chOff x="0" y="0"/>
-          <a:chExt cx="0" cy="0"/>
-        </a:xfrm>
-      </p:grpSpPr>
-      <p:sp>
-        <p:nvSpPr>
-          <p:cNvPr id="4" name="Title 3"/>
-          <p:cNvSpPr>
-            <a:spLocks noGrp="1"/>
-          </p:cNvSpPr>
-          <p:nvPr>
-            <p:ph type="title"/>
-          </p:nvPr>
-        </p:nvSpPr>
-        <p:spPr>
-          <a:xfrm>
-            <a:off x="457200" y="152400"/>
-            <a:ext cx="8229600" cy="868362"/>
-          </a:xfrm>
-        </p:spPr>
-        <p:txBody>
-          <a:bodyPr/>
-          <a:lstStyle/>
-          <a:p>
-            <a:r>
-              <a:rPr lang="en-US" dirty="0" err="1"/>
-              <a:t>Arquitetura</a:t>
-            </a:r>
-            <a:r>
-              <a:rPr lang="en-US" dirty="0"/>
-              <a:t> do SO Android</a:t>
-            </a:r>
-          </a:p>
-        </p:txBody>
-      </p:sp>
-      <p:pic>
-        <p:nvPicPr>
-          <p:cNvPr id="1026" name="Picture 2" descr="Android System Architecture"/>
-          <p:cNvPicPr>
-            <a:picLocks noChangeAspect="1" noChangeArrowheads="1"/>
-          </p:cNvPicPr>
-          <p:nvPr/>
-        </p:nvPicPr>
-        <p:blipFill>
-          <a:blip r:embed="rId3" cstate="print"/>
-          <a:srcRect/>
-          <a:stretch>
-            <a:fillRect/>
-          </a:stretch>
-        </p:blipFill>
-        <p:spPr bwMode="auto">
-          <a:xfrm>
-            <a:off x="838200" y="1066800"/>
-            <a:ext cx="7315200" cy="5252992"/>
-          </a:xfrm>
-          <a:prstGeom prst="rect">
-            <a:avLst/>
-          </a:prstGeom>
-          <a:noFill/>
-        </p:spPr>
-      </p:pic>
-      <p:sp>
-        <p:nvSpPr>
-          <p:cNvPr id="6" name="TextBox 5"/>
-          <p:cNvSpPr txBox="1"/>
-          <p:nvPr/>
-        </p:nvSpPr>
-        <p:spPr>
-          <a:xfrm>
-            <a:off x="762000" y="6400800"/>
-            <a:ext cx="5638800" cy="246221"/>
-          </a:xfrm>
-          <a:prstGeom prst="rect">
-            <a:avLst/>
-          </a:prstGeom>
-          <a:noFill/>
-        </p:spPr>
-        <p:txBody>
-          <a:bodyPr wrap="square" rtlCol="0">
-            <a:spAutoFit/>
-          </a:bodyPr>
-          <a:lstStyle/>
-          <a:p>
-            <a:r>
-              <a:rPr lang="en-US" sz="1000" dirty="0"/>
-              <a:t>http://developer.android.com/guide/basics/what-is-android.html</a:t>
-            </a:r>
-          </a:p>
-        </p:txBody>
-      </p:sp>
-    </p:spTree>
-  </p:cSld>
-  <p:clrMapOvr>
-    <a:masterClrMapping/>
-  </p:clrMapOvr>
-</p:sld>
-</file>
-
-<file path=ppt/slides/slide8.xml><?xml version="1.0" encoding="utf-8"?>
-<p:sld xmlns:a="http://schemas.openxmlformats.org/drawingml/2006/main" xmlns:r="http://schemas.openxmlformats.org/officeDocument/2006/relationships" xmlns:p="http://schemas.openxmlformats.org/presentationml/2006/main">
-  <p:cSld>
-    <p:spTree>
-      <p:nvGrpSpPr>
-        <p:cNvPr id="1" name=""/>
-        <p:cNvGrpSpPr/>
-        <p:nvPr/>
-      </p:nvGrpSpPr>
-      <p:grpSpPr>
-        <a:xfrm>
-          <a:off x="0" y="0"/>
-          <a:ext cx="0" cy="0"/>
-          <a:chOff x="0" y="0"/>
-          <a:chExt cx="0" cy="0"/>
-        </a:xfrm>
-      </p:grpSpPr>
-      <p:sp>
-        <p:nvSpPr>
-          <p:cNvPr id="2" name="Title 1"/>
-          <p:cNvSpPr>
-            <a:spLocks noGrp="1"/>
-          </p:cNvSpPr>
-          <p:nvPr>
-            <p:ph type="title"/>
-          </p:nvPr>
-        </p:nvSpPr>
-        <p:spPr>
-          <a:xfrm>
-            <a:off x="533400" y="76200"/>
-            <a:ext cx="8229600" cy="1143000"/>
-          </a:xfrm>
-        </p:spPr>
-        <p:txBody>
-          <a:bodyPr/>
-          <a:lstStyle/>
-          <a:p>
-            <a:r>
-              <a:rPr lang="en-US" dirty="0"/>
-              <a:t>Como </a:t>
-            </a:r>
-            <a:r>
-              <a:rPr lang="en-US" dirty="0" err="1"/>
-              <a:t>funcionam</a:t>
-            </a:r>
-            <a:r>
-              <a:rPr lang="en-US" dirty="0"/>
-              <a:t> </a:t>
-            </a:r>
-            <a:r>
-              <a:rPr lang="en-US" dirty="0" err="1"/>
-              <a:t>os</a:t>
-            </a:r>
-            <a:r>
-              <a:rPr lang="en-US" dirty="0"/>
-              <a:t> </a:t>
-            </a:r>
-            <a:r>
-              <a:rPr lang="en-US" dirty="0" err="1"/>
-              <a:t>aplicativos</a:t>
-            </a:r>
-            <a:r>
-              <a:rPr lang="en-US" dirty="0"/>
-              <a:t> Android?</a:t>
-            </a:r>
-          </a:p>
-        </p:txBody>
-      </p:sp>
-      <p:sp>
-        <p:nvSpPr>
-          <p:cNvPr id="6" name="Rectangle 2"/>
-          <p:cNvSpPr txBox="1">
-            <a:spLocks noChangeArrowheads="1"/>
-          </p:cNvSpPr>
-          <p:nvPr/>
-        </p:nvSpPr>
-        <p:spPr>
-          <a:xfrm>
-            <a:off x="152400" y="1600200"/>
-            <a:ext cx="9658350" cy="5480050"/>
-          </a:xfrm>
-          <a:prstGeom prst="rect">
-            <a:avLst/>
-          </a:prstGeom>
-        </p:spPr>
-        <p:txBody>
-          <a:bodyPr vert="horz" lIns="0" tIns="0" rIns="0" bIns="0" rtlCol="0">
-            <a:normAutofit lnSpcReduction="10000"/>
-          </a:bodyPr>
-          <a:lstStyle>
-            <a:lvl1pPr marL="287338" indent="-287338" algn="l" defTabSz="914400" rtl="0" eaLnBrk="1" latinLnBrk="0" hangingPunct="1">
-              <a:spcBef>
-                <a:spcPct val="20000"/>
-              </a:spcBef>
-              <a:buFont typeface="Wingdings" pitchFamily="2" charset="2"/>
-              <a:buChar char="§"/>
-              <a:defRPr sz="2000" kern="1200">
-                <a:solidFill>
-                  <a:schemeClr val="tx2"/>
-                </a:solidFill>
-                <a:latin typeface="+mn-lt"/>
-                <a:ea typeface="+mn-ea"/>
-                <a:cs typeface="+mn-cs"/>
-              </a:defRPr>
-            </a:lvl1pPr>
-            <a:lvl2pPr marL="627063" indent="-287338" algn="l" defTabSz="914400" rtl="0" eaLnBrk="1" latinLnBrk="0" hangingPunct="1">
-              <a:spcBef>
-                <a:spcPct val="20000"/>
-              </a:spcBef>
-              <a:buFont typeface="Arial" pitchFamily="34" charset="0"/>
-              <a:buChar char="–"/>
-              <a:defRPr sz="1800" kern="1200">
-                <a:solidFill>
-                  <a:schemeClr val="tx2"/>
-                </a:solidFill>
-                <a:latin typeface="+mn-lt"/>
-                <a:ea typeface="+mn-ea"/>
-                <a:cs typeface="+mn-cs"/>
-              </a:defRPr>
-            </a:lvl2pPr>
-            <a:lvl3pPr marL="914400" indent="-287338" algn="l" defTabSz="914400" rtl="0" eaLnBrk="1" latinLnBrk="0" hangingPunct="1">
-              <a:spcBef>
-                <a:spcPct val="20000"/>
-              </a:spcBef>
-              <a:buFont typeface="Wingdings" pitchFamily="2" charset="2"/>
-              <a:buChar char="§"/>
-              <a:tabLst/>
-              <a:defRPr sz="1600" kern="1200">
-                <a:solidFill>
-                  <a:schemeClr val="tx2"/>
-                </a:solidFill>
-                <a:latin typeface="+mn-lt"/>
-                <a:ea typeface="+mn-ea"/>
-                <a:cs typeface="+mn-cs"/>
-              </a:defRPr>
-            </a:lvl3pPr>
-            <a:lvl4pPr marL="1314450" indent="-287338" algn="l" defTabSz="914400" rtl="0" eaLnBrk="1" latinLnBrk="0" hangingPunct="1">
-              <a:spcBef>
-                <a:spcPct val="20000"/>
-              </a:spcBef>
-              <a:buFont typeface="Arial" pitchFamily="34" charset="0"/>
-              <a:buChar char="–"/>
-              <a:tabLst/>
-              <a:defRPr sz="1400" kern="1200">
-                <a:solidFill>
-                  <a:schemeClr val="tx2"/>
-                </a:solidFill>
-                <a:latin typeface="+mn-lt"/>
-                <a:ea typeface="+mn-ea"/>
-                <a:cs typeface="+mn-cs"/>
-              </a:defRPr>
-            </a:lvl4pPr>
-            <a:lvl5pPr marL="1601788" indent="-287338" algn="l" defTabSz="914400" rtl="0" eaLnBrk="1" latinLnBrk="0" hangingPunct="1">
-              <a:spcBef>
-                <a:spcPct val="20000"/>
-              </a:spcBef>
-              <a:buFont typeface="Arial" pitchFamily="34" charset="0"/>
-              <a:buChar char="»"/>
-              <a:tabLst/>
-              <a:defRPr sz="1400" kern="1200">
-                <a:solidFill>
-                  <a:schemeClr val="tx2"/>
-                </a:solidFill>
-                <a:latin typeface="+mn-lt"/>
-                <a:ea typeface="+mn-ea"/>
-                <a:cs typeface="+mn-cs"/>
-              </a:defRPr>
-            </a:lvl5pPr>
-            <a:lvl6pPr marL="2514600" indent="-228600" algn="l" defTabSz="914400" rtl="0" eaLnBrk="1" latinLnBrk="0" hangingPunct="1">
-              <a:spcBef>
-                <a:spcPct val="20000"/>
-              </a:spcBef>
-              <a:buFont typeface="Arial" pitchFamily="34" charset="0"/>
-              <a:buChar char="•"/>
-              <a:defRPr sz="2000" kern="1200">
-                <a:solidFill>
-                  <a:schemeClr val="tx1"/>
-                </a:solidFill>
-                <a:latin typeface="+mn-lt"/>
-                <a:ea typeface="+mn-ea"/>
-                <a:cs typeface="+mn-cs"/>
-              </a:defRPr>
-            </a:lvl6pPr>
-            <a:lvl7pPr marL="2971800" indent="-228600" algn="l" defTabSz="914400" rtl="0" eaLnBrk="1" latinLnBrk="0" hangingPunct="1">
-              <a:spcBef>
-                <a:spcPct val="20000"/>
-              </a:spcBef>
-              <a:buFont typeface="Arial" pitchFamily="34" charset="0"/>
-              <a:buChar char="•"/>
-              <a:defRPr sz="2000" kern="1200">
-                <a:solidFill>
-                  <a:schemeClr val="tx1"/>
-                </a:solidFill>
-                <a:latin typeface="+mn-lt"/>
-                <a:ea typeface="+mn-ea"/>
-                <a:cs typeface="+mn-cs"/>
-              </a:defRPr>
-            </a:lvl7pPr>
-            <a:lvl8pPr marL="3429000" indent="-228600" algn="l" defTabSz="914400" rtl="0" eaLnBrk="1" latinLnBrk="0" hangingPunct="1">
-              <a:spcBef>
-                <a:spcPct val="20000"/>
-              </a:spcBef>
-              <a:buFont typeface="Arial" pitchFamily="34" charset="0"/>
-              <a:buChar char="•"/>
-              <a:defRPr sz="2000" kern="1200">
-                <a:solidFill>
-                  <a:schemeClr val="tx1"/>
-                </a:solidFill>
-                <a:latin typeface="+mn-lt"/>
-                <a:ea typeface="+mn-ea"/>
-                <a:cs typeface="+mn-cs"/>
-              </a:defRPr>
-            </a:lvl8pPr>
-            <a:lvl9pPr marL="3886200" indent="-228600" algn="l" defTabSz="914400" rtl="0" eaLnBrk="1" latinLnBrk="0" hangingPunct="1">
-              <a:spcBef>
-                <a:spcPct val="20000"/>
-              </a:spcBef>
-              <a:buFont typeface="Arial" pitchFamily="34" charset="0"/>
-              <a:buChar char="•"/>
-              <a:defRPr sz="2000" kern="1200">
-                <a:solidFill>
-                  <a:schemeClr val="tx1"/>
-                </a:solidFill>
-                <a:latin typeface="+mn-lt"/>
-                <a:ea typeface="+mn-ea"/>
-                <a:cs typeface="+mn-cs"/>
-              </a:defRPr>
-            </a:lvl9pPr>
-          </a:lstStyle>
-          <a:p>
-            <a:pPr>
-              <a:lnSpc>
-                <a:spcPct val="150000"/>
-              </a:lnSpc>
-            </a:pPr>
-            <a:r>
-              <a:rPr lang="en-US" sz="2200" b="1" dirty="0"/>
-              <a:t>Activity</a:t>
-            </a:r>
-            <a:r>
-              <a:rPr lang="en-US" sz="2200" dirty="0"/>
-              <a:t>: Define as </a:t>
-            </a:r>
-            <a:r>
-              <a:rPr lang="en-US" sz="2200" dirty="0" err="1"/>
-              <a:t>telas</a:t>
-            </a:r>
-            <a:r>
-              <a:rPr lang="en-US" sz="2200" dirty="0"/>
-              <a:t>, interface visual</a:t>
-            </a:r>
-          </a:p>
-          <a:p>
-            <a:pPr>
-              <a:lnSpc>
-                <a:spcPct val="150000"/>
-              </a:lnSpc>
-            </a:pPr>
-            <a:r>
-              <a:rPr lang="en-US" sz="2200" b="1" dirty="0"/>
-              <a:t>Service</a:t>
-            </a:r>
-            <a:r>
-              <a:rPr lang="en-US" sz="2200" dirty="0"/>
-              <a:t>: </a:t>
-            </a:r>
-            <a:r>
-              <a:rPr lang="en-US" sz="2200" dirty="0" err="1"/>
-              <a:t>Processo</a:t>
-            </a:r>
-            <a:r>
-              <a:rPr lang="en-US" sz="2200" dirty="0"/>
-              <a:t> </a:t>
-            </a:r>
-            <a:r>
-              <a:rPr lang="en-US" sz="2200" dirty="0" err="1"/>
-              <a:t>em</a:t>
-            </a:r>
-            <a:r>
-              <a:rPr lang="en-US" sz="2200" dirty="0"/>
-              <a:t> background</a:t>
-            </a:r>
-          </a:p>
-          <a:p>
-            <a:pPr>
-              <a:lnSpc>
-                <a:spcPct val="150000"/>
-              </a:lnSpc>
-            </a:pPr>
-            <a:r>
-              <a:rPr lang="en-US" sz="2200" b="1" dirty="0"/>
-              <a:t>Broadcast Receiver</a:t>
-            </a:r>
-            <a:r>
-              <a:rPr lang="en-US" sz="2200" dirty="0"/>
-              <a:t>: </a:t>
-            </a:r>
-            <a:r>
-              <a:rPr lang="en-US" sz="2200" dirty="0" err="1"/>
-              <a:t>Recebe</a:t>
-            </a:r>
-            <a:r>
-              <a:rPr lang="en-US" sz="2200" dirty="0"/>
-              <a:t> “</a:t>
-            </a:r>
-            <a:r>
-              <a:rPr lang="en-US" sz="2200" dirty="0" err="1"/>
-              <a:t>msgs</a:t>
-            </a:r>
-            <a:r>
-              <a:rPr lang="en-US" sz="2200" dirty="0"/>
-              <a:t>” de </a:t>
-            </a:r>
-            <a:r>
-              <a:rPr lang="en-US" sz="2200" dirty="0" err="1"/>
-              <a:t>outras</a:t>
-            </a:r>
-            <a:r>
-              <a:rPr lang="en-US" sz="2200" dirty="0"/>
-              <a:t> </a:t>
-            </a:r>
-            <a:r>
-              <a:rPr lang="en-US" sz="2200" dirty="0" err="1"/>
-              <a:t>aplicações</a:t>
-            </a:r>
-            <a:endParaRPr lang="en-US" sz="2200" dirty="0"/>
-          </a:p>
-          <a:p>
-            <a:pPr>
-              <a:lnSpc>
-                <a:spcPct val="150000"/>
-              </a:lnSpc>
-            </a:pPr>
-            <a:r>
-              <a:rPr lang="en-US" sz="2200" b="1" dirty="0"/>
-              <a:t>Content Provider</a:t>
-            </a:r>
-            <a:r>
-              <a:rPr lang="en-US" sz="2200" dirty="0"/>
-              <a:t>: Banco de dados </a:t>
-            </a:r>
-            <a:r>
-              <a:rPr lang="en-US" sz="2200" dirty="0" err="1"/>
-              <a:t>relacional</a:t>
-            </a:r>
-            <a:r>
-              <a:rPr lang="en-US" sz="2200" dirty="0"/>
-              <a:t> (</a:t>
-            </a:r>
-            <a:r>
-              <a:rPr lang="en-US" sz="2200" dirty="0" err="1"/>
-              <a:t>ou</a:t>
-            </a:r>
-            <a:r>
-              <a:rPr lang="en-US" sz="2200" dirty="0"/>
-              <a:t> </a:t>
-            </a:r>
-            <a:r>
-              <a:rPr lang="en-US" sz="2200" dirty="0" err="1"/>
-              <a:t>arquivo</a:t>
-            </a:r>
-            <a:r>
-              <a:rPr lang="en-US" sz="2200" dirty="0"/>
-              <a:t>) para </a:t>
-            </a:r>
-            <a:r>
-              <a:rPr lang="en-US" sz="2200" dirty="0" err="1"/>
-              <a:t>compartilhamento</a:t>
-            </a:r>
-            <a:r>
-              <a:rPr lang="en-US" sz="2200" dirty="0"/>
-              <a:t> de dados entre </a:t>
-            </a:r>
-            <a:r>
-              <a:rPr lang="en-US" sz="2200" dirty="0" err="1"/>
-              <a:t>os</a:t>
-            </a:r>
-            <a:r>
-              <a:rPr lang="en-US" sz="2200" dirty="0"/>
-              <a:t> apps</a:t>
-            </a:r>
-          </a:p>
-          <a:p>
-            <a:pPr>
-              <a:lnSpc>
-                <a:spcPct val="150000"/>
-              </a:lnSpc>
-            </a:pPr>
-            <a:r>
-              <a:rPr lang="en-US" sz="2200" dirty="0" err="1"/>
-              <a:t>Comunicação</a:t>
-            </a:r>
-            <a:r>
-              <a:rPr lang="en-US" sz="2200" dirty="0"/>
-              <a:t> entre </a:t>
-            </a:r>
-            <a:r>
-              <a:rPr lang="en-US" sz="2200" dirty="0" err="1"/>
-              <a:t>processos</a:t>
-            </a:r>
-            <a:r>
-              <a:rPr lang="en-US" sz="2200" dirty="0"/>
-              <a:t> (IPC): </a:t>
-            </a:r>
-          </a:p>
-          <a:p>
-            <a:pPr marL="0" indent="0">
-              <a:lnSpc>
-                <a:spcPct val="150000"/>
-              </a:lnSpc>
-              <a:buNone/>
-            </a:pPr>
-            <a:r>
-              <a:rPr lang="pt-BR" sz="2200" b="1" dirty="0"/>
-              <a:t> </a:t>
-            </a:r>
-            <a:r>
-              <a:rPr lang="pt-BR" sz="2200" b="1" dirty="0" err="1"/>
-              <a:t>Intent</a:t>
-            </a:r>
-            <a:r>
-              <a:rPr lang="pt-BR" sz="2200" dirty="0"/>
-              <a:t>: Um objeto de mensagem que pode ser usado para solicitar </a:t>
-            </a:r>
-          </a:p>
-          <a:p>
-            <a:pPr marL="0" indent="0">
-              <a:lnSpc>
-                <a:spcPct val="150000"/>
-              </a:lnSpc>
-              <a:buNone/>
-            </a:pPr>
-            <a:r>
-              <a:rPr lang="pt-BR" sz="2200" dirty="0"/>
-              <a:t> uma  ação para outro componente do aplicativo e outros aplicativos</a:t>
-            </a:r>
-            <a:endParaRPr lang="en-US" sz="2200" dirty="0"/>
-          </a:p>
-          <a:p>
-            <a:pPr>
-              <a:lnSpc>
-                <a:spcPct val="150000"/>
-              </a:lnSpc>
-            </a:pPr>
-            <a:endParaRPr lang="en-US" sz="2200" dirty="0"/>
-          </a:p>
-          <a:p>
-            <a:pPr marL="0" indent="0">
-              <a:lnSpc>
-                <a:spcPct val="150000"/>
-              </a:lnSpc>
-              <a:buNone/>
-            </a:pPr>
-            <a:r>
-              <a:rPr lang="en-US" sz="2200" dirty="0"/>
-              <a:t> </a:t>
-            </a:r>
-            <a:endParaRPr lang="en-US" dirty="0"/>
-          </a:p>
-          <a:p>
-            <a:pPr marL="457200" lvl="1" indent="-342900">
-              <a:lnSpc>
-                <a:spcPct val="95000"/>
-              </a:lnSpc>
-              <a:spcBef>
-                <a:spcPct val="0"/>
-              </a:spcBef>
-              <a:buClr>
-                <a:srgbClr val="000000"/>
-              </a:buClr>
-              <a:buFontTx/>
-              <a:buChar char="•"/>
-            </a:pPr>
-            <a:endParaRPr lang="en-US" altLang="pt-BR" sz="2700" dirty="0">
-              <a:solidFill>
-                <a:srgbClr val="000000"/>
-              </a:solidFill>
-              <a:latin typeface="Arial" panose="020B0604020202020204" pitchFamily="34" charset="0"/>
-            </a:endParaRPr>
-          </a:p>
-        </p:txBody>
-      </p:sp>
-    </p:spTree>
-  </p:cSld>
-  <p:clrMapOvr>
-    <a:masterClrMapping/>
-  </p:clrMapOvr>
-</p:sld>
-</file>
-
-<file path=ppt/slides/slide9.xml><?xml version="1.0" encoding="utf-8"?>
-<p:sld xmlns:a="http://schemas.openxmlformats.org/drawingml/2006/main" xmlns:r="http://schemas.openxmlformats.org/officeDocument/2006/relationships" xmlns:p="http://schemas.openxmlformats.org/presentationml/2006/main">
-  <p:cSld>
     <p:bg>
       <p:bgPr>
         <a:pattFill prst="pct5">
@@ -11656,6 +7554,4190 @@
           </a:extLst>
         </p:spPr>
       </p:pic>
+    </p:spTree>
+  </p:cSld>
+  <p:clrMapOvr>
+    <a:masterClrMapping/>
+  </p:clrMapOvr>
+</p:sld>
+</file>
+
+<file path=ppt/slides/slide11.xml><?xml version="1.0" encoding="utf-8"?>
+<p:sld xmlns:a="http://schemas.openxmlformats.org/drawingml/2006/main" xmlns:r="http://schemas.openxmlformats.org/officeDocument/2006/relationships" xmlns:p="http://schemas.openxmlformats.org/presentationml/2006/main">
+  <p:cSld>
+    <p:spTree>
+      <p:nvGrpSpPr>
+        <p:cNvPr id="1" name=""/>
+        <p:cNvGrpSpPr/>
+        <p:nvPr/>
+      </p:nvGrpSpPr>
+      <p:grpSpPr>
+        <a:xfrm>
+          <a:off x="0" y="0"/>
+          <a:ext cx="0" cy="0"/>
+          <a:chOff x="0" y="0"/>
+          <a:chExt cx="0" cy="0"/>
+        </a:xfrm>
+      </p:grpSpPr>
+      <p:sp>
+        <p:nvSpPr>
+          <p:cNvPr id="2" name="Título 1"/>
+          <p:cNvSpPr>
+            <a:spLocks noGrp="1"/>
+          </p:cNvSpPr>
+          <p:nvPr>
+            <p:ph type="title"/>
+          </p:nvPr>
+        </p:nvSpPr>
+        <p:spPr/>
+        <p:txBody>
+          <a:bodyPr/>
+          <a:lstStyle/>
+          <a:p>
+            <a:r>
+              <a:rPr lang="pt-BR" dirty="0"/>
+              <a:t>Ciclo de vida dos aplicativos</a:t>
+            </a:r>
+          </a:p>
+        </p:txBody>
+      </p:sp>
+      <p:sp>
+        <p:nvSpPr>
+          <p:cNvPr id="7" name="Retângulo 6"/>
+          <p:cNvSpPr/>
+          <p:nvPr/>
+        </p:nvSpPr>
+        <p:spPr>
+          <a:xfrm>
+            <a:off x="390243" y="1905000"/>
+            <a:ext cx="4572000" cy="735586"/>
+          </a:xfrm>
+          <a:prstGeom prst="rect">
+            <a:avLst/>
+          </a:prstGeom>
+        </p:spPr>
+        <p:txBody>
+          <a:bodyPr>
+            <a:spAutoFit/>
+          </a:bodyPr>
+          <a:lstStyle/>
+          <a:p>
+            <a:pPr lvl="1" indent="-342900">
+              <a:lnSpc>
+                <a:spcPct val="95000"/>
+              </a:lnSpc>
+              <a:spcBef>
+                <a:spcPct val="0"/>
+              </a:spcBef>
+              <a:buClr>
+                <a:srgbClr val="000000"/>
+              </a:buClr>
+              <a:buFontTx/>
+              <a:buChar char="•"/>
+            </a:pPr>
+            <a:r>
+              <a:rPr lang="en-US" altLang="pt-BR" sz="2200" dirty="0" err="1">
+                <a:solidFill>
+                  <a:schemeClr val="tx2"/>
+                </a:solidFill>
+              </a:rPr>
+              <a:t>Desenvolvidos</a:t>
+            </a:r>
+            <a:r>
+              <a:rPr lang="en-US" altLang="pt-BR" sz="2200" dirty="0">
+                <a:solidFill>
+                  <a:schemeClr val="tx2"/>
+                </a:solidFill>
+              </a:rPr>
+              <a:t> para </a:t>
+            </a:r>
+            <a:r>
+              <a:rPr lang="en-US" altLang="pt-BR" sz="2200" dirty="0" err="1">
+                <a:solidFill>
+                  <a:schemeClr val="tx2"/>
+                </a:solidFill>
+              </a:rPr>
+              <a:t>economizar</a:t>
+            </a:r>
+            <a:r>
+              <a:rPr lang="en-US" altLang="pt-BR" sz="2200" dirty="0">
+                <a:solidFill>
+                  <a:schemeClr val="tx2"/>
+                </a:solidFill>
+              </a:rPr>
+              <a:t> </a:t>
+            </a:r>
+            <a:r>
+              <a:rPr lang="en-US" altLang="pt-BR" sz="2200" dirty="0" err="1">
+                <a:solidFill>
+                  <a:schemeClr val="tx2"/>
+                </a:solidFill>
+              </a:rPr>
+              <a:t>bateria</a:t>
+            </a:r>
+            <a:endParaRPr lang="en-US" altLang="pt-BR" sz="2200" dirty="0">
+              <a:solidFill>
+                <a:schemeClr val="tx2"/>
+              </a:solidFill>
+            </a:endParaRPr>
+          </a:p>
+        </p:txBody>
+      </p:sp>
+      <p:pic>
+        <p:nvPicPr>
+          <p:cNvPr id="5" name="Espaço Reservado para Conteúdo 4"/>
+          <p:cNvPicPr>
+            <a:picLocks noGrp="1" noChangeAspect="1"/>
+          </p:cNvPicPr>
+          <p:nvPr>
+            <p:ph idx="1"/>
+          </p:nvPr>
+        </p:nvPicPr>
+        <p:blipFill>
+          <a:blip r:embed="rId2" cstate="print">
+            <a:extLst>
+              <a:ext uri="{28A0092B-C50C-407E-A947-70E740481C1C}">
+                <a14:useLocalDpi xmlns:a14="http://schemas.microsoft.com/office/drawing/2010/main" val="0"/>
+              </a:ext>
+            </a:extLst>
+          </a:blip>
+          <a:stretch>
+            <a:fillRect/>
+          </a:stretch>
+        </p:blipFill>
+        <p:spPr>
+          <a:xfrm>
+            <a:off x="6553200" y="1905000"/>
+            <a:ext cx="2142232" cy="3808413"/>
+          </a:xfrm>
+        </p:spPr>
+      </p:pic>
+    </p:spTree>
+    <p:extLst>
+      <p:ext uri="{BB962C8B-B14F-4D97-AF65-F5344CB8AC3E}">
+        <p14:creationId xmlns:p14="http://schemas.microsoft.com/office/powerpoint/2010/main" val="639757292"/>
+      </p:ext>
+    </p:extLst>
+  </p:cSld>
+  <p:clrMapOvr>
+    <a:masterClrMapping/>
+  </p:clrMapOvr>
+</p:sld>
+</file>
+
+<file path=ppt/slides/slide12.xml><?xml version="1.0" encoding="utf-8"?>
+<p:sld xmlns:a="http://schemas.openxmlformats.org/drawingml/2006/main" xmlns:r="http://schemas.openxmlformats.org/officeDocument/2006/relationships" xmlns:p="http://schemas.openxmlformats.org/presentationml/2006/main">
+  <p:cSld>
+    <p:spTree>
+      <p:nvGrpSpPr>
+        <p:cNvPr id="1" name=""/>
+        <p:cNvGrpSpPr/>
+        <p:nvPr/>
+      </p:nvGrpSpPr>
+      <p:grpSpPr>
+        <a:xfrm>
+          <a:off x="0" y="0"/>
+          <a:ext cx="0" cy="0"/>
+          <a:chOff x="0" y="0"/>
+          <a:chExt cx="0" cy="0"/>
+        </a:xfrm>
+      </p:grpSpPr>
+      <p:sp>
+        <p:nvSpPr>
+          <p:cNvPr id="2" name="Título 1"/>
+          <p:cNvSpPr>
+            <a:spLocks noGrp="1"/>
+          </p:cNvSpPr>
+          <p:nvPr>
+            <p:ph type="title"/>
+          </p:nvPr>
+        </p:nvSpPr>
+        <p:spPr/>
+        <p:txBody>
+          <a:bodyPr/>
+          <a:lstStyle/>
+          <a:p>
+            <a:r>
+              <a:rPr lang="pt-BR" dirty="0"/>
+              <a:t>Ciclo de vida dos aplicativos</a:t>
+            </a:r>
+          </a:p>
+        </p:txBody>
+      </p:sp>
+      <p:sp>
+        <p:nvSpPr>
+          <p:cNvPr id="3" name="Espaço Reservado para Conteúdo 2"/>
+          <p:cNvSpPr>
+            <a:spLocks noGrp="1"/>
+          </p:cNvSpPr>
+          <p:nvPr>
+            <p:ph idx="1"/>
+          </p:nvPr>
+        </p:nvSpPr>
+        <p:spPr/>
+        <p:txBody>
+          <a:bodyPr/>
+          <a:lstStyle/>
+          <a:p>
+            <a:pPr marL="287338" lvl="1">
+              <a:buFont typeface="Wingdings" pitchFamily="2" charset="2"/>
+              <a:buChar char="§"/>
+            </a:pPr>
+            <a:r>
+              <a:rPr lang="en-US" altLang="pt-BR" sz="2200" dirty="0" err="1"/>
+              <a:t>Desenvolvidos</a:t>
+            </a:r>
+            <a:r>
+              <a:rPr lang="en-US" altLang="pt-BR" sz="2200" dirty="0"/>
+              <a:t> para </a:t>
+            </a:r>
+            <a:r>
+              <a:rPr lang="en-US" altLang="pt-BR" sz="2200" dirty="0" err="1"/>
+              <a:t>economizar</a:t>
+            </a:r>
+            <a:r>
+              <a:rPr lang="en-US" altLang="pt-BR" sz="2200" dirty="0"/>
+              <a:t> </a:t>
+            </a:r>
+            <a:r>
+              <a:rPr lang="en-US" altLang="pt-BR" sz="2200" dirty="0" err="1"/>
+              <a:t>bateria</a:t>
+            </a:r>
+            <a:endParaRPr lang="en-US" altLang="pt-BR" sz="2200" dirty="0"/>
+          </a:p>
+          <a:p>
+            <a:pPr marL="287338" lvl="1">
+              <a:buFont typeface="Wingdings" pitchFamily="2" charset="2"/>
+              <a:buChar char="§"/>
+            </a:pPr>
+            <a:r>
+              <a:rPr lang="en-US" altLang="pt-BR" sz="2200" dirty="0"/>
+              <a:t>Activities </a:t>
+            </a:r>
+            <a:r>
+              <a:rPr lang="en-US" altLang="pt-BR" sz="2200" dirty="0" err="1"/>
+              <a:t>são</a:t>
+            </a:r>
+            <a:r>
+              <a:rPr lang="en-US" altLang="pt-BR" sz="2200" dirty="0"/>
+              <a:t> </a:t>
+            </a:r>
+            <a:r>
+              <a:rPr lang="en-US" altLang="pt-BR" sz="2200" dirty="0" err="1"/>
+              <a:t>chamadas</a:t>
+            </a:r>
+            <a:r>
+              <a:rPr lang="en-US" altLang="pt-BR" sz="2200" dirty="0"/>
+              <a:t>,</a:t>
+            </a:r>
+          </a:p>
+          <a:p>
+            <a:pPr marL="0" lvl="1" indent="0">
+              <a:buNone/>
+            </a:pPr>
+            <a:r>
+              <a:rPr lang="en-US" altLang="pt-BR" sz="2200" dirty="0" err="1"/>
+              <a:t>Tomando</a:t>
+            </a:r>
+            <a:r>
+              <a:rPr lang="en-US" altLang="pt-BR" sz="2200" dirty="0"/>
+              <a:t> </a:t>
+            </a:r>
+            <a:r>
+              <a:rPr lang="en-US" altLang="pt-BR" sz="2200" dirty="0" err="1"/>
+              <a:t>prioridades</a:t>
+            </a:r>
+            <a:r>
+              <a:rPr lang="en-US" altLang="pt-BR" sz="2200" dirty="0"/>
+              <a:t> </a:t>
+            </a:r>
+            <a:r>
+              <a:rPr lang="en-US" altLang="pt-BR" sz="2200" dirty="0" err="1"/>
+              <a:t>na</a:t>
+            </a:r>
+            <a:r>
+              <a:rPr lang="en-US" altLang="pt-BR" sz="2200" dirty="0"/>
+              <a:t> “</a:t>
+            </a:r>
+            <a:r>
+              <a:rPr lang="en-US" altLang="pt-BR" sz="2200" dirty="0" err="1"/>
+              <a:t>pilha</a:t>
+            </a:r>
+            <a:r>
+              <a:rPr lang="en-US" altLang="pt-BR" sz="2200" dirty="0"/>
+              <a:t>”</a:t>
+            </a:r>
+          </a:p>
+          <a:p>
+            <a:pPr marL="0" lvl="1" indent="0">
+              <a:buNone/>
+            </a:pPr>
+            <a:endParaRPr lang="en-US" altLang="pt-BR" sz="2200" dirty="0"/>
+          </a:p>
+          <a:p>
+            <a:endParaRPr lang="pt-BR" dirty="0"/>
+          </a:p>
+        </p:txBody>
+      </p:sp>
+      <p:pic>
+        <p:nvPicPr>
+          <p:cNvPr id="6" name="Espaço Reservado para Conteúdo 4"/>
+          <p:cNvPicPr>
+            <a:picLocks noChangeAspect="1"/>
+          </p:cNvPicPr>
+          <p:nvPr/>
+        </p:nvPicPr>
+        <p:blipFill>
+          <a:blip r:embed="rId2" cstate="print">
+            <a:extLst>
+              <a:ext uri="{28A0092B-C50C-407E-A947-70E740481C1C}">
+                <a14:useLocalDpi xmlns:a14="http://schemas.microsoft.com/office/drawing/2010/main" val="0"/>
+              </a:ext>
+            </a:extLst>
+          </a:blip>
+          <a:stretch>
+            <a:fillRect/>
+          </a:stretch>
+        </p:blipFill>
+        <p:spPr>
+          <a:xfrm>
+            <a:off x="6553200" y="1905000"/>
+            <a:ext cx="2142232" cy="3808413"/>
+          </a:xfrm>
+          <a:prstGeom prst="rect">
+            <a:avLst/>
+          </a:prstGeom>
+        </p:spPr>
+      </p:pic>
+      <p:pic>
+        <p:nvPicPr>
+          <p:cNvPr id="7" name="Imagem 6"/>
+          <p:cNvPicPr>
+            <a:picLocks noChangeAspect="1"/>
+          </p:cNvPicPr>
+          <p:nvPr/>
+        </p:nvPicPr>
+        <p:blipFill>
+          <a:blip r:embed="rId3" cstate="print">
+            <a:extLst>
+              <a:ext uri="{28A0092B-C50C-407E-A947-70E740481C1C}">
+                <a14:useLocalDpi xmlns:a14="http://schemas.microsoft.com/office/drawing/2010/main" val="0"/>
+              </a:ext>
+            </a:extLst>
+          </a:blip>
+          <a:stretch>
+            <a:fillRect/>
+          </a:stretch>
+        </p:blipFill>
+        <p:spPr>
+          <a:xfrm>
+            <a:off x="5629392" y="2133600"/>
+            <a:ext cx="2157412" cy="3835399"/>
+          </a:xfrm>
+          <a:prstGeom prst="rect">
+            <a:avLst/>
+          </a:prstGeom>
+        </p:spPr>
+      </p:pic>
+    </p:spTree>
+    <p:extLst>
+      <p:ext uri="{BB962C8B-B14F-4D97-AF65-F5344CB8AC3E}">
+        <p14:creationId xmlns:p14="http://schemas.microsoft.com/office/powerpoint/2010/main" val="4125993617"/>
+      </p:ext>
+    </p:extLst>
+  </p:cSld>
+  <p:clrMapOvr>
+    <a:masterClrMapping/>
+  </p:clrMapOvr>
+</p:sld>
+</file>
+
+<file path=ppt/slides/slide13.xml><?xml version="1.0" encoding="utf-8"?>
+<p:sld xmlns:a="http://schemas.openxmlformats.org/drawingml/2006/main" xmlns:r="http://schemas.openxmlformats.org/officeDocument/2006/relationships" xmlns:p="http://schemas.openxmlformats.org/presentationml/2006/main">
+  <p:cSld>
+    <p:spTree>
+      <p:nvGrpSpPr>
+        <p:cNvPr id="1" name=""/>
+        <p:cNvGrpSpPr/>
+        <p:nvPr/>
+      </p:nvGrpSpPr>
+      <p:grpSpPr>
+        <a:xfrm>
+          <a:off x="0" y="0"/>
+          <a:ext cx="0" cy="0"/>
+          <a:chOff x="0" y="0"/>
+          <a:chExt cx="0" cy="0"/>
+        </a:xfrm>
+      </p:grpSpPr>
+      <p:sp>
+        <p:nvSpPr>
+          <p:cNvPr id="2" name="Título 1"/>
+          <p:cNvSpPr>
+            <a:spLocks noGrp="1"/>
+          </p:cNvSpPr>
+          <p:nvPr>
+            <p:ph type="title"/>
+          </p:nvPr>
+        </p:nvSpPr>
+        <p:spPr/>
+        <p:txBody>
+          <a:bodyPr/>
+          <a:lstStyle/>
+          <a:p>
+            <a:r>
+              <a:rPr lang="pt-BR" dirty="0"/>
+              <a:t>Ciclo de vida dos aplicativos</a:t>
+            </a:r>
+          </a:p>
+        </p:txBody>
+      </p:sp>
+      <p:sp>
+        <p:nvSpPr>
+          <p:cNvPr id="3" name="Espaço Reservado para Conteúdo 2"/>
+          <p:cNvSpPr>
+            <a:spLocks noGrp="1"/>
+          </p:cNvSpPr>
+          <p:nvPr>
+            <p:ph idx="1"/>
+          </p:nvPr>
+        </p:nvSpPr>
+        <p:spPr/>
+        <p:txBody>
+          <a:bodyPr/>
+          <a:lstStyle/>
+          <a:p>
+            <a:pPr marL="287338" lvl="1">
+              <a:buFont typeface="Wingdings" pitchFamily="2" charset="2"/>
+              <a:buChar char="§"/>
+            </a:pPr>
+            <a:r>
+              <a:rPr lang="en-US" altLang="pt-BR" sz="2200" dirty="0" err="1"/>
+              <a:t>Desenvolvidos</a:t>
+            </a:r>
+            <a:r>
+              <a:rPr lang="en-US" altLang="pt-BR" sz="2200" dirty="0"/>
+              <a:t> para </a:t>
+            </a:r>
+            <a:r>
+              <a:rPr lang="en-US" altLang="pt-BR" sz="2200" dirty="0" err="1"/>
+              <a:t>economizar</a:t>
+            </a:r>
+            <a:r>
+              <a:rPr lang="en-US" altLang="pt-BR" sz="2200" dirty="0"/>
+              <a:t> </a:t>
+            </a:r>
+            <a:r>
+              <a:rPr lang="en-US" altLang="pt-BR" sz="2200" dirty="0" err="1"/>
+              <a:t>bateria</a:t>
+            </a:r>
+            <a:endParaRPr lang="en-US" altLang="pt-BR" sz="2200" dirty="0"/>
+          </a:p>
+          <a:p>
+            <a:pPr marL="287338" lvl="1">
+              <a:buFont typeface="Wingdings" pitchFamily="2" charset="2"/>
+              <a:buChar char="§"/>
+            </a:pPr>
+            <a:r>
+              <a:rPr lang="en-US" altLang="pt-BR" sz="2200" dirty="0"/>
+              <a:t>Activities </a:t>
+            </a:r>
+            <a:r>
+              <a:rPr lang="en-US" altLang="pt-BR" sz="2200" dirty="0" err="1"/>
+              <a:t>são</a:t>
+            </a:r>
+            <a:r>
+              <a:rPr lang="en-US" altLang="pt-BR" sz="2200" dirty="0"/>
+              <a:t> </a:t>
+            </a:r>
+            <a:r>
+              <a:rPr lang="en-US" altLang="pt-BR" sz="2200" dirty="0" err="1"/>
+              <a:t>chamadas</a:t>
+            </a:r>
+            <a:r>
+              <a:rPr lang="en-US" altLang="pt-BR" sz="2200" dirty="0"/>
+              <a:t>,</a:t>
+            </a:r>
+          </a:p>
+          <a:p>
+            <a:pPr marL="0" lvl="1" indent="0">
+              <a:buNone/>
+            </a:pPr>
+            <a:r>
+              <a:rPr lang="en-US" altLang="pt-BR" sz="2200" dirty="0" err="1"/>
+              <a:t>Tomando</a:t>
+            </a:r>
+            <a:r>
+              <a:rPr lang="en-US" altLang="pt-BR" sz="2200" dirty="0"/>
+              <a:t> </a:t>
+            </a:r>
+            <a:r>
+              <a:rPr lang="en-US" altLang="pt-BR" sz="2200" dirty="0" err="1"/>
+              <a:t>prioridades</a:t>
+            </a:r>
+            <a:r>
+              <a:rPr lang="en-US" altLang="pt-BR" sz="2200" dirty="0"/>
+              <a:t> </a:t>
+            </a:r>
+            <a:r>
+              <a:rPr lang="en-US" altLang="pt-BR" sz="2200" dirty="0" err="1"/>
+              <a:t>na</a:t>
+            </a:r>
+            <a:r>
+              <a:rPr lang="en-US" altLang="pt-BR" sz="2200" dirty="0"/>
+              <a:t> “</a:t>
+            </a:r>
+            <a:r>
+              <a:rPr lang="en-US" altLang="pt-BR" sz="2200" dirty="0" err="1"/>
+              <a:t>pilha</a:t>
+            </a:r>
+            <a:r>
+              <a:rPr lang="en-US" altLang="pt-BR" sz="2200" dirty="0"/>
+              <a:t>”</a:t>
+            </a:r>
+          </a:p>
+          <a:p>
+            <a:pPr marL="0" lvl="1" indent="0">
+              <a:buNone/>
+            </a:pPr>
+            <a:endParaRPr lang="pt-BR" sz="2200" dirty="0"/>
+          </a:p>
+          <a:p>
+            <a:r>
+              <a:rPr lang="pt-BR" sz="2200" dirty="0" err="1"/>
+              <a:t>Activities</a:t>
+            </a:r>
+            <a:r>
+              <a:rPr lang="pt-BR" sz="2200" dirty="0"/>
+              <a:t> em background podem</a:t>
+            </a:r>
+          </a:p>
+          <a:p>
+            <a:pPr marL="0" indent="0">
+              <a:buNone/>
+            </a:pPr>
+            <a:r>
+              <a:rPr lang="pt-BR" sz="2200" dirty="0"/>
+              <a:t>ser encerradas a qualquer momento</a:t>
+            </a:r>
+          </a:p>
+          <a:p>
+            <a:r>
+              <a:rPr lang="pt-BR" sz="2200" dirty="0"/>
+              <a:t>Aqui começam os problemas </a:t>
+            </a:r>
+          </a:p>
+          <a:p>
+            <a:pPr marL="0" indent="0">
+              <a:buNone/>
+            </a:pPr>
+            <a:r>
+              <a:rPr lang="pt-BR" sz="2200" dirty="0"/>
+              <a:t>de </a:t>
+            </a:r>
+            <a:r>
+              <a:rPr lang="pt-BR" sz="2200" dirty="0" err="1"/>
+              <a:t>DoS</a:t>
+            </a:r>
+            <a:endParaRPr lang="pt-BR" sz="2200" dirty="0"/>
+          </a:p>
+          <a:p>
+            <a:r>
+              <a:rPr lang="pt-BR" sz="2200" dirty="0" err="1"/>
+              <a:t>DoS</a:t>
+            </a:r>
+            <a:r>
+              <a:rPr lang="pt-BR" sz="2200" dirty="0"/>
+              <a:t> = </a:t>
+            </a:r>
+            <a:r>
+              <a:rPr lang="pt-BR" sz="2200" dirty="0" err="1"/>
+              <a:t>Denial</a:t>
+            </a:r>
+            <a:r>
+              <a:rPr lang="pt-BR" sz="2200" dirty="0"/>
+              <a:t> </a:t>
+            </a:r>
+            <a:r>
+              <a:rPr lang="pt-BR" sz="2200" dirty="0" err="1"/>
+              <a:t>Of</a:t>
+            </a:r>
+            <a:r>
+              <a:rPr lang="pt-BR" sz="2200" dirty="0"/>
+              <a:t> Service </a:t>
+            </a:r>
+          </a:p>
+          <a:p>
+            <a:pPr marL="0" indent="0">
+              <a:buNone/>
+            </a:pPr>
+            <a:endParaRPr lang="pt-BR" dirty="0"/>
+          </a:p>
+        </p:txBody>
+      </p:sp>
+      <p:pic>
+        <p:nvPicPr>
+          <p:cNvPr id="8" name="Espaço Reservado para Conteúdo 4"/>
+          <p:cNvPicPr>
+            <a:picLocks noChangeAspect="1"/>
+          </p:cNvPicPr>
+          <p:nvPr/>
+        </p:nvPicPr>
+        <p:blipFill>
+          <a:blip r:embed="rId2" cstate="print">
+            <a:extLst>
+              <a:ext uri="{28A0092B-C50C-407E-A947-70E740481C1C}">
+                <a14:useLocalDpi xmlns:a14="http://schemas.microsoft.com/office/drawing/2010/main" val="0"/>
+              </a:ext>
+            </a:extLst>
+          </a:blip>
+          <a:stretch>
+            <a:fillRect/>
+          </a:stretch>
+        </p:blipFill>
+        <p:spPr>
+          <a:xfrm>
+            <a:off x="6708098" y="1857871"/>
+            <a:ext cx="2142232" cy="3808413"/>
+          </a:xfrm>
+          <a:prstGeom prst="rect">
+            <a:avLst/>
+          </a:prstGeom>
+        </p:spPr>
+      </p:pic>
+      <p:pic>
+        <p:nvPicPr>
+          <p:cNvPr id="9" name="Imagem 8"/>
+          <p:cNvPicPr>
+            <a:picLocks noChangeAspect="1"/>
+          </p:cNvPicPr>
+          <p:nvPr/>
+        </p:nvPicPr>
+        <p:blipFill>
+          <a:blip r:embed="rId3" cstate="print">
+            <a:extLst>
+              <a:ext uri="{28A0092B-C50C-407E-A947-70E740481C1C}">
+                <a14:useLocalDpi xmlns:a14="http://schemas.microsoft.com/office/drawing/2010/main" val="0"/>
+              </a:ext>
+            </a:extLst>
+          </a:blip>
+          <a:stretch>
+            <a:fillRect/>
+          </a:stretch>
+        </p:blipFill>
+        <p:spPr>
+          <a:xfrm>
+            <a:off x="5784290" y="2086471"/>
+            <a:ext cx="2157412" cy="3835399"/>
+          </a:xfrm>
+          <a:prstGeom prst="rect">
+            <a:avLst/>
+          </a:prstGeom>
+        </p:spPr>
+      </p:pic>
+      <p:pic>
+        <p:nvPicPr>
+          <p:cNvPr id="10" name="Imagem 9"/>
+          <p:cNvPicPr>
+            <a:picLocks noChangeAspect="1"/>
+          </p:cNvPicPr>
+          <p:nvPr/>
+        </p:nvPicPr>
+        <p:blipFill>
+          <a:blip r:embed="rId4" cstate="print">
+            <a:extLst>
+              <a:ext uri="{28A0092B-C50C-407E-A947-70E740481C1C}">
+                <a14:useLocalDpi xmlns:a14="http://schemas.microsoft.com/office/drawing/2010/main" val="0"/>
+              </a:ext>
+            </a:extLst>
+          </a:blip>
+          <a:stretch>
+            <a:fillRect/>
+          </a:stretch>
+        </p:blipFill>
+        <p:spPr>
+          <a:xfrm>
+            <a:off x="5334000" y="2325498"/>
+            <a:ext cx="2157412" cy="3835399"/>
+          </a:xfrm>
+          <a:prstGeom prst="rect">
+            <a:avLst/>
+          </a:prstGeom>
+        </p:spPr>
+      </p:pic>
+    </p:spTree>
+    <p:extLst>
+      <p:ext uri="{BB962C8B-B14F-4D97-AF65-F5344CB8AC3E}">
+        <p14:creationId xmlns:p14="http://schemas.microsoft.com/office/powerpoint/2010/main" val="3178971909"/>
+      </p:ext>
+    </p:extLst>
+  </p:cSld>
+  <p:clrMapOvr>
+    <a:masterClrMapping/>
+  </p:clrMapOvr>
+</p:sld>
+</file>
+
+<file path=ppt/slides/slide14.xml><?xml version="1.0" encoding="utf-8"?>
+<p:sld xmlns:a="http://schemas.openxmlformats.org/drawingml/2006/main" xmlns:r="http://schemas.openxmlformats.org/officeDocument/2006/relationships" xmlns:p="http://schemas.openxmlformats.org/presentationml/2006/main">
+  <p:cSld>
+    <p:spTree>
+      <p:nvGrpSpPr>
+        <p:cNvPr id="1" name=""/>
+        <p:cNvGrpSpPr/>
+        <p:nvPr/>
+      </p:nvGrpSpPr>
+      <p:grpSpPr>
+        <a:xfrm>
+          <a:off x="0" y="0"/>
+          <a:ext cx="0" cy="0"/>
+          <a:chOff x="0" y="0"/>
+          <a:chExt cx="0" cy="0"/>
+        </a:xfrm>
+      </p:grpSpPr>
+      <p:sp>
+        <p:nvSpPr>
+          <p:cNvPr id="2" name="Title 1"/>
+          <p:cNvSpPr>
+            <a:spLocks noGrp="1"/>
+          </p:cNvSpPr>
+          <p:nvPr>
+            <p:ph type="title"/>
+          </p:nvPr>
+        </p:nvSpPr>
+        <p:spPr/>
+        <p:txBody>
+          <a:bodyPr/>
+          <a:lstStyle/>
+          <a:p>
+            <a:r>
+              <a:rPr lang="en-US" dirty="0" err="1"/>
+              <a:t>Camada</a:t>
+            </a:r>
+            <a:r>
+              <a:rPr lang="en-US" dirty="0"/>
+              <a:t> de </a:t>
+            </a:r>
+            <a:r>
+              <a:rPr lang="en-US" dirty="0" err="1"/>
+              <a:t>aplicação</a:t>
+            </a:r>
+            <a:r>
+              <a:rPr lang="en-US" dirty="0"/>
+              <a:t> - </a:t>
+            </a:r>
+            <a:r>
+              <a:rPr lang="en-US" dirty="0" err="1"/>
+              <a:t>Niveis</a:t>
+            </a:r>
+            <a:r>
+              <a:rPr lang="en-US" dirty="0"/>
+              <a:t> de </a:t>
+            </a:r>
+            <a:r>
+              <a:rPr lang="en-US" dirty="0" err="1"/>
+              <a:t>proteção</a:t>
+            </a:r>
+            <a:endParaRPr lang="en-US" dirty="0"/>
+          </a:p>
+        </p:txBody>
+      </p:sp>
+      <p:sp>
+        <p:nvSpPr>
+          <p:cNvPr id="3" name="Content Placeholder 2"/>
+          <p:cNvSpPr>
+            <a:spLocks noGrp="1"/>
+          </p:cNvSpPr>
+          <p:nvPr>
+            <p:ph idx="1"/>
+          </p:nvPr>
+        </p:nvSpPr>
+        <p:spPr>
+          <a:xfrm>
+            <a:off x="359763" y="685800"/>
+            <a:ext cx="8327037" cy="5715000"/>
+          </a:xfrm>
+        </p:spPr>
+        <p:txBody>
+          <a:bodyPr>
+            <a:noAutofit/>
+          </a:bodyPr>
+          <a:lstStyle/>
+          <a:p>
+            <a:pPr marL="0" indent="0">
+              <a:lnSpc>
+                <a:spcPct val="170000"/>
+              </a:lnSpc>
+              <a:buNone/>
+            </a:pPr>
+            <a:endParaRPr lang="en-US" sz="2400" dirty="0"/>
+          </a:p>
+          <a:p>
+            <a:pPr>
+              <a:lnSpc>
+                <a:spcPct val="170000"/>
+              </a:lnSpc>
+            </a:pPr>
+            <a:r>
+              <a:rPr lang="en-US" sz="2400" dirty="0"/>
+              <a:t>As </a:t>
+            </a:r>
+            <a:r>
+              <a:rPr lang="en-US" sz="2400" dirty="0" err="1"/>
+              <a:t>permissões</a:t>
+            </a:r>
+            <a:r>
+              <a:rPr lang="en-US" sz="2400" dirty="0"/>
+              <a:t> </a:t>
+            </a:r>
+            <a:r>
+              <a:rPr lang="en-US" sz="2400" dirty="0" err="1"/>
+              <a:t>são</a:t>
+            </a:r>
+            <a:r>
+              <a:rPr lang="en-US" sz="2400" dirty="0"/>
+              <a:t> </a:t>
+            </a:r>
+            <a:r>
+              <a:rPr lang="en-US" sz="2400" dirty="0" err="1"/>
+              <a:t>definidas</a:t>
+            </a:r>
+            <a:r>
+              <a:rPr lang="en-US" sz="2400" dirty="0"/>
+              <a:t> </a:t>
+            </a:r>
+            <a:r>
+              <a:rPr lang="en-US" sz="2400" dirty="0" err="1"/>
+              <a:t>em</a:t>
+            </a:r>
+            <a:r>
+              <a:rPr lang="en-US" sz="2400" dirty="0"/>
+              <a:t> AndroidManifest.xml</a:t>
+            </a:r>
+          </a:p>
+          <a:p>
+            <a:pPr>
+              <a:lnSpc>
+                <a:spcPct val="170000"/>
+              </a:lnSpc>
+            </a:pPr>
+            <a:r>
+              <a:rPr lang="en-US" sz="2400" dirty="0" err="1"/>
+              <a:t>PackageManager</a:t>
+            </a:r>
+            <a:r>
+              <a:rPr lang="en-US" sz="2400" dirty="0"/>
+              <a:t> e </a:t>
+            </a:r>
+            <a:r>
+              <a:rPr lang="en-US" sz="2400" dirty="0" err="1"/>
+              <a:t>ActivityManager</a:t>
+            </a:r>
+            <a:r>
+              <a:rPr lang="en-US" sz="2400" dirty="0"/>
+              <a:t> </a:t>
+            </a:r>
+            <a:r>
+              <a:rPr lang="en-US" sz="2400" dirty="0" err="1"/>
+              <a:t>aplicam</a:t>
+            </a:r>
+            <a:r>
+              <a:rPr lang="en-US" sz="2400" dirty="0"/>
+              <a:t> as </a:t>
+            </a:r>
+            <a:r>
+              <a:rPr lang="en-US" sz="2400" dirty="0" err="1"/>
+              <a:t>permissões</a:t>
+            </a:r>
+            <a:endParaRPr lang="en-US" sz="2400" dirty="0"/>
+          </a:p>
+          <a:p>
+            <a:pPr>
+              <a:lnSpc>
+                <a:spcPct val="170000"/>
+              </a:lnSpc>
+            </a:pPr>
+            <a:r>
+              <a:rPr lang="en-US" sz="2400" dirty="0"/>
+              <a:t>O </a:t>
+            </a:r>
+            <a:r>
+              <a:rPr lang="en-US" sz="2400" dirty="0" err="1"/>
+              <a:t>usuário</a:t>
+            </a:r>
+            <a:r>
+              <a:rPr lang="en-US" sz="2400" dirty="0"/>
+              <a:t> </a:t>
+            </a:r>
+            <a:r>
+              <a:rPr lang="en-US" sz="2400" dirty="0" err="1"/>
+              <a:t>aceita</a:t>
+            </a:r>
+            <a:r>
+              <a:rPr lang="en-US" sz="2400" dirty="0"/>
+              <a:t> </a:t>
+            </a:r>
+            <a:r>
+              <a:rPr lang="en-US" sz="2400" dirty="0" err="1"/>
+              <a:t>estas</a:t>
+            </a:r>
+            <a:r>
+              <a:rPr lang="en-US" sz="2400" dirty="0"/>
+              <a:t> </a:t>
+            </a:r>
+            <a:r>
+              <a:rPr lang="en-US" sz="2400" dirty="0" err="1"/>
+              <a:t>permissões</a:t>
+            </a:r>
+            <a:r>
+              <a:rPr lang="en-US" sz="2400" dirty="0"/>
+              <a:t> no </a:t>
+            </a:r>
+            <a:r>
+              <a:rPr lang="en-US" sz="2400" dirty="0" err="1"/>
+              <a:t>ato</a:t>
+            </a:r>
+            <a:r>
+              <a:rPr lang="en-US" sz="2400" dirty="0"/>
+              <a:t> da </a:t>
+            </a:r>
+            <a:r>
+              <a:rPr lang="en-US" sz="2400" dirty="0" err="1"/>
+              <a:t>instalação</a:t>
+            </a:r>
+            <a:endParaRPr lang="en-US" sz="2400" dirty="0"/>
+          </a:p>
+          <a:p>
+            <a:pPr marL="0" indent="0">
+              <a:lnSpc>
+                <a:spcPct val="170000"/>
+              </a:lnSpc>
+              <a:buNone/>
+            </a:pPr>
+            <a:r>
+              <a:rPr lang="en-US" sz="2400" dirty="0"/>
+              <a:t> e </a:t>
+            </a:r>
+            <a:r>
+              <a:rPr lang="en-US" sz="2400" dirty="0" err="1"/>
+              <a:t>normalmente</a:t>
+            </a:r>
+            <a:r>
+              <a:rPr lang="en-US" sz="2400" dirty="0"/>
+              <a:t> </a:t>
+            </a:r>
+            <a:r>
+              <a:rPr lang="en-US" sz="2400" dirty="0" err="1"/>
+              <a:t>ninguém</a:t>
+            </a:r>
+            <a:r>
+              <a:rPr lang="en-US" sz="2400" dirty="0"/>
+              <a:t> </a:t>
+            </a:r>
+            <a:r>
+              <a:rPr lang="en-US" sz="2400" dirty="0" err="1"/>
+              <a:t>lê</a:t>
+            </a:r>
+            <a:r>
+              <a:rPr lang="en-US" sz="2400" dirty="0"/>
+              <a:t>! </a:t>
+            </a:r>
+            <a:r>
+              <a:rPr lang="en-US" sz="2400" dirty="0">
+                <a:sym typeface="Wingdings" panose="05000000000000000000" pitchFamily="2" charset="2"/>
+              </a:rPr>
+              <a:t>   </a:t>
+            </a:r>
+          </a:p>
+          <a:p>
+            <a:pPr>
+              <a:lnSpc>
+                <a:spcPct val="170000"/>
+              </a:lnSpc>
+            </a:pPr>
+            <a:r>
+              <a:rPr lang="en-US" sz="2400" dirty="0">
+                <a:sym typeface="Wingdings" panose="05000000000000000000" pitchFamily="2" charset="2"/>
+              </a:rPr>
+              <a:t>Agora no Android M e N </a:t>
+            </a:r>
+            <a:r>
+              <a:rPr lang="en-US" sz="2400" dirty="0" err="1">
+                <a:sym typeface="Wingdings" panose="05000000000000000000" pitchFamily="2" charset="2"/>
+              </a:rPr>
+              <a:t>aparece</a:t>
+            </a:r>
+            <a:r>
+              <a:rPr lang="en-US" sz="2400" dirty="0">
+                <a:sym typeface="Wingdings" panose="05000000000000000000" pitchFamily="2" charset="2"/>
+              </a:rPr>
+              <a:t> </a:t>
+            </a:r>
+            <a:r>
+              <a:rPr lang="en-US" sz="2400" dirty="0" err="1">
+                <a:sym typeface="Wingdings" panose="05000000000000000000" pitchFamily="2" charset="2"/>
+              </a:rPr>
+              <a:t>uma</a:t>
+            </a:r>
+            <a:r>
+              <a:rPr lang="en-US" sz="2400" dirty="0">
+                <a:sym typeface="Wingdings" panose="05000000000000000000" pitchFamily="2" charset="2"/>
+              </a:rPr>
+              <a:t> </a:t>
+            </a:r>
+            <a:r>
+              <a:rPr lang="en-US" sz="2400" dirty="0" err="1">
+                <a:sym typeface="Wingdings" panose="05000000000000000000" pitchFamily="2" charset="2"/>
+              </a:rPr>
+              <a:t>notificação</a:t>
+            </a:r>
+            <a:r>
+              <a:rPr lang="en-US" sz="2400" dirty="0">
+                <a:sym typeface="Wingdings" panose="05000000000000000000" pitchFamily="2" charset="2"/>
+              </a:rPr>
+              <a:t> para o </a:t>
+            </a:r>
+            <a:r>
+              <a:rPr lang="en-US" sz="2400" dirty="0" err="1">
+                <a:sym typeface="Wingdings" panose="05000000000000000000" pitchFamily="2" charset="2"/>
+              </a:rPr>
+              <a:t>usuário</a:t>
+            </a:r>
+            <a:r>
+              <a:rPr lang="en-US" sz="2400" dirty="0">
+                <a:sym typeface="Wingdings" panose="05000000000000000000" pitchFamily="2" charset="2"/>
+              </a:rPr>
+              <a:t>, </a:t>
+            </a:r>
+            <a:r>
+              <a:rPr lang="en-US" sz="2400" dirty="0" err="1">
+                <a:sym typeface="Wingdings" panose="05000000000000000000" pitchFamily="2" charset="2"/>
+              </a:rPr>
+              <a:t>solicitando</a:t>
+            </a:r>
+            <a:r>
+              <a:rPr lang="en-US" sz="2400" dirty="0">
+                <a:sym typeface="Wingdings" panose="05000000000000000000" pitchFamily="2" charset="2"/>
+              </a:rPr>
+              <a:t> que </a:t>
+            </a:r>
+            <a:r>
+              <a:rPr lang="en-US" sz="2400" dirty="0" err="1">
+                <a:sym typeface="Wingdings" panose="05000000000000000000" pitchFamily="2" charset="2"/>
+              </a:rPr>
+              <a:t>aceite</a:t>
+            </a:r>
+            <a:r>
+              <a:rPr lang="en-US" sz="2400" dirty="0">
+                <a:sym typeface="Wingdings" panose="05000000000000000000" pitchFamily="2" charset="2"/>
+              </a:rPr>
+              <a:t> </a:t>
+            </a:r>
+            <a:r>
+              <a:rPr lang="en-US" sz="2400" dirty="0" err="1">
+                <a:sym typeface="Wingdings" panose="05000000000000000000" pitchFamily="2" charset="2"/>
+              </a:rPr>
+              <a:t>ou</a:t>
+            </a:r>
+            <a:r>
+              <a:rPr lang="en-US" sz="2400" dirty="0">
+                <a:sym typeface="Wingdings" panose="05000000000000000000" pitchFamily="2" charset="2"/>
+              </a:rPr>
+              <a:t> </a:t>
+            </a:r>
+            <a:r>
+              <a:rPr lang="en-US" sz="2400" dirty="0" err="1">
+                <a:sym typeface="Wingdings" panose="05000000000000000000" pitchFamily="2" charset="2"/>
+              </a:rPr>
+              <a:t>não</a:t>
+            </a:r>
+            <a:endParaRPr lang="en-US" sz="2400" dirty="0">
+              <a:sym typeface="Wingdings" panose="05000000000000000000" pitchFamily="2" charset="2"/>
+            </a:endParaRPr>
+          </a:p>
+          <a:p>
+            <a:pPr marL="0" indent="0">
+              <a:lnSpc>
+                <a:spcPct val="170000"/>
+              </a:lnSpc>
+              <a:buNone/>
+            </a:pPr>
+            <a:endParaRPr lang="en-US" sz="2400" dirty="0">
+              <a:sym typeface="Wingdings" panose="05000000000000000000" pitchFamily="2" charset="2"/>
+            </a:endParaRPr>
+          </a:p>
+        </p:txBody>
+      </p:sp>
+    </p:spTree>
+  </p:cSld>
+  <p:clrMapOvr>
+    <a:masterClrMapping/>
+  </p:clrMapOvr>
+</p:sld>
+</file>
+
+<file path=ppt/slides/slide15.xml><?xml version="1.0" encoding="utf-8"?>
+<p:sld xmlns:a="http://schemas.openxmlformats.org/drawingml/2006/main" xmlns:r="http://schemas.openxmlformats.org/officeDocument/2006/relationships" xmlns:p="http://schemas.openxmlformats.org/presentationml/2006/main">
+  <p:cSld>
+    <p:spTree>
+      <p:nvGrpSpPr>
+        <p:cNvPr id="1" name=""/>
+        <p:cNvGrpSpPr/>
+        <p:nvPr/>
+      </p:nvGrpSpPr>
+      <p:grpSpPr>
+        <a:xfrm>
+          <a:off x="0" y="0"/>
+          <a:ext cx="0" cy="0"/>
+          <a:chOff x="0" y="0"/>
+          <a:chExt cx="0" cy="0"/>
+        </a:xfrm>
+      </p:grpSpPr>
+      <p:sp>
+        <p:nvSpPr>
+          <p:cNvPr id="2" name="Title 1"/>
+          <p:cNvSpPr>
+            <a:spLocks noGrp="1"/>
+          </p:cNvSpPr>
+          <p:nvPr>
+            <p:ph type="title"/>
+          </p:nvPr>
+        </p:nvSpPr>
+        <p:spPr/>
+        <p:txBody>
+          <a:bodyPr/>
+          <a:lstStyle/>
+          <a:p>
+            <a:r>
+              <a:rPr lang="en-US" dirty="0" err="1"/>
+              <a:t>Niveis</a:t>
+            </a:r>
+            <a:r>
+              <a:rPr lang="en-US" dirty="0"/>
+              <a:t> de </a:t>
+            </a:r>
+            <a:r>
+              <a:rPr lang="en-US" dirty="0" err="1"/>
+              <a:t>proteção</a:t>
+            </a:r>
+            <a:endParaRPr lang="en-US" dirty="0"/>
+          </a:p>
+        </p:txBody>
+      </p:sp>
+      <p:sp>
+        <p:nvSpPr>
+          <p:cNvPr id="3" name="Content Placeholder 2"/>
+          <p:cNvSpPr>
+            <a:spLocks noGrp="1"/>
+          </p:cNvSpPr>
+          <p:nvPr>
+            <p:ph idx="1"/>
+          </p:nvPr>
+        </p:nvSpPr>
+        <p:spPr>
+          <a:xfrm>
+            <a:off x="457200" y="1524000"/>
+            <a:ext cx="8229600" cy="4267200"/>
+          </a:xfrm>
+        </p:spPr>
+        <p:txBody>
+          <a:bodyPr>
+            <a:normAutofit fontScale="92500" lnSpcReduction="20000"/>
+          </a:bodyPr>
+          <a:lstStyle/>
+          <a:p>
+            <a:pPr>
+              <a:lnSpc>
+                <a:spcPct val="170000"/>
+              </a:lnSpc>
+            </a:pPr>
+            <a:r>
+              <a:rPr lang="en-US" sz="1400" b="1" dirty="0"/>
+              <a:t>NORMAL</a:t>
+            </a:r>
+          </a:p>
+          <a:p>
+            <a:pPr lvl="1">
+              <a:lnSpc>
+                <a:spcPct val="170000"/>
+              </a:lnSpc>
+              <a:buNone/>
+            </a:pPr>
+            <a:r>
+              <a:rPr lang="en-US" sz="1400" dirty="0"/>
+              <a:t>	</a:t>
+            </a:r>
+            <a:r>
+              <a:rPr lang="en-US" sz="1400" dirty="0" err="1">
+                <a:latin typeface="Courier New" pitchFamily="49" charset="0"/>
+                <a:cs typeface="Courier New" pitchFamily="49" charset="0"/>
+              </a:rPr>
+              <a:t>android.permission.VIBRATE</a:t>
+            </a:r>
+            <a:endParaRPr lang="en-US" sz="1400" dirty="0">
+              <a:latin typeface="Courier New" pitchFamily="49" charset="0"/>
+              <a:cs typeface="Courier New" pitchFamily="49" charset="0"/>
+            </a:endParaRPr>
+          </a:p>
+          <a:p>
+            <a:pPr lvl="1">
+              <a:lnSpc>
+                <a:spcPct val="170000"/>
+              </a:lnSpc>
+              <a:buNone/>
+            </a:pPr>
+            <a:r>
+              <a:rPr lang="en-US" sz="1400" dirty="0">
+                <a:latin typeface="Courier New" pitchFamily="49" charset="0"/>
+                <a:cs typeface="Courier New" pitchFamily="49" charset="0"/>
+              </a:rPr>
+              <a:t>	</a:t>
+            </a:r>
+            <a:r>
+              <a:rPr lang="en-US" sz="1400" dirty="0" err="1">
+                <a:latin typeface="Courier New" pitchFamily="49" charset="0"/>
+                <a:cs typeface="Courier New" pitchFamily="49" charset="0"/>
+              </a:rPr>
+              <a:t>com.android.alarm.permission.SET_ALARM</a:t>
+            </a:r>
+            <a:endParaRPr lang="en-US" sz="1400" dirty="0">
+              <a:latin typeface="Courier New" pitchFamily="49" charset="0"/>
+              <a:cs typeface="Courier New" pitchFamily="49" charset="0"/>
+            </a:endParaRPr>
+          </a:p>
+          <a:p>
+            <a:pPr>
+              <a:lnSpc>
+                <a:spcPct val="170000"/>
+              </a:lnSpc>
+            </a:pPr>
+            <a:r>
+              <a:rPr lang="en-US" sz="1400" b="1" dirty="0"/>
+              <a:t>DANGEROUS</a:t>
+            </a:r>
+          </a:p>
+          <a:p>
+            <a:pPr lvl="1">
+              <a:lnSpc>
+                <a:spcPct val="170000"/>
+              </a:lnSpc>
+              <a:buNone/>
+            </a:pPr>
+            <a:r>
+              <a:rPr lang="en-US" sz="1400" dirty="0"/>
+              <a:t>	</a:t>
+            </a:r>
+            <a:r>
+              <a:rPr lang="en-US" sz="1400" dirty="0" err="1">
+                <a:latin typeface="Courier New" pitchFamily="49" charset="0"/>
+                <a:cs typeface="Courier New" pitchFamily="49" charset="0"/>
+              </a:rPr>
+              <a:t>android.permission.SEND_SMS</a:t>
+            </a:r>
+            <a:endParaRPr lang="en-US" sz="1400" dirty="0">
+              <a:latin typeface="Courier New" pitchFamily="49" charset="0"/>
+              <a:cs typeface="Courier New" pitchFamily="49" charset="0"/>
+            </a:endParaRPr>
+          </a:p>
+          <a:p>
+            <a:pPr lvl="1">
+              <a:lnSpc>
+                <a:spcPct val="170000"/>
+              </a:lnSpc>
+              <a:buNone/>
+            </a:pPr>
+            <a:r>
+              <a:rPr lang="en-US" sz="1400" dirty="0">
+                <a:latin typeface="Courier New" pitchFamily="49" charset="0"/>
+                <a:cs typeface="Courier New" pitchFamily="49" charset="0"/>
+              </a:rPr>
+              <a:t>	</a:t>
+            </a:r>
+            <a:r>
+              <a:rPr lang="en-US" sz="1400" dirty="0" err="1">
+                <a:latin typeface="Courier New" pitchFamily="49" charset="0"/>
+                <a:cs typeface="Courier New" pitchFamily="49" charset="0"/>
+              </a:rPr>
+              <a:t>android.permission.CALL_PHONE</a:t>
+            </a:r>
+            <a:endParaRPr lang="en-US" sz="1400" dirty="0">
+              <a:latin typeface="Courier New" pitchFamily="49" charset="0"/>
+              <a:cs typeface="Courier New" pitchFamily="49" charset="0"/>
+            </a:endParaRPr>
+          </a:p>
+          <a:p>
+            <a:pPr>
+              <a:lnSpc>
+                <a:spcPct val="170000"/>
+              </a:lnSpc>
+            </a:pPr>
+            <a:r>
+              <a:rPr lang="en-US" sz="1400" b="1" dirty="0"/>
+              <a:t>SIGNATURE</a:t>
+            </a:r>
+          </a:p>
+          <a:p>
+            <a:pPr lvl="1">
+              <a:lnSpc>
+                <a:spcPct val="170000"/>
+              </a:lnSpc>
+              <a:buNone/>
+            </a:pPr>
+            <a:r>
+              <a:rPr lang="en-US" sz="1400" dirty="0"/>
+              <a:t>	</a:t>
+            </a:r>
+            <a:r>
+              <a:rPr lang="en-US" sz="1400" dirty="0" err="1">
+                <a:latin typeface="Courier New" pitchFamily="49" charset="0"/>
+                <a:cs typeface="Courier New" pitchFamily="49" charset="0"/>
+              </a:rPr>
+              <a:t>android.permission.FORCE_STOP_PACKAGES</a:t>
+            </a:r>
+            <a:endParaRPr lang="en-US" sz="1400" dirty="0">
+              <a:latin typeface="Courier New" pitchFamily="49" charset="0"/>
+              <a:cs typeface="Courier New" pitchFamily="49" charset="0"/>
+            </a:endParaRPr>
+          </a:p>
+          <a:p>
+            <a:pPr lvl="1">
+              <a:lnSpc>
+                <a:spcPct val="170000"/>
+              </a:lnSpc>
+              <a:buNone/>
+            </a:pPr>
+            <a:r>
+              <a:rPr lang="en-US" sz="1400" dirty="0">
+                <a:latin typeface="Courier New" pitchFamily="49" charset="0"/>
+                <a:cs typeface="Courier New" pitchFamily="49" charset="0"/>
+              </a:rPr>
+              <a:t>	</a:t>
+            </a:r>
+            <a:r>
+              <a:rPr lang="en-US" sz="1400" dirty="0" err="1">
+                <a:latin typeface="Courier New" pitchFamily="49" charset="0"/>
+                <a:cs typeface="Courier New" pitchFamily="49" charset="0"/>
+              </a:rPr>
+              <a:t>android.permission.INJECT_EVENTS</a:t>
+            </a:r>
+            <a:endParaRPr lang="en-US" sz="1400" dirty="0">
+              <a:latin typeface="Courier New" pitchFamily="49" charset="0"/>
+              <a:cs typeface="Courier New" pitchFamily="49" charset="0"/>
+            </a:endParaRPr>
+          </a:p>
+          <a:p>
+            <a:pPr>
+              <a:lnSpc>
+                <a:spcPct val="170000"/>
+              </a:lnSpc>
+            </a:pPr>
+            <a:r>
+              <a:rPr lang="en-US" sz="1400" b="1" dirty="0"/>
+              <a:t>SIGNATURE OR SYSTEM</a:t>
+            </a:r>
+          </a:p>
+          <a:p>
+            <a:pPr lvl="1">
+              <a:lnSpc>
+                <a:spcPct val="170000"/>
+              </a:lnSpc>
+              <a:buNone/>
+            </a:pPr>
+            <a:r>
+              <a:rPr lang="en-US" sz="1400" dirty="0"/>
+              <a:t>	</a:t>
+            </a:r>
+            <a:r>
+              <a:rPr lang="en-US" sz="1400" dirty="0" err="1">
+                <a:latin typeface="Courier New" pitchFamily="49" charset="0"/>
+                <a:cs typeface="Courier New" pitchFamily="49" charset="0"/>
+              </a:rPr>
+              <a:t>android.permission.ACCESS_USB</a:t>
+            </a:r>
+            <a:endParaRPr lang="en-US" sz="1400" dirty="0">
+              <a:latin typeface="Courier New" pitchFamily="49" charset="0"/>
+              <a:cs typeface="Courier New" pitchFamily="49" charset="0"/>
+            </a:endParaRPr>
+          </a:p>
+          <a:p>
+            <a:pPr lvl="1">
+              <a:lnSpc>
+                <a:spcPct val="170000"/>
+              </a:lnSpc>
+              <a:buNone/>
+            </a:pPr>
+            <a:r>
+              <a:rPr lang="en-US" sz="1400" dirty="0">
+                <a:latin typeface="Courier New" pitchFamily="49" charset="0"/>
+                <a:cs typeface="Courier New" pitchFamily="49" charset="0"/>
+              </a:rPr>
+              <a:t>	</a:t>
+            </a:r>
+            <a:r>
+              <a:rPr lang="en-US" sz="1400" dirty="0" err="1">
+                <a:latin typeface="Courier New" pitchFamily="49" charset="0"/>
+                <a:cs typeface="Courier New" pitchFamily="49" charset="0"/>
+              </a:rPr>
+              <a:t>android.permission.SET_TIME</a:t>
+            </a:r>
+            <a:endParaRPr lang="en-US" sz="1400" dirty="0">
+              <a:latin typeface="Courier New" pitchFamily="49" charset="0"/>
+              <a:cs typeface="Courier New" pitchFamily="49" charset="0"/>
+            </a:endParaRPr>
+          </a:p>
+          <a:p>
+            <a:pPr lvl="1">
+              <a:buNone/>
+            </a:pPr>
+            <a:endParaRPr lang="en-US" sz="1100" dirty="0"/>
+          </a:p>
+          <a:p>
+            <a:pPr>
+              <a:buNone/>
+            </a:pPr>
+            <a:endParaRPr lang="en-US" sz="1100" dirty="0"/>
+          </a:p>
+          <a:p>
+            <a:pPr>
+              <a:buNone/>
+            </a:pPr>
+            <a:endParaRPr lang="en-US" sz="1100" dirty="0"/>
+          </a:p>
+        </p:txBody>
+      </p:sp>
+    </p:spTree>
+  </p:cSld>
+  <p:clrMapOvr>
+    <a:masterClrMapping/>
+  </p:clrMapOvr>
+</p:sld>
+</file>
+
+<file path=ppt/slides/slide16.xml><?xml version="1.0" encoding="utf-8"?>
+<p:sld xmlns:a="http://schemas.openxmlformats.org/drawingml/2006/main" xmlns:r="http://schemas.openxmlformats.org/officeDocument/2006/relationships" xmlns:p="http://schemas.openxmlformats.org/presentationml/2006/main">
+  <p:cSld>
+    <p:spTree>
+      <p:nvGrpSpPr>
+        <p:cNvPr id="1" name=""/>
+        <p:cNvGrpSpPr/>
+        <p:nvPr/>
+      </p:nvGrpSpPr>
+      <p:grpSpPr>
+        <a:xfrm>
+          <a:off x="0" y="0"/>
+          <a:ext cx="0" cy="0"/>
+          <a:chOff x="0" y="0"/>
+          <a:chExt cx="0" cy="0"/>
+        </a:xfrm>
+      </p:grpSpPr>
+      <p:sp>
+        <p:nvSpPr>
+          <p:cNvPr id="2" name="Title 1"/>
+          <p:cNvSpPr>
+            <a:spLocks noGrp="1"/>
+          </p:cNvSpPr>
+          <p:nvPr>
+            <p:ph type="title"/>
+          </p:nvPr>
+        </p:nvSpPr>
+        <p:spPr/>
+        <p:txBody>
+          <a:bodyPr/>
+          <a:lstStyle/>
+          <a:p>
+            <a:r>
+              <a:rPr lang="en-US" dirty="0"/>
+              <a:t>Como </a:t>
+            </a:r>
+            <a:r>
+              <a:rPr lang="en-US" dirty="0" err="1"/>
+              <a:t>podemos</a:t>
+            </a:r>
+            <a:r>
+              <a:rPr lang="en-US" dirty="0"/>
+              <a:t> “</a:t>
+            </a:r>
+            <a:r>
+              <a:rPr lang="en-US" dirty="0" err="1"/>
+              <a:t>hackear</a:t>
+            </a:r>
+            <a:r>
+              <a:rPr lang="en-US" dirty="0"/>
+              <a:t>” um app </a:t>
+            </a:r>
+          </a:p>
+        </p:txBody>
+      </p:sp>
+      <p:sp>
+        <p:nvSpPr>
+          <p:cNvPr id="3" name="Content Placeholder 2"/>
+          <p:cNvSpPr>
+            <a:spLocks noGrp="1"/>
+          </p:cNvSpPr>
+          <p:nvPr>
+            <p:ph idx="1"/>
+          </p:nvPr>
+        </p:nvSpPr>
+        <p:spPr/>
+        <p:txBody>
+          <a:bodyPr>
+            <a:normAutofit fontScale="85000" lnSpcReduction="20000"/>
+          </a:bodyPr>
+          <a:lstStyle/>
+          <a:p>
+            <a:pPr>
+              <a:lnSpc>
+                <a:spcPct val="160000"/>
+              </a:lnSpc>
+            </a:pPr>
+            <a:r>
+              <a:rPr lang="en-US" sz="3000" dirty="0" err="1"/>
+              <a:t>Existe</a:t>
+            </a:r>
+            <a:r>
+              <a:rPr lang="en-US" sz="3000" dirty="0"/>
+              <a:t> um </a:t>
+            </a:r>
+            <a:r>
+              <a:rPr lang="en-US" sz="3000" dirty="0" err="1"/>
+              <a:t>conjunto</a:t>
+            </a:r>
+            <a:r>
+              <a:rPr lang="en-US" sz="3000" dirty="0"/>
+              <a:t> de </a:t>
+            </a:r>
+            <a:r>
+              <a:rPr lang="en-US" sz="3000" dirty="0" err="1"/>
+              <a:t>ferramentas</a:t>
+            </a:r>
+            <a:r>
+              <a:rPr lang="en-US" sz="3000" dirty="0"/>
+              <a:t> </a:t>
+            </a:r>
+            <a:r>
+              <a:rPr lang="en-US" sz="3000" dirty="0" err="1"/>
+              <a:t>nos</a:t>
+            </a:r>
+            <a:r>
+              <a:rPr lang="en-US" sz="3000" dirty="0"/>
+              <a:t> </a:t>
+            </a:r>
+            <a:r>
+              <a:rPr lang="en-US" sz="3000" dirty="0" err="1"/>
+              <a:t>ajudam</a:t>
+            </a:r>
+            <a:r>
+              <a:rPr lang="en-US" sz="3000" dirty="0"/>
+              <a:t> a </a:t>
+            </a:r>
+            <a:r>
+              <a:rPr lang="en-US" sz="3000" dirty="0" err="1"/>
+              <a:t>validar</a:t>
+            </a:r>
+            <a:r>
+              <a:rPr lang="en-US" sz="3000" dirty="0"/>
+              <a:t> e </a:t>
+            </a:r>
+            <a:r>
+              <a:rPr lang="en-US" sz="3000" dirty="0" err="1"/>
+              <a:t>encontrar</a:t>
+            </a:r>
+            <a:r>
+              <a:rPr lang="en-US" sz="3000" dirty="0"/>
+              <a:t> </a:t>
+            </a:r>
+            <a:r>
+              <a:rPr lang="en-US" sz="3000" dirty="0" err="1"/>
+              <a:t>estas</a:t>
+            </a:r>
+            <a:r>
+              <a:rPr lang="en-US" sz="3000" dirty="0"/>
+              <a:t> </a:t>
+            </a:r>
+            <a:r>
+              <a:rPr lang="en-US" sz="3000" dirty="0" err="1"/>
+              <a:t>falhas</a:t>
+            </a:r>
+            <a:r>
+              <a:rPr lang="en-US" sz="3000" dirty="0"/>
+              <a:t> de </a:t>
+            </a:r>
+            <a:r>
+              <a:rPr lang="en-US" sz="3000" dirty="0" err="1"/>
+              <a:t>segurança</a:t>
+            </a:r>
+            <a:endParaRPr lang="en-US" sz="3000" dirty="0"/>
+          </a:p>
+          <a:p>
+            <a:pPr>
+              <a:lnSpc>
+                <a:spcPct val="160000"/>
+              </a:lnSpc>
+            </a:pPr>
+            <a:r>
+              <a:rPr lang="en-US" sz="3000" dirty="0" err="1"/>
+              <a:t>Introdução</a:t>
+            </a:r>
+            <a:r>
+              <a:rPr lang="en-US" sz="3000" dirty="0"/>
+              <a:t> </a:t>
+            </a:r>
+            <a:r>
+              <a:rPr lang="en-US" sz="3000" dirty="0" err="1"/>
+              <a:t>ao</a:t>
+            </a:r>
+            <a:r>
+              <a:rPr lang="en-US" sz="3000" dirty="0"/>
+              <a:t> </a:t>
+            </a:r>
+            <a:r>
+              <a:rPr lang="en-US" sz="3000" dirty="0" err="1"/>
+              <a:t>Drozer</a:t>
+            </a:r>
+            <a:r>
+              <a:rPr lang="en-US" sz="3000" dirty="0"/>
+              <a:t> </a:t>
+            </a:r>
+            <a:r>
+              <a:rPr lang="en-US" sz="3000" dirty="0">
+                <a:hlinkClick r:id="rId2"/>
+              </a:rPr>
+              <a:t>https://labs.mwrinfosecurity.com/tools/drozer/</a:t>
+            </a:r>
+            <a:endParaRPr lang="en-US" sz="3000" dirty="0"/>
+          </a:p>
+          <a:p>
+            <a:pPr>
+              <a:lnSpc>
+                <a:spcPct val="160000"/>
+              </a:lnSpc>
+            </a:pPr>
+            <a:r>
+              <a:rPr lang="en-US" sz="3000" dirty="0"/>
+              <a:t>Cliente/</a:t>
+            </a:r>
+            <a:r>
+              <a:rPr lang="en-US" sz="3000" dirty="0" err="1"/>
+              <a:t>Servidor</a:t>
+            </a:r>
+            <a:endParaRPr lang="en-US" sz="3000" dirty="0"/>
+          </a:p>
+          <a:p>
+            <a:pPr>
+              <a:lnSpc>
+                <a:spcPct val="160000"/>
+              </a:lnSpc>
+            </a:pPr>
+            <a:r>
+              <a:rPr lang="en-US" sz="3000" dirty="0" err="1"/>
+              <a:t>Permissão</a:t>
+            </a:r>
+            <a:r>
+              <a:rPr lang="en-US" sz="3000" dirty="0"/>
+              <a:t> de </a:t>
+            </a:r>
+            <a:r>
+              <a:rPr lang="en-US" sz="3000" dirty="0" err="1"/>
+              <a:t>acesso</a:t>
+            </a:r>
+            <a:r>
+              <a:rPr lang="en-US" sz="3000" dirty="0"/>
+              <a:t> total a </a:t>
+            </a:r>
+            <a:r>
+              <a:rPr lang="en-US" sz="3000" dirty="0" err="1"/>
+              <a:t>rede</a:t>
+            </a:r>
+            <a:endParaRPr lang="en-US" sz="3000" dirty="0"/>
+          </a:p>
+          <a:p>
+            <a:endParaRPr lang="en-US" dirty="0"/>
+          </a:p>
+        </p:txBody>
+      </p:sp>
+    </p:spTree>
+    <p:extLst>
+      <p:ext uri="{BB962C8B-B14F-4D97-AF65-F5344CB8AC3E}">
+        <p14:creationId xmlns:p14="http://schemas.microsoft.com/office/powerpoint/2010/main" val="3118188635"/>
+      </p:ext>
+    </p:extLst>
+  </p:cSld>
+  <p:clrMapOvr>
+    <a:masterClrMapping/>
+  </p:clrMapOvr>
+</p:sld>
+</file>
+
+<file path=ppt/slides/slide17.xml><?xml version="1.0" encoding="utf-8"?>
+<p:sld xmlns:a="http://schemas.openxmlformats.org/drawingml/2006/main" xmlns:r="http://schemas.openxmlformats.org/officeDocument/2006/relationships" xmlns:p="http://schemas.openxmlformats.org/presentationml/2006/main">
+  <p:cSld>
+    <p:spTree>
+      <p:nvGrpSpPr>
+        <p:cNvPr id="1" name=""/>
+        <p:cNvGrpSpPr/>
+        <p:nvPr/>
+      </p:nvGrpSpPr>
+      <p:grpSpPr>
+        <a:xfrm>
+          <a:off x="0" y="0"/>
+          <a:ext cx="0" cy="0"/>
+          <a:chOff x="0" y="0"/>
+          <a:chExt cx="0" cy="0"/>
+        </a:xfrm>
+      </p:grpSpPr>
+      <p:sp>
+        <p:nvSpPr>
+          <p:cNvPr id="2" name="Title 1"/>
+          <p:cNvSpPr>
+            <a:spLocks noGrp="1"/>
+          </p:cNvSpPr>
+          <p:nvPr>
+            <p:ph type="title"/>
+          </p:nvPr>
+        </p:nvSpPr>
+        <p:spPr>
+          <a:xfrm>
+            <a:off x="609600" y="304800"/>
+            <a:ext cx="8229600" cy="1048512"/>
+          </a:xfrm>
+        </p:spPr>
+        <p:txBody>
+          <a:bodyPr/>
+          <a:lstStyle/>
+          <a:p>
+            <a:r>
+              <a:rPr lang="en-US" dirty="0" err="1"/>
+              <a:t>Demonstração</a:t>
+            </a:r>
+            <a:endParaRPr lang="en-US" dirty="0"/>
+          </a:p>
+        </p:txBody>
+      </p:sp>
+      <p:sp>
+        <p:nvSpPr>
+          <p:cNvPr id="3" name="Content Placeholder 2"/>
+          <p:cNvSpPr>
+            <a:spLocks noGrp="1"/>
+          </p:cNvSpPr>
+          <p:nvPr>
+            <p:ph idx="1"/>
+          </p:nvPr>
+        </p:nvSpPr>
+        <p:spPr>
+          <a:xfrm>
+            <a:off x="533400" y="1828800"/>
+            <a:ext cx="8229600" cy="3886200"/>
+          </a:xfrm>
+        </p:spPr>
+        <p:txBody>
+          <a:bodyPr>
+            <a:normAutofit/>
+          </a:bodyPr>
+          <a:lstStyle/>
+          <a:p>
+            <a:pPr>
+              <a:buNone/>
+            </a:pPr>
+            <a:endParaRPr lang="en-US" dirty="0"/>
+          </a:p>
+          <a:p>
+            <a:pPr>
+              <a:buNone/>
+            </a:pPr>
+            <a:endParaRPr lang="en-US" dirty="0"/>
+          </a:p>
+          <a:p>
+            <a:pPr>
+              <a:buNone/>
+            </a:pPr>
+            <a:endParaRPr lang="en-US" dirty="0"/>
+          </a:p>
+        </p:txBody>
+      </p:sp>
+      <p:pic>
+        <p:nvPicPr>
+          <p:cNvPr id="4" name="Picture 3"/>
+          <p:cNvPicPr>
+            <a:picLocks noChangeAspect="1" noChangeArrowheads="1"/>
+          </p:cNvPicPr>
+          <p:nvPr/>
+        </p:nvPicPr>
+        <p:blipFill>
+          <a:blip r:embed="rId2" cstate="print">
+            <a:extLst>
+              <a:ext uri="{28A0092B-C50C-407E-A947-70E740481C1C}">
+                <a14:useLocalDpi xmlns:a14="http://schemas.microsoft.com/office/drawing/2010/main" val="0"/>
+              </a:ext>
+            </a:extLst>
+          </a:blip>
+          <a:srcRect/>
+          <a:stretch>
+            <a:fillRect/>
+          </a:stretch>
+        </p:blipFill>
+        <p:spPr bwMode="auto">
+          <a:xfrm>
+            <a:off x="685800" y="1376493"/>
+            <a:ext cx="2683356" cy="4643307"/>
+          </a:xfrm>
+          <a:prstGeom prst="rect">
+            <a:avLst/>
+          </a:prstGeom>
+          <a:noFill/>
+          <a:ln>
+            <a:noFill/>
+          </a:ln>
+          <a:extLst>
+            <a:ext uri="{909E8E84-426E-40DD-AFC4-6F175D3DCCD1}">
+              <a14:hiddenFill xmlns:a14="http://schemas.microsoft.com/office/drawing/2010/main">
+                <a:solidFill>
+                  <a:srgbClr val="FFFFFF"/>
+                </a:solidFill>
+              </a14:hiddenFill>
+            </a:ext>
+            <a:ext uri="{91240B29-F687-4F45-9708-019B960494DF}">
+              <a14:hiddenLine xmlns:a14="http://schemas.microsoft.com/office/drawing/2010/main" w="9525">
+                <a:solidFill>
+                  <a:srgbClr val="000000"/>
+                </a:solidFill>
+                <a:miter lim="800000"/>
+                <a:headEnd/>
+                <a:tailEnd/>
+              </a14:hiddenLine>
+            </a:ext>
+          </a:extLst>
+        </p:spPr>
+      </p:pic>
+      <p:pic>
+        <p:nvPicPr>
+          <p:cNvPr id="5" name="Picture 2"/>
+          <p:cNvPicPr>
+            <a:picLocks noChangeAspect="1" noChangeArrowheads="1"/>
+          </p:cNvPicPr>
+          <p:nvPr/>
+        </p:nvPicPr>
+        <p:blipFill>
+          <a:blip r:embed="rId3" cstate="print">
+            <a:extLst>
+              <a:ext uri="{28A0092B-C50C-407E-A947-70E740481C1C}">
+                <a14:useLocalDpi xmlns:a14="http://schemas.microsoft.com/office/drawing/2010/main" val="0"/>
+              </a:ext>
+            </a:extLst>
+          </a:blip>
+          <a:srcRect/>
+          <a:stretch>
+            <a:fillRect/>
+          </a:stretch>
+        </p:blipFill>
+        <p:spPr bwMode="auto">
+          <a:xfrm>
+            <a:off x="4343400" y="1353312"/>
+            <a:ext cx="2743200" cy="4638549"/>
+          </a:xfrm>
+          <a:prstGeom prst="rect">
+            <a:avLst/>
+          </a:prstGeom>
+          <a:noFill/>
+          <a:ln>
+            <a:noFill/>
+          </a:ln>
+          <a:extLst>
+            <a:ext uri="{909E8E84-426E-40DD-AFC4-6F175D3DCCD1}">
+              <a14:hiddenFill xmlns:a14="http://schemas.microsoft.com/office/drawing/2010/main">
+                <a:solidFill>
+                  <a:srgbClr val="FFFFFF"/>
+                </a:solidFill>
+              </a14:hiddenFill>
+            </a:ext>
+            <a:ext uri="{91240B29-F687-4F45-9708-019B960494DF}">
+              <a14:hiddenLine xmlns:a14="http://schemas.microsoft.com/office/drawing/2010/main" w="9525">
+                <a:solidFill>
+                  <a:srgbClr val="000000"/>
+                </a:solidFill>
+                <a:miter lim="800000"/>
+                <a:headEnd/>
+                <a:tailEnd/>
+              </a14:hiddenLine>
+            </a:ext>
+          </a:extLst>
+        </p:spPr>
+      </p:pic>
+    </p:spTree>
+  </p:cSld>
+  <p:clrMapOvr>
+    <a:masterClrMapping/>
+  </p:clrMapOvr>
+</p:sld>
+</file>
+
+<file path=ppt/slides/slide18.xml><?xml version="1.0" encoding="utf-8"?>
+<p:sld xmlns:a="http://schemas.openxmlformats.org/drawingml/2006/main" xmlns:r="http://schemas.openxmlformats.org/officeDocument/2006/relationships" xmlns:p="http://schemas.openxmlformats.org/presentationml/2006/main">
+  <p:cSld>
+    <p:spTree>
+      <p:nvGrpSpPr>
+        <p:cNvPr id="1" name=""/>
+        <p:cNvGrpSpPr/>
+        <p:nvPr/>
+      </p:nvGrpSpPr>
+      <p:grpSpPr>
+        <a:xfrm>
+          <a:off x="0" y="0"/>
+          <a:ext cx="0" cy="0"/>
+          <a:chOff x="0" y="0"/>
+          <a:chExt cx="0" cy="0"/>
+        </a:xfrm>
+      </p:grpSpPr>
+      <p:sp>
+        <p:nvSpPr>
+          <p:cNvPr id="2" name="Título 1"/>
+          <p:cNvSpPr>
+            <a:spLocks noGrp="1"/>
+          </p:cNvSpPr>
+          <p:nvPr>
+            <p:ph type="title"/>
+          </p:nvPr>
+        </p:nvSpPr>
+        <p:spPr/>
+        <p:txBody>
+          <a:bodyPr/>
+          <a:lstStyle/>
+          <a:p>
+            <a:r>
+              <a:rPr lang="pt-BR" dirty="0"/>
+              <a:t>Como se proteger?</a:t>
+            </a:r>
+          </a:p>
+        </p:txBody>
+      </p:sp>
+      <p:pic>
+        <p:nvPicPr>
+          <p:cNvPr id="4" name="Espaço Reservado para Conteúdo 3"/>
+          <p:cNvPicPr>
+            <a:picLocks noGrp="1" noChangeAspect="1"/>
+          </p:cNvPicPr>
+          <p:nvPr>
+            <p:ph idx="1"/>
+          </p:nvPr>
+        </p:nvPicPr>
+        <p:blipFill>
+          <a:blip r:embed="rId2">
+            <a:extLst>
+              <a:ext uri="{28A0092B-C50C-407E-A947-70E740481C1C}">
+                <a14:useLocalDpi xmlns:a14="http://schemas.microsoft.com/office/drawing/2010/main" val="0"/>
+              </a:ext>
+            </a:extLst>
+          </a:blip>
+          <a:stretch>
+            <a:fillRect/>
+          </a:stretch>
+        </p:blipFill>
+        <p:spPr>
+          <a:xfrm>
+            <a:off x="838200" y="1752600"/>
+            <a:ext cx="6705600" cy="3771899"/>
+          </a:xfrm>
+        </p:spPr>
+      </p:pic>
+    </p:spTree>
+    <p:extLst>
+      <p:ext uri="{BB962C8B-B14F-4D97-AF65-F5344CB8AC3E}">
+        <p14:creationId xmlns:p14="http://schemas.microsoft.com/office/powerpoint/2010/main" val="4253121945"/>
+      </p:ext>
+    </p:extLst>
+  </p:cSld>
+  <p:clrMapOvr>
+    <a:masterClrMapping/>
+  </p:clrMapOvr>
+</p:sld>
+</file>
+
+<file path=ppt/slides/slide19.xml><?xml version="1.0" encoding="utf-8"?>
+<p:sld xmlns:a="http://schemas.openxmlformats.org/drawingml/2006/main" xmlns:r="http://schemas.openxmlformats.org/officeDocument/2006/relationships" xmlns:p="http://schemas.openxmlformats.org/presentationml/2006/main">
+  <p:cSld>
+    <p:spTree>
+      <p:nvGrpSpPr>
+        <p:cNvPr id="1" name=""/>
+        <p:cNvGrpSpPr/>
+        <p:nvPr/>
+      </p:nvGrpSpPr>
+      <p:grpSpPr>
+        <a:xfrm>
+          <a:off x="0" y="0"/>
+          <a:ext cx="0" cy="0"/>
+          <a:chOff x="0" y="0"/>
+          <a:chExt cx="0" cy="0"/>
+        </a:xfrm>
+      </p:grpSpPr>
+      <p:sp>
+        <p:nvSpPr>
+          <p:cNvPr id="2" name="Título 1"/>
+          <p:cNvSpPr>
+            <a:spLocks noGrp="1"/>
+          </p:cNvSpPr>
+          <p:nvPr>
+            <p:ph type="title"/>
+          </p:nvPr>
+        </p:nvSpPr>
+        <p:spPr/>
+        <p:txBody>
+          <a:bodyPr/>
+          <a:lstStyle/>
+          <a:p>
+            <a:r>
+              <a:rPr lang="pt-BR" dirty="0"/>
+              <a:t>Como se proteger?</a:t>
+            </a:r>
+          </a:p>
+        </p:txBody>
+      </p:sp>
+      <p:sp>
+        <p:nvSpPr>
+          <p:cNvPr id="3" name="Espaço Reservado para Conteúdo 2"/>
+          <p:cNvSpPr>
+            <a:spLocks noGrp="1"/>
+          </p:cNvSpPr>
+          <p:nvPr>
+            <p:ph idx="1"/>
+          </p:nvPr>
+        </p:nvSpPr>
+        <p:spPr>
+          <a:xfrm>
+            <a:off x="457200" y="1981200"/>
+            <a:ext cx="8229600" cy="3807502"/>
+          </a:xfrm>
+        </p:spPr>
+        <p:txBody>
+          <a:bodyPr/>
+          <a:lstStyle/>
+          <a:p>
+            <a:r>
+              <a:rPr lang="pt-BR" altLang="en-US" dirty="0"/>
+              <a:t>Atualizar sempre o </a:t>
+            </a:r>
+            <a:r>
+              <a:rPr lang="pt-BR" altLang="en-US" dirty="0" err="1"/>
+              <a:t>Android</a:t>
+            </a:r>
+            <a:endParaRPr lang="pt-BR" altLang="en-US" dirty="0"/>
+          </a:p>
+          <a:p>
+            <a:r>
+              <a:rPr lang="pt-BR" dirty="0"/>
+              <a:t>Evitar fazer root (A não ser que saiba o que está fazendo) </a:t>
+            </a:r>
+            <a:r>
+              <a:rPr lang="pt-BR" dirty="0">
+                <a:sym typeface="Wingdings" panose="05000000000000000000" pitchFamily="2" charset="2"/>
+              </a:rPr>
+              <a:t> </a:t>
+            </a:r>
+            <a:endParaRPr lang="pt-BR" dirty="0"/>
+          </a:p>
+          <a:p>
+            <a:r>
+              <a:rPr lang="pt-BR" dirty="0"/>
+              <a:t>Utilizar criptografia</a:t>
+            </a:r>
+          </a:p>
+          <a:p>
+            <a:r>
+              <a:rPr lang="pt-BR" altLang="en-US" dirty="0"/>
+              <a:t>Preferência para aplicativos que criptografam seus arquivos armazenados na memória interna</a:t>
+            </a:r>
+          </a:p>
+          <a:p>
+            <a:r>
+              <a:rPr lang="pt-BR" dirty="0"/>
+              <a:t>Verificar as permissões antes de instalar um </a:t>
+            </a:r>
+            <a:r>
+              <a:rPr lang="pt-BR" dirty="0" err="1"/>
+              <a:t>app</a:t>
+            </a:r>
+            <a:endParaRPr lang="pt-BR" dirty="0"/>
+          </a:p>
+          <a:p>
+            <a:r>
+              <a:rPr lang="pt-BR" dirty="0"/>
+              <a:t>Para o desenvolvedor: Utilizar todas as ferramentas disponíveis para validar e fazer testes de segurança durante o desenvolvimento</a:t>
+            </a:r>
+          </a:p>
+          <a:p>
+            <a:endParaRPr lang="pt-BR" dirty="0"/>
+          </a:p>
+        </p:txBody>
+      </p:sp>
+    </p:spTree>
+    <p:extLst>
+      <p:ext uri="{BB962C8B-B14F-4D97-AF65-F5344CB8AC3E}">
+        <p14:creationId xmlns:p14="http://schemas.microsoft.com/office/powerpoint/2010/main" val="2552640704"/>
+      </p:ext>
+    </p:extLst>
+  </p:cSld>
+  <p:clrMapOvr>
+    <a:masterClrMapping/>
+  </p:clrMapOvr>
+</p:sld>
+</file>
+
+<file path=ppt/slides/slide2.xml><?xml version="1.0" encoding="utf-8"?>
+<p:sld xmlns:a="http://schemas.openxmlformats.org/drawingml/2006/main" xmlns:r="http://schemas.openxmlformats.org/officeDocument/2006/relationships" xmlns:p="http://schemas.openxmlformats.org/presentationml/2006/main">
+  <p:cSld>
+    <p:bg>
+      <p:bgPr>
+        <a:solidFill>
+          <a:schemeClr val="accent1"/>
+        </a:solidFill>
+        <a:effectLst/>
+      </p:bgPr>
+    </p:bg>
+    <p:spTree>
+      <p:nvGrpSpPr>
+        <p:cNvPr id="1" name=""/>
+        <p:cNvGrpSpPr/>
+        <p:nvPr/>
+      </p:nvGrpSpPr>
+      <p:grpSpPr>
+        <a:xfrm>
+          <a:off x="0" y="0"/>
+          <a:ext cx="0" cy="0"/>
+          <a:chOff x="0" y="0"/>
+          <a:chExt cx="0" cy="0"/>
+        </a:xfrm>
+      </p:grpSpPr>
+      <p:sp>
+        <p:nvSpPr>
+          <p:cNvPr id="2" name="Title 1"/>
+          <p:cNvSpPr>
+            <a:spLocks noGrp="1"/>
+          </p:cNvSpPr>
+          <p:nvPr>
+            <p:ph type="title"/>
+          </p:nvPr>
+        </p:nvSpPr>
+        <p:spPr/>
+        <p:txBody>
+          <a:bodyPr/>
+          <a:lstStyle/>
+          <a:p>
+            <a:r>
+              <a:rPr lang="en-US" dirty="0" err="1"/>
+              <a:t>Visão</a:t>
+            </a:r>
+            <a:r>
+              <a:rPr lang="en-US" dirty="0"/>
+              <a:t> </a:t>
+            </a:r>
+            <a:r>
+              <a:rPr lang="en-US" dirty="0" err="1"/>
+              <a:t>Geral</a:t>
+            </a:r>
+            <a:endParaRPr lang="en-US" dirty="0"/>
+          </a:p>
+        </p:txBody>
+      </p:sp>
+      <p:sp>
+        <p:nvSpPr>
+          <p:cNvPr id="3" name="Content Placeholder 2"/>
+          <p:cNvSpPr>
+            <a:spLocks noGrp="1"/>
+          </p:cNvSpPr>
+          <p:nvPr>
+            <p:ph idx="1"/>
+          </p:nvPr>
+        </p:nvSpPr>
+        <p:spPr>
+          <a:xfrm>
+            <a:off x="533400" y="1676400"/>
+            <a:ext cx="8229600" cy="4389120"/>
+          </a:xfrm>
+        </p:spPr>
+        <p:txBody>
+          <a:bodyPr>
+            <a:normAutofit/>
+          </a:bodyPr>
+          <a:lstStyle/>
+          <a:p>
+            <a:pPr>
+              <a:lnSpc>
+                <a:spcPct val="150000"/>
+              </a:lnSpc>
+            </a:pPr>
+            <a:r>
+              <a:rPr lang="en-US" sz="2400" dirty="0" err="1"/>
+              <a:t>Porque</a:t>
+            </a:r>
+            <a:r>
+              <a:rPr lang="en-US" sz="2400" dirty="0"/>
+              <a:t> </a:t>
+            </a:r>
+            <a:r>
+              <a:rPr lang="en-US" sz="2400" dirty="0" err="1"/>
+              <a:t>devemos</a:t>
+            </a:r>
+            <a:r>
+              <a:rPr lang="en-US" sz="2400" dirty="0"/>
+              <a:t> </a:t>
+            </a:r>
+            <a:r>
+              <a:rPr lang="en-US" sz="2400" dirty="0" err="1"/>
+              <a:t>entender</a:t>
+            </a:r>
+            <a:r>
+              <a:rPr lang="en-US" sz="2400" dirty="0"/>
+              <a:t> o </a:t>
+            </a:r>
+            <a:r>
+              <a:rPr lang="en-US" sz="2400" dirty="0" err="1"/>
+              <a:t>modelo</a:t>
+            </a:r>
+            <a:r>
+              <a:rPr lang="en-US" sz="2400" dirty="0"/>
+              <a:t> de </a:t>
+            </a:r>
+            <a:r>
+              <a:rPr lang="en-US" sz="2400" dirty="0" err="1"/>
+              <a:t>segurança</a:t>
+            </a:r>
+            <a:r>
+              <a:rPr lang="en-US" sz="2400" dirty="0"/>
+              <a:t>?</a:t>
+            </a:r>
+          </a:p>
+          <a:p>
+            <a:pPr>
+              <a:lnSpc>
+                <a:spcPct val="150000"/>
+              </a:lnSpc>
+            </a:pPr>
+            <a:r>
+              <a:rPr lang="en-US" sz="2400" dirty="0"/>
+              <a:t>Como </a:t>
+            </a:r>
+            <a:r>
+              <a:rPr lang="en-US" sz="2400" dirty="0" err="1"/>
+              <a:t>funcionam</a:t>
+            </a:r>
+            <a:r>
+              <a:rPr lang="en-US" sz="2400" dirty="0"/>
+              <a:t> </a:t>
+            </a:r>
+            <a:r>
+              <a:rPr lang="en-US" sz="2400" dirty="0" err="1"/>
+              <a:t>os</a:t>
+            </a:r>
+            <a:r>
+              <a:rPr lang="en-US" sz="2400" dirty="0"/>
+              <a:t> </a:t>
+            </a:r>
+            <a:r>
+              <a:rPr lang="en-US" sz="2400" dirty="0" err="1"/>
+              <a:t>aplicativos</a:t>
+            </a:r>
+            <a:r>
+              <a:rPr lang="en-US" sz="2400" dirty="0"/>
+              <a:t> Android</a:t>
+            </a:r>
+          </a:p>
+          <a:p>
+            <a:pPr>
+              <a:lnSpc>
+                <a:spcPct val="150000"/>
+              </a:lnSpc>
+            </a:pPr>
+            <a:r>
+              <a:rPr lang="en-US" sz="2400" dirty="0" err="1"/>
+              <a:t>Ciclo</a:t>
+            </a:r>
+            <a:r>
+              <a:rPr lang="en-US" sz="2400" dirty="0"/>
+              <a:t> de vida dos </a:t>
+            </a:r>
+            <a:r>
+              <a:rPr lang="en-US" sz="2400" dirty="0" err="1"/>
+              <a:t>aplicativos</a:t>
+            </a:r>
+            <a:endParaRPr lang="en-US" sz="2400" dirty="0"/>
+          </a:p>
+          <a:p>
+            <a:pPr>
+              <a:lnSpc>
+                <a:spcPct val="150000"/>
+              </a:lnSpc>
+            </a:pPr>
+            <a:r>
+              <a:rPr lang="en-US" sz="2400" dirty="0" err="1"/>
+              <a:t>Camada</a:t>
+            </a:r>
+            <a:r>
+              <a:rPr lang="en-US" sz="2400" dirty="0"/>
+              <a:t> de </a:t>
+            </a:r>
+            <a:r>
+              <a:rPr lang="en-US" sz="2400" dirty="0" err="1"/>
+              <a:t>aplicação</a:t>
+            </a:r>
+            <a:r>
+              <a:rPr lang="en-US" sz="2400" dirty="0"/>
+              <a:t> - </a:t>
+            </a:r>
+            <a:r>
+              <a:rPr lang="en-US" sz="2400" dirty="0" err="1"/>
+              <a:t>Niveis</a:t>
+            </a:r>
+            <a:r>
+              <a:rPr lang="en-US" sz="2400" dirty="0"/>
+              <a:t> de </a:t>
+            </a:r>
+            <a:r>
+              <a:rPr lang="en-US" sz="2400" dirty="0" err="1"/>
+              <a:t>proteção</a:t>
+            </a:r>
+            <a:endParaRPr lang="en-US" sz="2400" dirty="0"/>
+          </a:p>
+          <a:p>
+            <a:pPr>
+              <a:lnSpc>
+                <a:spcPct val="150000"/>
+              </a:lnSpc>
+            </a:pPr>
+            <a:r>
+              <a:rPr lang="en-US" sz="2400" dirty="0"/>
+              <a:t>Como </a:t>
+            </a:r>
+            <a:r>
+              <a:rPr lang="en-US" sz="2400" dirty="0" err="1"/>
+              <a:t>podemos</a:t>
+            </a:r>
+            <a:r>
+              <a:rPr lang="en-US" sz="2400" dirty="0"/>
+              <a:t> “</a:t>
+            </a:r>
+            <a:r>
+              <a:rPr lang="en-US" sz="2400" dirty="0" err="1"/>
+              <a:t>hackear</a:t>
+            </a:r>
+            <a:r>
+              <a:rPr lang="en-US" sz="2400" dirty="0"/>
+              <a:t>” um app</a:t>
+            </a:r>
+          </a:p>
+          <a:p>
+            <a:pPr>
+              <a:lnSpc>
+                <a:spcPct val="150000"/>
+              </a:lnSpc>
+            </a:pPr>
+            <a:r>
+              <a:rPr lang="en-US" sz="2400" dirty="0" err="1"/>
+              <a:t>Drozer</a:t>
+            </a:r>
+            <a:r>
+              <a:rPr lang="en-US" sz="2400" dirty="0"/>
+              <a:t>: </a:t>
+            </a:r>
+            <a:r>
+              <a:rPr lang="en-US" sz="2400" dirty="0" err="1"/>
+              <a:t>Demonstração</a:t>
+            </a:r>
+            <a:endParaRPr lang="en-US" sz="2400" dirty="0"/>
+          </a:p>
+          <a:p>
+            <a:pPr>
+              <a:lnSpc>
+                <a:spcPct val="150000"/>
+              </a:lnSpc>
+            </a:pPr>
+            <a:r>
+              <a:rPr lang="en-US" sz="2400" dirty="0"/>
+              <a:t>Como se </a:t>
+            </a:r>
+            <a:r>
+              <a:rPr lang="en-US" sz="2400" dirty="0" err="1"/>
+              <a:t>proteger</a:t>
+            </a:r>
+            <a:endParaRPr lang="en-US" sz="2400" dirty="0"/>
+          </a:p>
+          <a:p>
+            <a:pPr marL="457200" lvl="1" indent="0">
+              <a:buNone/>
+            </a:pPr>
+            <a:endParaRPr lang="en-US" dirty="0"/>
+          </a:p>
+        </p:txBody>
+      </p:sp>
+    </p:spTree>
+  </p:cSld>
+  <p:clrMapOvr>
+    <a:masterClrMapping/>
+  </p:clrMapOvr>
+</p:sld>
+</file>
+
+<file path=ppt/slides/slide20.xml><?xml version="1.0" encoding="utf-8"?>
+<p:sld xmlns:a="http://schemas.openxmlformats.org/drawingml/2006/main" xmlns:r="http://schemas.openxmlformats.org/officeDocument/2006/relationships" xmlns:p="http://schemas.openxmlformats.org/presentationml/2006/main">
+  <p:cSld>
+    <p:bg>
+      <p:bgPr>
+        <a:solidFill>
+          <a:schemeClr val="bg1">
+            <a:lumMod val="95000"/>
+          </a:schemeClr>
+        </a:solidFill>
+        <a:effectLst/>
+      </p:bgPr>
+    </p:bg>
+    <p:spTree>
+      <p:nvGrpSpPr>
+        <p:cNvPr id="1" name=""/>
+        <p:cNvGrpSpPr/>
+        <p:nvPr/>
+      </p:nvGrpSpPr>
+      <p:grpSpPr>
+        <a:xfrm>
+          <a:off x="0" y="0"/>
+          <a:ext cx="0" cy="0"/>
+          <a:chOff x="0" y="0"/>
+          <a:chExt cx="0" cy="0"/>
+        </a:xfrm>
+      </p:grpSpPr>
+      <p:sp>
+        <p:nvSpPr>
+          <p:cNvPr id="4" name="Title 1"/>
+          <p:cNvSpPr>
+            <a:spLocks noGrp="1"/>
+          </p:cNvSpPr>
+          <p:nvPr>
+            <p:ph type="ctrTitle"/>
+          </p:nvPr>
+        </p:nvSpPr>
+        <p:spPr>
+          <a:prstGeom prst="rect">
+            <a:avLst/>
+          </a:prstGeom>
+          <a:noFill/>
+        </p:spPr>
+        <p:txBody>
+          <a:bodyPr/>
+          <a:lstStyle>
+            <a:lvl1pPr algn="l">
+              <a:defRPr b="1" i="0" baseline="0">
+                <a:solidFill>
+                  <a:schemeClr val="bg1"/>
+                </a:solidFill>
+              </a:defRPr>
+            </a:lvl1pPr>
+          </a:lstStyle>
+          <a:p>
+            <a:r>
+              <a:rPr lang="en-US" dirty="0" err="1"/>
+              <a:t>Obrigada</a:t>
+            </a:r>
+            <a:r>
+              <a:rPr lang="en-US" dirty="0"/>
+              <a:t>!</a:t>
+            </a:r>
+          </a:p>
+        </p:txBody>
+      </p:sp>
+      <p:sp>
+        <p:nvSpPr>
+          <p:cNvPr id="7" name="TextBox 6"/>
+          <p:cNvSpPr txBox="1"/>
+          <p:nvPr/>
+        </p:nvSpPr>
+        <p:spPr>
+          <a:xfrm>
+            <a:off x="1447800" y="2895600"/>
+            <a:ext cx="7315200" cy="1569660"/>
+          </a:xfrm>
+          <a:prstGeom prst="rect">
+            <a:avLst/>
+          </a:prstGeom>
+          <a:noFill/>
+        </p:spPr>
+        <p:txBody>
+          <a:bodyPr wrap="square" rtlCol="0">
+            <a:spAutoFit/>
+          </a:bodyPr>
+          <a:lstStyle/>
+          <a:p>
+            <a:pPr algn="r"/>
+            <a:r>
+              <a:rPr lang="en-US" sz="2400" dirty="0" err="1"/>
+              <a:t>Apresentação,instalação,links</a:t>
+            </a:r>
+            <a:r>
+              <a:rPr lang="en-US" sz="2400" dirty="0"/>
+              <a:t> e </a:t>
+            </a:r>
+            <a:r>
+              <a:rPr lang="en-US" sz="2400" dirty="0" err="1"/>
+              <a:t>apks</a:t>
+            </a:r>
+            <a:r>
+              <a:rPr lang="en-US" sz="2400" dirty="0"/>
+              <a:t> </a:t>
+            </a:r>
+            <a:r>
+              <a:rPr lang="en-US" sz="2400" dirty="0" err="1"/>
+              <a:t>em</a:t>
+            </a:r>
+            <a:r>
+              <a:rPr lang="en-US" sz="2400" dirty="0"/>
+              <a:t> : </a:t>
+            </a:r>
+            <a:r>
+              <a:rPr lang="en-US" sz="2400" dirty="0">
+                <a:hlinkClick r:id="rId2"/>
+              </a:rPr>
+              <a:t>https://github.com/priscila225/SemanaDaComputacao</a:t>
+            </a:r>
+            <a:endParaRPr lang="en-US" sz="2400" dirty="0"/>
+          </a:p>
+          <a:p>
+            <a:pPr algn="r"/>
+            <a:endParaRPr lang="en-US" sz="2400" dirty="0"/>
+          </a:p>
+          <a:p>
+            <a:pPr algn="r"/>
+            <a:endParaRPr lang="en-US" sz="2400" dirty="0"/>
+          </a:p>
+        </p:txBody>
+      </p:sp>
+    </p:spTree>
+    <p:extLst>
+      <p:ext uri="{BB962C8B-B14F-4D97-AF65-F5344CB8AC3E}">
+        <p14:creationId xmlns:p14="http://schemas.microsoft.com/office/powerpoint/2010/main" val="24730695"/>
+      </p:ext>
+    </p:extLst>
+  </p:cSld>
+  <p:clrMapOvr>
+    <a:masterClrMapping/>
+  </p:clrMapOvr>
+</p:sld>
+</file>
+
+<file path=ppt/slides/slide3.xml><?xml version="1.0" encoding="utf-8"?>
+<p:sld xmlns:a="http://schemas.openxmlformats.org/drawingml/2006/main" xmlns:r="http://schemas.openxmlformats.org/officeDocument/2006/relationships" xmlns:p="http://schemas.openxmlformats.org/presentationml/2006/main">
+  <p:cSld>
+    <p:spTree>
+      <p:nvGrpSpPr>
+        <p:cNvPr id="1" name=""/>
+        <p:cNvGrpSpPr/>
+        <p:nvPr/>
+      </p:nvGrpSpPr>
+      <p:grpSpPr>
+        <a:xfrm>
+          <a:off x="0" y="0"/>
+          <a:ext cx="0" cy="0"/>
+          <a:chOff x="0" y="0"/>
+          <a:chExt cx="0" cy="0"/>
+        </a:xfrm>
+      </p:grpSpPr>
+      <p:sp>
+        <p:nvSpPr>
+          <p:cNvPr id="2" name="Título 1"/>
+          <p:cNvSpPr>
+            <a:spLocks noGrp="1"/>
+          </p:cNvSpPr>
+          <p:nvPr>
+            <p:ph type="title"/>
+          </p:nvPr>
+        </p:nvSpPr>
+        <p:spPr>
+          <a:xfrm>
+            <a:off x="441960" y="381000"/>
+            <a:ext cx="6348335" cy="759684"/>
+          </a:xfrm>
+        </p:spPr>
+        <p:txBody>
+          <a:bodyPr/>
+          <a:lstStyle/>
+          <a:p>
+            <a:r>
+              <a:rPr lang="en-US" dirty="0" err="1"/>
+              <a:t>Porque</a:t>
+            </a:r>
+            <a:r>
+              <a:rPr lang="en-US" dirty="0"/>
+              <a:t> </a:t>
+            </a:r>
+            <a:r>
+              <a:rPr lang="en-US" dirty="0" err="1"/>
+              <a:t>devemos</a:t>
+            </a:r>
+            <a:r>
+              <a:rPr lang="en-US" dirty="0"/>
+              <a:t> </a:t>
+            </a:r>
+            <a:r>
+              <a:rPr lang="en-US" dirty="0" err="1"/>
+              <a:t>entender</a:t>
+            </a:r>
+            <a:r>
+              <a:rPr lang="en-US" dirty="0"/>
+              <a:t> o </a:t>
+            </a:r>
+            <a:r>
+              <a:rPr lang="en-US" dirty="0" err="1"/>
+              <a:t>modelo</a:t>
+            </a:r>
+            <a:r>
+              <a:rPr lang="en-US" dirty="0"/>
+              <a:t> de </a:t>
+            </a:r>
+            <a:r>
+              <a:rPr lang="en-US" dirty="0" err="1"/>
+              <a:t>segurança</a:t>
+            </a:r>
+            <a:r>
+              <a:rPr lang="en-US" dirty="0"/>
+              <a:t>?</a:t>
+            </a:r>
+            <a:br>
+              <a:rPr lang="en-US" dirty="0"/>
+            </a:br>
+            <a:endParaRPr lang="pt-BR" dirty="0"/>
+          </a:p>
+        </p:txBody>
+      </p:sp>
+      <p:sp>
+        <p:nvSpPr>
+          <p:cNvPr id="3" name="Espaço Reservado para Conteúdo 2"/>
+          <p:cNvSpPr>
+            <a:spLocks noGrp="1"/>
+          </p:cNvSpPr>
+          <p:nvPr>
+            <p:ph idx="1"/>
+          </p:nvPr>
+        </p:nvSpPr>
+        <p:spPr>
+          <a:xfrm>
+            <a:off x="441960" y="1752600"/>
+            <a:ext cx="8229600" cy="3807502"/>
+          </a:xfrm>
+        </p:spPr>
+        <p:txBody>
+          <a:bodyPr>
+            <a:normAutofit/>
+          </a:bodyPr>
+          <a:lstStyle/>
+          <a:p>
+            <a:pPr>
+              <a:lnSpc>
+                <a:spcPct val="80000"/>
+              </a:lnSpc>
+            </a:pPr>
+            <a:r>
+              <a:rPr lang="en-US" altLang="pt-BR" sz="2400" dirty="0" err="1"/>
+              <a:t>Os</a:t>
+            </a:r>
+            <a:r>
+              <a:rPr lang="en-US" altLang="pt-BR" sz="2400" dirty="0"/>
+              <a:t> </a:t>
+            </a:r>
+            <a:r>
+              <a:rPr lang="en-US" altLang="pt-BR" sz="2400" dirty="0" err="1"/>
+              <a:t>celulares</a:t>
+            </a:r>
+            <a:r>
+              <a:rPr lang="en-US" altLang="pt-BR" sz="2400" dirty="0"/>
+              <a:t> </a:t>
+            </a:r>
+            <a:r>
+              <a:rPr lang="en-US" altLang="pt-BR" sz="2400" dirty="0" err="1"/>
+              <a:t>são</a:t>
+            </a:r>
+            <a:r>
+              <a:rPr lang="en-US" altLang="pt-BR" sz="2400" dirty="0"/>
+              <a:t> </a:t>
+            </a:r>
+            <a:r>
+              <a:rPr lang="en-US" altLang="pt-BR" sz="2400" dirty="0" err="1"/>
+              <a:t>bem</a:t>
+            </a:r>
+            <a:r>
+              <a:rPr lang="en-US" altLang="pt-BR" sz="2400" dirty="0"/>
+              <a:t> </a:t>
+            </a:r>
+            <a:r>
+              <a:rPr lang="en-US" altLang="pt-BR" sz="2400" dirty="0" err="1"/>
+              <a:t>atrativos</a:t>
+            </a:r>
+            <a:r>
+              <a:rPr lang="en-US" altLang="pt-BR" sz="2400" dirty="0"/>
+              <a:t> para </a:t>
+            </a:r>
+            <a:r>
+              <a:rPr lang="en-US" altLang="pt-BR" sz="2400" dirty="0" err="1"/>
+              <a:t>ataques</a:t>
+            </a:r>
+            <a:r>
+              <a:rPr lang="en-US" altLang="pt-BR" sz="2400" dirty="0"/>
+              <a:t>:</a:t>
+            </a:r>
+          </a:p>
+          <a:p>
+            <a:pPr>
+              <a:lnSpc>
+                <a:spcPct val="80000"/>
+              </a:lnSpc>
+            </a:pPr>
+            <a:endParaRPr lang="en-US" altLang="pt-BR" sz="2400" dirty="0"/>
+          </a:p>
+          <a:p>
+            <a:pPr lvl="1">
+              <a:lnSpc>
+                <a:spcPct val="80000"/>
+              </a:lnSpc>
+              <a:buFont typeface="Arial" panose="020B0604020202020204" pitchFamily="34" charset="0"/>
+              <a:buChar char="•"/>
+            </a:pPr>
+            <a:r>
+              <a:rPr lang="en-US" altLang="pt-BR" sz="2400" dirty="0" err="1"/>
+              <a:t>Pessoas</a:t>
+            </a:r>
+            <a:r>
+              <a:rPr lang="en-US" altLang="pt-BR" sz="2400" dirty="0"/>
+              <a:t> </a:t>
+            </a:r>
+            <a:r>
+              <a:rPr lang="en-US" altLang="pt-BR" sz="2400" dirty="0" err="1"/>
+              <a:t>armazenam</a:t>
+            </a:r>
+            <a:r>
+              <a:rPr lang="en-US" altLang="pt-BR" sz="2400" dirty="0"/>
+              <a:t> </a:t>
+            </a:r>
+            <a:r>
+              <a:rPr lang="en-US" altLang="pt-BR" sz="2400" dirty="0" err="1"/>
+              <a:t>muitas</a:t>
+            </a:r>
+            <a:r>
+              <a:rPr lang="en-US" altLang="pt-BR" sz="2400" dirty="0"/>
+              <a:t> </a:t>
+            </a:r>
+            <a:r>
+              <a:rPr lang="en-US" altLang="pt-BR" sz="2400" dirty="0" err="1"/>
+              <a:t>informações</a:t>
+            </a:r>
+            <a:r>
+              <a:rPr lang="en-US" altLang="pt-BR" sz="2400" dirty="0"/>
+              <a:t> </a:t>
+            </a:r>
+            <a:r>
+              <a:rPr lang="en-US" altLang="pt-BR" sz="2400" dirty="0" err="1"/>
+              <a:t>pessoais</a:t>
+            </a:r>
+            <a:r>
+              <a:rPr lang="en-US" altLang="pt-BR" sz="2400" dirty="0"/>
+              <a:t> </a:t>
+            </a:r>
+            <a:r>
+              <a:rPr lang="en-US" altLang="pt-BR" sz="2400" dirty="0" err="1"/>
+              <a:t>nos</a:t>
+            </a:r>
+            <a:r>
+              <a:rPr lang="en-US" altLang="pt-BR" sz="2400" dirty="0"/>
+              <a:t> </a:t>
+            </a:r>
+            <a:r>
+              <a:rPr lang="en-US" altLang="pt-BR" sz="2400" dirty="0" err="1"/>
+              <a:t>celulares</a:t>
+            </a:r>
+            <a:r>
+              <a:rPr lang="en-US" altLang="pt-BR" sz="2400" dirty="0"/>
+              <a:t> : email, </a:t>
+            </a:r>
+            <a:r>
+              <a:rPr lang="en-US" altLang="pt-BR" sz="2400" dirty="0" err="1"/>
+              <a:t>contatos</a:t>
+            </a:r>
+            <a:r>
+              <a:rPr lang="en-US" altLang="pt-BR" sz="2400" dirty="0"/>
+              <a:t>, </a:t>
+            </a:r>
+            <a:r>
+              <a:rPr lang="en-US" altLang="pt-BR" sz="2400" dirty="0" err="1"/>
+              <a:t>fotos</a:t>
+            </a:r>
+            <a:r>
+              <a:rPr lang="en-US" altLang="pt-BR" sz="2400" dirty="0"/>
+              <a:t>, </a:t>
+            </a:r>
+            <a:r>
+              <a:rPr lang="en-US" altLang="pt-BR" sz="2400" dirty="0" err="1"/>
+              <a:t>etc</a:t>
+            </a:r>
+            <a:r>
+              <a:rPr lang="en-US" altLang="pt-BR" sz="2400" dirty="0"/>
+              <a:t>…</a:t>
+            </a:r>
+          </a:p>
+          <a:p>
+            <a:pPr lvl="1">
+              <a:lnSpc>
+                <a:spcPct val="80000"/>
+              </a:lnSpc>
+              <a:buFont typeface="Arial" panose="020B0604020202020204" pitchFamily="34" charset="0"/>
+              <a:buChar char="•"/>
+            </a:pPr>
+            <a:r>
+              <a:rPr lang="en-US" altLang="pt-BR" sz="2400" dirty="0" err="1"/>
+              <a:t>Informações</a:t>
+            </a:r>
+            <a:r>
+              <a:rPr lang="en-US" altLang="pt-BR" sz="2400" dirty="0"/>
+              <a:t> </a:t>
+            </a:r>
+            <a:r>
+              <a:rPr lang="en-US" altLang="pt-BR" sz="2400" dirty="0" err="1"/>
+              <a:t>organizacionais</a:t>
+            </a:r>
+            <a:r>
+              <a:rPr lang="en-US" altLang="pt-BR" sz="2400" dirty="0"/>
+              <a:t> </a:t>
+            </a:r>
+            <a:r>
+              <a:rPr lang="en-US" altLang="pt-BR" sz="2400" dirty="0" err="1"/>
+              <a:t>também</a:t>
+            </a:r>
+            <a:r>
+              <a:rPr lang="en-US" altLang="pt-BR" sz="2400" dirty="0"/>
+              <a:t> </a:t>
+            </a:r>
+            <a:r>
+              <a:rPr lang="en-US" altLang="pt-BR" sz="2400" dirty="0" err="1"/>
+              <a:t>estão</a:t>
+            </a:r>
+            <a:r>
+              <a:rPr lang="en-US" altLang="pt-BR" sz="2400" dirty="0"/>
+              <a:t> </a:t>
+            </a:r>
+            <a:r>
+              <a:rPr lang="en-US" altLang="pt-BR" sz="2400" dirty="0" err="1"/>
+              <a:t>sendo</a:t>
+            </a:r>
+            <a:r>
+              <a:rPr lang="en-US" altLang="pt-BR" sz="2400" dirty="0"/>
+              <a:t> </a:t>
+            </a:r>
+            <a:r>
+              <a:rPr lang="en-US" altLang="pt-BR" sz="2400" dirty="0" err="1"/>
+              <a:t>armazenadas</a:t>
+            </a:r>
+            <a:endParaRPr lang="en-US" altLang="pt-BR" sz="2400" dirty="0"/>
+          </a:p>
+          <a:p>
+            <a:pPr lvl="1">
+              <a:lnSpc>
+                <a:spcPct val="80000"/>
+              </a:lnSpc>
+              <a:buFont typeface="Arial" panose="020B0604020202020204" pitchFamily="34" charset="0"/>
+              <a:buChar char="•"/>
+            </a:pPr>
+            <a:r>
+              <a:rPr lang="en-US" altLang="pt-BR" sz="2400" dirty="0" err="1"/>
+              <a:t>Fácil</a:t>
+            </a:r>
+            <a:r>
+              <a:rPr lang="en-US" altLang="pt-BR" sz="2400" dirty="0"/>
+              <a:t> de </a:t>
+            </a:r>
+            <a:r>
+              <a:rPr lang="en-US" altLang="pt-BR" sz="2400" dirty="0" err="1"/>
+              <a:t>perder</a:t>
+            </a:r>
+            <a:r>
+              <a:rPr lang="en-US" altLang="pt-BR" sz="2400" dirty="0"/>
+              <a:t> </a:t>
+            </a:r>
+            <a:r>
+              <a:rPr lang="en-US" altLang="pt-BR" sz="2400" dirty="0" err="1"/>
+              <a:t>ou</a:t>
+            </a:r>
+            <a:r>
+              <a:rPr lang="en-US" altLang="pt-BR" sz="2400" dirty="0"/>
+              <a:t> </a:t>
+            </a:r>
+            <a:r>
+              <a:rPr lang="en-US" altLang="pt-BR" sz="2400" dirty="0" err="1"/>
+              <a:t>ser</a:t>
+            </a:r>
+            <a:r>
+              <a:rPr lang="en-US" altLang="pt-BR" sz="2400" dirty="0"/>
+              <a:t> </a:t>
+            </a:r>
+            <a:r>
+              <a:rPr lang="en-US" altLang="pt-BR" sz="2400" dirty="0" err="1"/>
+              <a:t>roubado</a:t>
+            </a:r>
+            <a:endParaRPr lang="en-US" altLang="pt-BR" sz="2400" dirty="0"/>
+          </a:p>
+          <a:p>
+            <a:pPr lvl="1">
+              <a:lnSpc>
+                <a:spcPct val="80000"/>
+              </a:lnSpc>
+              <a:buFont typeface="Arial" panose="020B0604020202020204" pitchFamily="34" charset="0"/>
+              <a:buChar char="•"/>
+            </a:pPr>
+            <a:r>
+              <a:rPr lang="en-US" altLang="pt-BR" sz="2400" dirty="0" err="1"/>
+              <a:t>Aplicações</a:t>
+            </a:r>
+            <a:r>
+              <a:rPr lang="en-US" altLang="pt-BR" sz="2400" dirty="0"/>
+              <a:t> que </a:t>
+            </a:r>
+            <a:r>
+              <a:rPr lang="en-US" altLang="pt-BR" sz="2400" dirty="0" err="1"/>
+              <a:t>realizam</a:t>
+            </a:r>
+            <a:r>
+              <a:rPr lang="en-US" altLang="pt-BR" sz="2400" dirty="0"/>
+              <a:t> </a:t>
+            </a:r>
+            <a:r>
+              <a:rPr lang="en-US" altLang="pt-BR" sz="2400" dirty="0" err="1"/>
+              <a:t>compras</a:t>
+            </a:r>
+            <a:r>
+              <a:rPr lang="en-US" altLang="pt-BR" sz="2400" dirty="0"/>
+              <a:t>/</a:t>
+            </a:r>
+            <a:r>
+              <a:rPr lang="en-US" altLang="pt-BR" sz="2400" dirty="0" err="1"/>
+              <a:t>transações</a:t>
+            </a:r>
+            <a:r>
+              <a:rPr lang="en-US" altLang="pt-BR" sz="2400" dirty="0"/>
+              <a:t> </a:t>
+            </a:r>
+            <a:r>
+              <a:rPr lang="en-US" altLang="pt-BR" sz="2400" dirty="0" err="1"/>
+              <a:t>bancárias</a:t>
+            </a:r>
+            <a:endParaRPr lang="en-US" altLang="pt-BR" sz="2400" dirty="0"/>
+          </a:p>
+        </p:txBody>
+      </p:sp>
+    </p:spTree>
+    <p:extLst>
+      <p:ext uri="{BB962C8B-B14F-4D97-AF65-F5344CB8AC3E}">
+        <p14:creationId xmlns:p14="http://schemas.microsoft.com/office/powerpoint/2010/main" val="4068946135"/>
+      </p:ext>
+    </p:extLst>
+  </p:cSld>
+  <p:clrMapOvr>
+    <a:masterClrMapping/>
+  </p:clrMapOvr>
+</p:sld>
+</file>
+
+<file path=ppt/slides/slide4.xml><?xml version="1.0" encoding="utf-8"?>
+<p:sld xmlns:a="http://schemas.openxmlformats.org/drawingml/2006/main" xmlns:r="http://schemas.openxmlformats.org/officeDocument/2006/relationships" xmlns:p="http://schemas.openxmlformats.org/presentationml/2006/main">
+  <p:cSld>
+    <p:spTree>
+      <p:nvGrpSpPr>
+        <p:cNvPr id="1" name=""/>
+        <p:cNvGrpSpPr/>
+        <p:nvPr/>
+      </p:nvGrpSpPr>
+      <p:grpSpPr>
+        <a:xfrm>
+          <a:off x="0" y="0"/>
+          <a:ext cx="0" cy="0"/>
+          <a:chOff x="0" y="0"/>
+          <a:chExt cx="0" cy="0"/>
+        </a:xfrm>
+      </p:grpSpPr>
+      <p:sp>
+        <p:nvSpPr>
+          <p:cNvPr id="2" name="Título 1"/>
+          <p:cNvSpPr>
+            <a:spLocks noGrp="1"/>
+          </p:cNvSpPr>
+          <p:nvPr>
+            <p:ph type="title"/>
+          </p:nvPr>
+        </p:nvSpPr>
+        <p:spPr>
+          <a:xfrm>
+            <a:off x="429928" y="209863"/>
+            <a:ext cx="6348335" cy="759684"/>
+          </a:xfrm>
+        </p:spPr>
+        <p:txBody>
+          <a:bodyPr/>
+          <a:lstStyle/>
+          <a:p>
+            <a:r>
+              <a:rPr lang="en-US" dirty="0" err="1"/>
+              <a:t>Porque</a:t>
+            </a:r>
+            <a:r>
+              <a:rPr lang="en-US" dirty="0"/>
+              <a:t> </a:t>
+            </a:r>
+            <a:r>
+              <a:rPr lang="en-US" dirty="0" err="1"/>
+              <a:t>devemos</a:t>
+            </a:r>
+            <a:r>
+              <a:rPr lang="en-US" dirty="0"/>
+              <a:t> </a:t>
+            </a:r>
+            <a:r>
+              <a:rPr lang="en-US" dirty="0" err="1"/>
+              <a:t>entender</a:t>
+            </a:r>
+            <a:r>
+              <a:rPr lang="en-US" dirty="0"/>
+              <a:t> o </a:t>
+            </a:r>
+            <a:r>
+              <a:rPr lang="en-US" dirty="0" err="1"/>
+              <a:t>modelo</a:t>
+            </a:r>
+            <a:r>
+              <a:rPr lang="en-US" dirty="0"/>
+              <a:t> de </a:t>
+            </a:r>
+            <a:r>
+              <a:rPr lang="en-US" dirty="0" err="1"/>
+              <a:t>segurança</a:t>
+            </a:r>
+            <a:r>
+              <a:rPr lang="en-US" dirty="0"/>
+              <a:t>?</a:t>
+            </a:r>
+            <a:endParaRPr lang="pt-BR" dirty="0"/>
+          </a:p>
+        </p:txBody>
+      </p:sp>
+      <p:sp>
+        <p:nvSpPr>
+          <p:cNvPr id="3" name="Espaço Reservado para Conteúdo 2"/>
+          <p:cNvSpPr>
+            <a:spLocks noGrp="1"/>
+          </p:cNvSpPr>
+          <p:nvPr>
+            <p:ph idx="1"/>
+          </p:nvPr>
+        </p:nvSpPr>
+        <p:spPr/>
+        <p:txBody>
+          <a:bodyPr/>
+          <a:lstStyle/>
+          <a:p>
+            <a:r>
+              <a:rPr lang="pt-BR" dirty="0"/>
+              <a:t>1 a cada 10 </a:t>
+            </a:r>
+            <a:r>
+              <a:rPr lang="pt-BR" dirty="0" err="1"/>
+              <a:t>apps</a:t>
+            </a:r>
+            <a:r>
+              <a:rPr lang="pt-BR" dirty="0"/>
+              <a:t> no </a:t>
+            </a:r>
+            <a:r>
+              <a:rPr lang="pt-BR" dirty="0" err="1"/>
+              <a:t>Android</a:t>
+            </a:r>
+            <a:r>
+              <a:rPr lang="pt-BR" dirty="0"/>
+              <a:t> é classificado como malicioso (Total de 24,4 milhões de amostras)</a:t>
+            </a:r>
+            <a:endParaRPr lang="en-US" dirty="0"/>
+          </a:p>
+          <a:p>
+            <a:endParaRPr lang="pt-BR" dirty="0"/>
+          </a:p>
+          <a:p>
+            <a:endParaRPr lang="pt-BR" dirty="0"/>
+          </a:p>
+        </p:txBody>
+      </p:sp>
+      <p:pic>
+        <p:nvPicPr>
+          <p:cNvPr id="4" name="Picture 2"/>
+          <p:cNvPicPr>
+            <a:picLocks noChangeAspect="1" noChangeArrowheads="1"/>
+          </p:cNvPicPr>
+          <p:nvPr/>
+        </p:nvPicPr>
+        <p:blipFill>
+          <a:blip r:embed="rId2">
+            <a:extLst>
+              <a:ext uri="{28A0092B-C50C-407E-A947-70E740481C1C}">
+                <a14:useLocalDpi xmlns:a14="http://schemas.microsoft.com/office/drawing/2010/main" val="0"/>
+              </a:ext>
+            </a:extLst>
+          </a:blip>
+          <a:srcRect/>
+          <a:stretch>
+            <a:fillRect/>
+          </a:stretch>
+        </p:blipFill>
+        <p:spPr bwMode="auto">
+          <a:xfrm>
+            <a:off x="1539645" y="2120145"/>
+            <a:ext cx="5134765" cy="3550952"/>
+          </a:xfrm>
+          <a:prstGeom prst="rect">
+            <a:avLst/>
+          </a:prstGeom>
+          <a:noFill/>
+          <a:ln>
+            <a:noFill/>
+          </a:ln>
+          <a:extLst>
+            <a:ext uri="{909E8E84-426E-40DD-AFC4-6F175D3DCCD1}">
+              <a14:hiddenFill xmlns:a14="http://schemas.microsoft.com/office/drawing/2010/main">
+                <a:solidFill>
+                  <a:schemeClr val="accent1"/>
+                </a:solidFill>
+              </a14:hiddenFill>
+            </a:ext>
+            <a:ext uri="{91240B29-F687-4F45-9708-019B960494DF}">
+              <a14:hiddenLine xmlns:a14="http://schemas.microsoft.com/office/drawing/2010/main" w="9525">
+                <a:solidFill>
+                  <a:schemeClr val="tx1"/>
+                </a:solidFill>
+                <a:miter lim="800000"/>
+                <a:headEnd/>
+                <a:tailEnd/>
+              </a14:hiddenLine>
+            </a:ext>
+          </a:extLst>
+        </p:spPr>
+      </p:pic>
+    </p:spTree>
+    <p:extLst>
+      <p:ext uri="{BB962C8B-B14F-4D97-AF65-F5344CB8AC3E}">
+        <p14:creationId xmlns:p14="http://schemas.microsoft.com/office/powerpoint/2010/main" val="562468294"/>
+      </p:ext>
+    </p:extLst>
+  </p:cSld>
+  <p:clrMapOvr>
+    <a:masterClrMapping/>
+  </p:clrMapOvr>
+</p:sld>
+</file>
+
+<file path=ppt/slides/slide5.xml><?xml version="1.0" encoding="utf-8"?>
+<p:sld xmlns:a="http://schemas.openxmlformats.org/drawingml/2006/main" xmlns:r="http://schemas.openxmlformats.org/officeDocument/2006/relationships" xmlns:p="http://schemas.openxmlformats.org/presentationml/2006/main">
+  <p:cSld>
+    <p:spTree>
+      <p:nvGrpSpPr>
+        <p:cNvPr id="1" name=""/>
+        <p:cNvGrpSpPr/>
+        <p:nvPr/>
+      </p:nvGrpSpPr>
+      <p:grpSpPr>
+        <a:xfrm>
+          <a:off x="0" y="0"/>
+          <a:ext cx="0" cy="0"/>
+          <a:chOff x="0" y="0"/>
+          <a:chExt cx="0" cy="0"/>
+        </a:xfrm>
+      </p:grpSpPr>
+      <p:sp>
+        <p:nvSpPr>
+          <p:cNvPr id="2" name="Título 1"/>
+          <p:cNvSpPr>
+            <a:spLocks noGrp="1"/>
+          </p:cNvSpPr>
+          <p:nvPr>
+            <p:ph type="title"/>
+          </p:nvPr>
+        </p:nvSpPr>
+        <p:spPr/>
+        <p:txBody>
+          <a:bodyPr/>
+          <a:lstStyle/>
+          <a:p>
+            <a:r>
+              <a:rPr lang="pt-BR" dirty="0"/>
+              <a:t>Porque devemos entender o modelo de segurança?</a:t>
+            </a:r>
+          </a:p>
+        </p:txBody>
+      </p:sp>
+      <p:sp>
+        <p:nvSpPr>
+          <p:cNvPr id="3" name="Espaço Reservado para Conteúdo 2"/>
+          <p:cNvSpPr>
+            <a:spLocks noGrp="1"/>
+          </p:cNvSpPr>
+          <p:nvPr>
+            <p:ph idx="1"/>
+          </p:nvPr>
+        </p:nvSpPr>
+        <p:spPr/>
+        <p:txBody>
+          <a:bodyPr/>
+          <a:lstStyle/>
+          <a:p>
+            <a:r>
+              <a:rPr lang="pt-BR" dirty="0"/>
+              <a:t>Aumento de 600% nos últimos anos</a:t>
+            </a:r>
+          </a:p>
+        </p:txBody>
+      </p:sp>
+      <p:pic>
+        <p:nvPicPr>
+          <p:cNvPr id="4" name="Picture 2" descr="QQ截图20140724134537.jpg"/>
+          <p:cNvPicPr>
+            <a:picLocks noChangeAspect="1" noChangeArrowheads="1"/>
+          </p:cNvPicPr>
+          <p:nvPr/>
+        </p:nvPicPr>
+        <p:blipFill>
+          <a:blip r:embed="rId2">
+            <a:extLst>
+              <a:ext uri="{28A0092B-C50C-407E-A947-70E740481C1C}">
+                <a14:useLocalDpi xmlns:a14="http://schemas.microsoft.com/office/drawing/2010/main" val="0"/>
+              </a:ext>
+            </a:extLst>
+          </a:blip>
+          <a:srcRect/>
+          <a:stretch>
+            <a:fillRect/>
+          </a:stretch>
+        </p:blipFill>
+        <p:spPr bwMode="auto">
+          <a:xfrm>
+            <a:off x="990600" y="1828800"/>
+            <a:ext cx="6172200" cy="4129975"/>
+          </a:xfrm>
+          <a:prstGeom prst="rect">
+            <a:avLst/>
+          </a:prstGeom>
+          <a:noFill/>
+          <a:extLst>
+            <a:ext uri="{909E8E84-426E-40DD-AFC4-6F175D3DCCD1}">
+              <a14:hiddenFill xmlns:a14="http://schemas.microsoft.com/office/drawing/2010/main">
+                <a:solidFill>
+                  <a:srgbClr val="FFFFFF"/>
+                </a:solidFill>
+              </a14:hiddenFill>
+            </a:ext>
+          </a:extLst>
+        </p:spPr>
+      </p:pic>
+    </p:spTree>
+    <p:extLst>
+      <p:ext uri="{BB962C8B-B14F-4D97-AF65-F5344CB8AC3E}">
+        <p14:creationId xmlns:p14="http://schemas.microsoft.com/office/powerpoint/2010/main" val="1419622145"/>
+      </p:ext>
+    </p:extLst>
+  </p:cSld>
+  <p:clrMapOvr>
+    <a:masterClrMapping/>
+  </p:clrMapOvr>
+</p:sld>
+</file>
+
+<file path=ppt/slides/slide6.xml><?xml version="1.0" encoding="utf-8"?>
+<p:sld xmlns:a="http://schemas.openxmlformats.org/drawingml/2006/main" xmlns:r="http://schemas.openxmlformats.org/officeDocument/2006/relationships" xmlns:p="http://schemas.openxmlformats.org/presentationml/2006/main">
+  <p:cSld>
+    <p:spTree>
+      <p:nvGrpSpPr>
+        <p:cNvPr id="1" name=""/>
+        <p:cNvGrpSpPr/>
+        <p:nvPr/>
+      </p:nvGrpSpPr>
+      <p:grpSpPr>
+        <a:xfrm>
+          <a:off x="0" y="0"/>
+          <a:ext cx="0" cy="0"/>
+          <a:chOff x="0" y="0"/>
+          <a:chExt cx="0" cy="0"/>
+        </a:xfrm>
+      </p:grpSpPr>
+      <p:sp>
+        <p:nvSpPr>
+          <p:cNvPr id="2" name="Título 1"/>
+          <p:cNvSpPr>
+            <a:spLocks noGrp="1"/>
+          </p:cNvSpPr>
+          <p:nvPr>
+            <p:ph type="title"/>
+          </p:nvPr>
+        </p:nvSpPr>
+        <p:spPr/>
+        <p:txBody>
+          <a:bodyPr/>
+          <a:lstStyle/>
+          <a:p>
+            <a:r>
+              <a:rPr lang="pt-BR" dirty="0"/>
+              <a:t>Porque devemos entender o modelo de segurança?</a:t>
+            </a:r>
+          </a:p>
+        </p:txBody>
+      </p:sp>
+      <p:pic>
+        <p:nvPicPr>
+          <p:cNvPr id="4" name="Espaço Reservado para Conteúdo 3"/>
+          <p:cNvPicPr>
+            <a:picLocks noGrp="1" noChangeAspect="1"/>
+          </p:cNvPicPr>
+          <p:nvPr>
+            <p:ph idx="1"/>
+          </p:nvPr>
+        </p:nvPicPr>
+        <p:blipFill>
+          <a:blip r:embed="rId2">
+            <a:extLst>
+              <a:ext uri="{28A0092B-C50C-407E-A947-70E740481C1C}">
+                <a14:useLocalDpi xmlns:a14="http://schemas.microsoft.com/office/drawing/2010/main" val="0"/>
+              </a:ext>
+            </a:extLst>
+          </a:blip>
+          <a:stretch>
+            <a:fillRect/>
+          </a:stretch>
+        </p:blipFill>
+        <p:spPr>
+          <a:xfrm>
+            <a:off x="685800" y="1219200"/>
+            <a:ext cx="6553200" cy="5031368"/>
+          </a:xfrm>
+        </p:spPr>
+      </p:pic>
+    </p:spTree>
+    <p:extLst>
+      <p:ext uri="{BB962C8B-B14F-4D97-AF65-F5344CB8AC3E}">
+        <p14:creationId xmlns:p14="http://schemas.microsoft.com/office/powerpoint/2010/main" val="3841348497"/>
+      </p:ext>
+    </p:extLst>
+  </p:cSld>
+  <p:clrMapOvr>
+    <a:masterClrMapping/>
+  </p:clrMapOvr>
+</p:sld>
+</file>
+
+<file path=ppt/slides/slide7.xml><?xml version="1.0" encoding="utf-8"?>
+<p:sld xmlns:a="http://schemas.openxmlformats.org/drawingml/2006/main" xmlns:r="http://schemas.openxmlformats.org/officeDocument/2006/relationships" xmlns:p="http://schemas.openxmlformats.org/presentationml/2006/main">
+  <p:cSld>
+    <p:spTree>
+      <p:nvGrpSpPr>
+        <p:cNvPr id="1" name=""/>
+        <p:cNvGrpSpPr/>
+        <p:nvPr/>
+      </p:nvGrpSpPr>
+      <p:grpSpPr>
+        <a:xfrm>
+          <a:off x="0" y="0"/>
+          <a:ext cx="0" cy="0"/>
+          <a:chOff x="0" y="0"/>
+          <a:chExt cx="0" cy="0"/>
+        </a:xfrm>
+      </p:grpSpPr>
+      <p:sp>
+        <p:nvSpPr>
+          <p:cNvPr id="3" name="Content Placeholder 2"/>
+          <p:cNvSpPr>
+            <a:spLocks noGrp="1"/>
+          </p:cNvSpPr>
+          <p:nvPr>
+            <p:ph sz="half" idx="1"/>
+          </p:nvPr>
+        </p:nvSpPr>
+        <p:spPr>
+          <a:xfrm>
+            <a:off x="381000" y="1676399"/>
+            <a:ext cx="4343400" cy="4297363"/>
+          </a:xfrm>
+        </p:spPr>
+        <p:txBody>
+          <a:bodyPr>
+            <a:normAutofit/>
+          </a:bodyPr>
+          <a:lstStyle/>
+          <a:p>
+            <a:pPr marL="0" indent="0">
+              <a:lnSpc>
+                <a:spcPct val="150000"/>
+              </a:lnSpc>
+              <a:buNone/>
+            </a:pPr>
+            <a:endParaRPr lang="en-US" sz="2400" dirty="0"/>
+          </a:p>
+          <a:p>
+            <a:pPr>
+              <a:lnSpc>
+                <a:spcPct val="150000"/>
+              </a:lnSpc>
+            </a:pPr>
+            <a:r>
+              <a:rPr lang="en-US" sz="2400" dirty="0" err="1"/>
+              <a:t>Plataforma</a:t>
+            </a:r>
+            <a:r>
+              <a:rPr lang="en-US" sz="2400" dirty="0"/>
+              <a:t> Open Source</a:t>
+            </a:r>
+          </a:p>
+          <a:p>
+            <a:pPr>
+              <a:lnSpc>
+                <a:spcPct val="150000"/>
+              </a:lnSpc>
+            </a:pPr>
+            <a:r>
+              <a:rPr lang="en-US" sz="2400" b="1" dirty="0" err="1"/>
+              <a:t>Você</a:t>
+            </a:r>
+            <a:r>
+              <a:rPr lang="en-US" sz="2400" b="1" dirty="0"/>
+              <a:t> </a:t>
+            </a:r>
+            <a:r>
+              <a:rPr lang="en-US" sz="2400" b="1" dirty="0" err="1"/>
+              <a:t>controla</a:t>
+            </a:r>
+            <a:r>
+              <a:rPr lang="en-US" sz="2400" b="1" dirty="0"/>
+              <a:t> as </a:t>
+            </a:r>
+            <a:r>
+              <a:rPr lang="en-US" sz="2400" b="1" dirty="0" err="1"/>
+              <a:t>permissões</a:t>
+            </a:r>
+            <a:r>
+              <a:rPr lang="en-US" sz="2400" b="1" dirty="0"/>
+              <a:t> do </a:t>
+            </a:r>
+            <a:r>
+              <a:rPr lang="en-US" sz="2400" b="1" dirty="0" err="1"/>
+              <a:t>seu</a:t>
+            </a:r>
+            <a:r>
+              <a:rPr lang="en-US" sz="2400" b="1" dirty="0"/>
+              <a:t> </a:t>
+            </a:r>
+            <a:r>
+              <a:rPr lang="en-US" sz="2400" b="1" dirty="0" err="1"/>
+              <a:t>dispositivo</a:t>
+            </a:r>
+            <a:r>
+              <a:rPr lang="en-US" sz="2400" b="1" dirty="0"/>
+              <a:t>!!</a:t>
+            </a:r>
+          </a:p>
+          <a:p>
+            <a:pPr>
+              <a:lnSpc>
+                <a:spcPct val="150000"/>
+              </a:lnSpc>
+            </a:pPr>
+            <a:r>
+              <a:rPr lang="en-US" sz="2400" b="1" dirty="0">
+                <a:solidFill>
+                  <a:schemeClr val="accent1">
+                    <a:lumMod val="75000"/>
+                  </a:schemeClr>
+                </a:solidFill>
+              </a:rPr>
+              <a:t>Facebook</a:t>
+            </a:r>
+            <a:r>
+              <a:rPr lang="en-US" sz="2400" dirty="0"/>
+              <a:t> app </a:t>
+            </a:r>
+            <a:r>
+              <a:rPr lang="en-US" sz="2400" dirty="0" err="1"/>
+              <a:t>ao</a:t>
+            </a:r>
+            <a:r>
+              <a:rPr lang="en-US" sz="2400" dirty="0"/>
+              <a:t> </a:t>
+            </a:r>
+            <a:r>
+              <a:rPr lang="en-US" sz="2400" dirty="0" err="1"/>
+              <a:t>lado</a:t>
+            </a:r>
+            <a:r>
+              <a:rPr lang="en-US" sz="2400" dirty="0"/>
+              <a:t> -&gt;</a:t>
+            </a:r>
+          </a:p>
+          <a:p>
+            <a:pPr>
+              <a:lnSpc>
+                <a:spcPct val="150000"/>
+              </a:lnSpc>
+            </a:pPr>
+            <a:endParaRPr lang="en-US" sz="2400" dirty="0"/>
+          </a:p>
+          <a:p>
+            <a:pPr>
+              <a:buNone/>
+            </a:pPr>
+            <a:endParaRPr lang="en-US" dirty="0"/>
+          </a:p>
+        </p:txBody>
+      </p:sp>
+      <p:sp>
+        <p:nvSpPr>
+          <p:cNvPr id="4" name="Título 3"/>
+          <p:cNvSpPr>
+            <a:spLocks noGrp="1"/>
+          </p:cNvSpPr>
+          <p:nvPr>
+            <p:ph type="title"/>
+          </p:nvPr>
+        </p:nvSpPr>
+        <p:spPr/>
+        <p:txBody>
+          <a:bodyPr/>
+          <a:lstStyle/>
+          <a:p>
+            <a:r>
+              <a:rPr lang="pt-BR" dirty="0"/>
+              <a:t>Porque devemos entender o modelo de segurança?</a:t>
+            </a:r>
+          </a:p>
+        </p:txBody>
+      </p:sp>
+      <p:pic>
+        <p:nvPicPr>
+          <p:cNvPr id="7" name="Espaço Reservado para Conteúdo 6"/>
+          <p:cNvPicPr>
+            <a:picLocks noGrp="1" noChangeAspect="1"/>
+          </p:cNvPicPr>
+          <p:nvPr>
+            <p:ph sz="half" idx="2"/>
+          </p:nvPr>
+        </p:nvPicPr>
+        <p:blipFill>
+          <a:blip r:embed="rId3" cstate="print">
+            <a:extLst>
+              <a:ext uri="{28A0092B-C50C-407E-A947-70E740481C1C}">
+                <a14:useLocalDpi xmlns:a14="http://schemas.microsoft.com/office/drawing/2010/main" val="0"/>
+              </a:ext>
+            </a:extLst>
+          </a:blip>
+          <a:stretch>
+            <a:fillRect/>
+          </a:stretch>
+        </p:blipFill>
+        <p:spPr>
+          <a:xfrm>
+            <a:off x="5562600" y="1447800"/>
+            <a:ext cx="2545854" cy="4525963"/>
+          </a:xfrm>
+        </p:spPr>
+      </p:pic>
+    </p:spTree>
+  </p:cSld>
+  <p:clrMapOvr>
+    <a:masterClrMapping/>
+  </p:clrMapOvr>
+</p:sld>
+</file>
+
+<file path=ppt/slides/slide8.xml><?xml version="1.0" encoding="utf-8"?>
+<p:sld xmlns:a="http://schemas.openxmlformats.org/drawingml/2006/main" xmlns:r="http://schemas.openxmlformats.org/officeDocument/2006/relationships" xmlns:p="http://schemas.openxmlformats.org/presentationml/2006/main">
+  <p:cSld>
+    <p:spTree>
+      <p:nvGrpSpPr>
+        <p:cNvPr id="1" name=""/>
+        <p:cNvGrpSpPr/>
+        <p:nvPr/>
+      </p:nvGrpSpPr>
+      <p:grpSpPr>
+        <a:xfrm>
+          <a:off x="0" y="0"/>
+          <a:ext cx="0" cy="0"/>
+          <a:chOff x="0" y="0"/>
+          <a:chExt cx="0" cy="0"/>
+        </a:xfrm>
+      </p:grpSpPr>
+      <p:sp>
+        <p:nvSpPr>
+          <p:cNvPr id="4" name="Title 3"/>
+          <p:cNvSpPr>
+            <a:spLocks noGrp="1"/>
+          </p:cNvSpPr>
+          <p:nvPr>
+            <p:ph type="title"/>
+          </p:nvPr>
+        </p:nvSpPr>
+        <p:spPr>
+          <a:xfrm>
+            <a:off x="457200" y="152400"/>
+            <a:ext cx="8229600" cy="868362"/>
+          </a:xfrm>
+        </p:spPr>
+        <p:txBody>
+          <a:bodyPr/>
+          <a:lstStyle/>
+          <a:p>
+            <a:r>
+              <a:rPr lang="en-US" dirty="0" err="1"/>
+              <a:t>Arquitetura</a:t>
+            </a:r>
+            <a:r>
+              <a:rPr lang="en-US" dirty="0"/>
+              <a:t> do SO Android</a:t>
+            </a:r>
+          </a:p>
+        </p:txBody>
+      </p:sp>
+      <p:pic>
+        <p:nvPicPr>
+          <p:cNvPr id="1026" name="Picture 2" descr="Android System Architecture"/>
+          <p:cNvPicPr>
+            <a:picLocks noChangeAspect="1" noChangeArrowheads="1"/>
+          </p:cNvPicPr>
+          <p:nvPr/>
+        </p:nvPicPr>
+        <p:blipFill>
+          <a:blip r:embed="rId3" cstate="print"/>
+          <a:srcRect/>
+          <a:stretch>
+            <a:fillRect/>
+          </a:stretch>
+        </p:blipFill>
+        <p:spPr bwMode="auto">
+          <a:xfrm>
+            <a:off x="838200" y="1066800"/>
+            <a:ext cx="7315200" cy="5252992"/>
+          </a:xfrm>
+          <a:prstGeom prst="rect">
+            <a:avLst/>
+          </a:prstGeom>
+          <a:noFill/>
+        </p:spPr>
+      </p:pic>
+      <p:sp>
+        <p:nvSpPr>
+          <p:cNvPr id="6" name="TextBox 5"/>
+          <p:cNvSpPr txBox="1"/>
+          <p:nvPr/>
+        </p:nvSpPr>
+        <p:spPr>
+          <a:xfrm>
+            <a:off x="762000" y="6400800"/>
+            <a:ext cx="5638800" cy="246221"/>
+          </a:xfrm>
+          <a:prstGeom prst="rect">
+            <a:avLst/>
+          </a:prstGeom>
+          <a:noFill/>
+        </p:spPr>
+        <p:txBody>
+          <a:bodyPr wrap="square" rtlCol="0">
+            <a:spAutoFit/>
+          </a:bodyPr>
+          <a:lstStyle/>
+          <a:p>
+            <a:r>
+              <a:rPr lang="en-US" sz="1000" dirty="0"/>
+              <a:t>http://developer.android.com/guide/basics/what-is-android.html</a:t>
+            </a:r>
+          </a:p>
+        </p:txBody>
+      </p:sp>
+    </p:spTree>
+  </p:cSld>
+  <p:clrMapOvr>
+    <a:masterClrMapping/>
+  </p:clrMapOvr>
+</p:sld>
+</file>
+
+<file path=ppt/slides/slide9.xml><?xml version="1.0" encoding="utf-8"?>
+<p:sld xmlns:a="http://schemas.openxmlformats.org/drawingml/2006/main" xmlns:r="http://schemas.openxmlformats.org/officeDocument/2006/relationships" xmlns:p="http://schemas.openxmlformats.org/presentationml/2006/main">
+  <p:cSld>
+    <p:spTree>
+      <p:nvGrpSpPr>
+        <p:cNvPr id="1" name=""/>
+        <p:cNvGrpSpPr/>
+        <p:nvPr/>
+      </p:nvGrpSpPr>
+      <p:grpSpPr>
+        <a:xfrm>
+          <a:off x="0" y="0"/>
+          <a:ext cx="0" cy="0"/>
+          <a:chOff x="0" y="0"/>
+          <a:chExt cx="0" cy="0"/>
+        </a:xfrm>
+      </p:grpSpPr>
+      <p:sp>
+        <p:nvSpPr>
+          <p:cNvPr id="2" name="Title 1"/>
+          <p:cNvSpPr>
+            <a:spLocks noGrp="1"/>
+          </p:cNvSpPr>
+          <p:nvPr>
+            <p:ph type="title"/>
+          </p:nvPr>
+        </p:nvSpPr>
+        <p:spPr>
+          <a:xfrm>
+            <a:off x="533400" y="76200"/>
+            <a:ext cx="8229600" cy="1143000"/>
+          </a:xfrm>
+        </p:spPr>
+        <p:txBody>
+          <a:bodyPr/>
+          <a:lstStyle/>
+          <a:p>
+            <a:r>
+              <a:rPr lang="en-US" dirty="0"/>
+              <a:t>Como </a:t>
+            </a:r>
+            <a:r>
+              <a:rPr lang="en-US" dirty="0" err="1"/>
+              <a:t>funcionam</a:t>
+            </a:r>
+            <a:r>
+              <a:rPr lang="en-US" dirty="0"/>
+              <a:t> </a:t>
+            </a:r>
+            <a:r>
+              <a:rPr lang="en-US" dirty="0" err="1"/>
+              <a:t>os</a:t>
+            </a:r>
+            <a:r>
+              <a:rPr lang="en-US" dirty="0"/>
+              <a:t> </a:t>
+            </a:r>
+            <a:r>
+              <a:rPr lang="en-US" dirty="0" err="1"/>
+              <a:t>aplicativos</a:t>
+            </a:r>
+            <a:r>
+              <a:rPr lang="en-US" dirty="0"/>
+              <a:t> Android?</a:t>
+            </a:r>
+          </a:p>
+        </p:txBody>
+      </p:sp>
+      <p:sp>
+        <p:nvSpPr>
+          <p:cNvPr id="6" name="Rectangle 2"/>
+          <p:cNvSpPr txBox="1">
+            <a:spLocks noChangeArrowheads="1"/>
+          </p:cNvSpPr>
+          <p:nvPr/>
+        </p:nvSpPr>
+        <p:spPr>
+          <a:xfrm>
+            <a:off x="152400" y="1600200"/>
+            <a:ext cx="9658350" cy="5480050"/>
+          </a:xfrm>
+          <a:prstGeom prst="rect">
+            <a:avLst/>
+          </a:prstGeom>
+        </p:spPr>
+        <p:txBody>
+          <a:bodyPr vert="horz" lIns="0" tIns="0" rIns="0" bIns="0" rtlCol="0">
+            <a:normAutofit lnSpcReduction="10000"/>
+          </a:bodyPr>
+          <a:lstStyle>
+            <a:lvl1pPr marL="287338" indent="-287338" algn="l" defTabSz="914400" rtl="0" eaLnBrk="1" latinLnBrk="0" hangingPunct="1">
+              <a:spcBef>
+                <a:spcPct val="20000"/>
+              </a:spcBef>
+              <a:buFont typeface="Wingdings" pitchFamily="2" charset="2"/>
+              <a:buChar char="§"/>
+              <a:defRPr sz="2000" kern="1200">
+                <a:solidFill>
+                  <a:schemeClr val="tx2"/>
+                </a:solidFill>
+                <a:latin typeface="+mn-lt"/>
+                <a:ea typeface="+mn-ea"/>
+                <a:cs typeface="+mn-cs"/>
+              </a:defRPr>
+            </a:lvl1pPr>
+            <a:lvl2pPr marL="627063" indent="-287338" algn="l" defTabSz="914400" rtl="0" eaLnBrk="1" latinLnBrk="0" hangingPunct="1">
+              <a:spcBef>
+                <a:spcPct val="20000"/>
+              </a:spcBef>
+              <a:buFont typeface="Arial" pitchFamily="34" charset="0"/>
+              <a:buChar char="–"/>
+              <a:defRPr sz="1800" kern="1200">
+                <a:solidFill>
+                  <a:schemeClr val="tx2"/>
+                </a:solidFill>
+                <a:latin typeface="+mn-lt"/>
+                <a:ea typeface="+mn-ea"/>
+                <a:cs typeface="+mn-cs"/>
+              </a:defRPr>
+            </a:lvl2pPr>
+            <a:lvl3pPr marL="914400" indent="-287338" algn="l" defTabSz="914400" rtl="0" eaLnBrk="1" latinLnBrk="0" hangingPunct="1">
+              <a:spcBef>
+                <a:spcPct val="20000"/>
+              </a:spcBef>
+              <a:buFont typeface="Wingdings" pitchFamily="2" charset="2"/>
+              <a:buChar char="§"/>
+              <a:tabLst/>
+              <a:defRPr sz="1600" kern="1200">
+                <a:solidFill>
+                  <a:schemeClr val="tx2"/>
+                </a:solidFill>
+                <a:latin typeface="+mn-lt"/>
+                <a:ea typeface="+mn-ea"/>
+                <a:cs typeface="+mn-cs"/>
+              </a:defRPr>
+            </a:lvl3pPr>
+            <a:lvl4pPr marL="1314450" indent="-287338" algn="l" defTabSz="914400" rtl="0" eaLnBrk="1" latinLnBrk="0" hangingPunct="1">
+              <a:spcBef>
+                <a:spcPct val="20000"/>
+              </a:spcBef>
+              <a:buFont typeface="Arial" pitchFamily="34" charset="0"/>
+              <a:buChar char="–"/>
+              <a:tabLst/>
+              <a:defRPr sz="1400" kern="1200">
+                <a:solidFill>
+                  <a:schemeClr val="tx2"/>
+                </a:solidFill>
+                <a:latin typeface="+mn-lt"/>
+                <a:ea typeface="+mn-ea"/>
+                <a:cs typeface="+mn-cs"/>
+              </a:defRPr>
+            </a:lvl4pPr>
+            <a:lvl5pPr marL="1601788" indent="-287338" algn="l" defTabSz="914400" rtl="0" eaLnBrk="1" latinLnBrk="0" hangingPunct="1">
+              <a:spcBef>
+                <a:spcPct val="20000"/>
+              </a:spcBef>
+              <a:buFont typeface="Arial" pitchFamily="34" charset="0"/>
+              <a:buChar char="»"/>
+              <a:tabLst/>
+              <a:defRPr sz="1400" kern="1200">
+                <a:solidFill>
+                  <a:schemeClr val="tx2"/>
+                </a:solidFill>
+                <a:latin typeface="+mn-lt"/>
+                <a:ea typeface="+mn-ea"/>
+                <a:cs typeface="+mn-cs"/>
+              </a:defRPr>
+            </a:lvl5pPr>
+            <a:lvl6pPr marL="2514600" indent="-228600" algn="l" defTabSz="914400" rtl="0" eaLnBrk="1" latinLnBrk="0" hangingPunct="1">
+              <a:spcBef>
+                <a:spcPct val="20000"/>
+              </a:spcBef>
+              <a:buFont typeface="Arial" pitchFamily="34" charset="0"/>
+              <a:buChar char="•"/>
+              <a:defRPr sz="2000" kern="1200">
+                <a:solidFill>
+                  <a:schemeClr val="tx1"/>
+                </a:solidFill>
+                <a:latin typeface="+mn-lt"/>
+                <a:ea typeface="+mn-ea"/>
+                <a:cs typeface="+mn-cs"/>
+              </a:defRPr>
+            </a:lvl6pPr>
+            <a:lvl7pPr marL="2971800" indent="-228600" algn="l" defTabSz="914400" rtl="0" eaLnBrk="1" latinLnBrk="0" hangingPunct="1">
+              <a:spcBef>
+                <a:spcPct val="20000"/>
+              </a:spcBef>
+              <a:buFont typeface="Arial" pitchFamily="34" charset="0"/>
+              <a:buChar char="•"/>
+              <a:defRPr sz="2000" kern="1200">
+                <a:solidFill>
+                  <a:schemeClr val="tx1"/>
+                </a:solidFill>
+                <a:latin typeface="+mn-lt"/>
+                <a:ea typeface="+mn-ea"/>
+                <a:cs typeface="+mn-cs"/>
+              </a:defRPr>
+            </a:lvl7pPr>
+            <a:lvl8pPr marL="3429000" indent="-228600" algn="l" defTabSz="914400" rtl="0" eaLnBrk="1" latinLnBrk="0" hangingPunct="1">
+              <a:spcBef>
+                <a:spcPct val="20000"/>
+              </a:spcBef>
+              <a:buFont typeface="Arial" pitchFamily="34" charset="0"/>
+              <a:buChar char="•"/>
+              <a:defRPr sz="2000" kern="1200">
+                <a:solidFill>
+                  <a:schemeClr val="tx1"/>
+                </a:solidFill>
+                <a:latin typeface="+mn-lt"/>
+                <a:ea typeface="+mn-ea"/>
+                <a:cs typeface="+mn-cs"/>
+              </a:defRPr>
+            </a:lvl8pPr>
+            <a:lvl9pPr marL="3886200" indent="-228600" algn="l" defTabSz="914400" rtl="0" eaLnBrk="1" latinLnBrk="0" hangingPunct="1">
+              <a:spcBef>
+                <a:spcPct val="20000"/>
+              </a:spcBef>
+              <a:buFont typeface="Arial" pitchFamily="34" charset="0"/>
+              <a:buChar char="•"/>
+              <a:defRPr sz="2000" kern="1200">
+                <a:solidFill>
+                  <a:schemeClr val="tx1"/>
+                </a:solidFill>
+                <a:latin typeface="+mn-lt"/>
+                <a:ea typeface="+mn-ea"/>
+                <a:cs typeface="+mn-cs"/>
+              </a:defRPr>
+            </a:lvl9pPr>
+          </a:lstStyle>
+          <a:p>
+            <a:pPr>
+              <a:lnSpc>
+                <a:spcPct val="150000"/>
+              </a:lnSpc>
+            </a:pPr>
+            <a:r>
+              <a:rPr lang="en-US" sz="2200" b="1" dirty="0"/>
+              <a:t>Activity</a:t>
+            </a:r>
+            <a:r>
+              <a:rPr lang="en-US" sz="2200" dirty="0"/>
+              <a:t>: Define as </a:t>
+            </a:r>
+            <a:r>
+              <a:rPr lang="en-US" sz="2200" dirty="0" err="1"/>
+              <a:t>telas</a:t>
+            </a:r>
+            <a:r>
+              <a:rPr lang="en-US" sz="2200" dirty="0"/>
+              <a:t>, interface visual</a:t>
+            </a:r>
+          </a:p>
+          <a:p>
+            <a:pPr>
+              <a:lnSpc>
+                <a:spcPct val="150000"/>
+              </a:lnSpc>
+            </a:pPr>
+            <a:r>
+              <a:rPr lang="en-US" sz="2200" b="1" dirty="0"/>
+              <a:t>Service</a:t>
+            </a:r>
+            <a:r>
+              <a:rPr lang="en-US" sz="2200" dirty="0"/>
+              <a:t>: </a:t>
+            </a:r>
+            <a:r>
+              <a:rPr lang="en-US" sz="2200" dirty="0" err="1"/>
+              <a:t>Processo</a:t>
+            </a:r>
+            <a:r>
+              <a:rPr lang="en-US" sz="2200" dirty="0"/>
+              <a:t> </a:t>
+            </a:r>
+            <a:r>
+              <a:rPr lang="en-US" sz="2200" dirty="0" err="1"/>
+              <a:t>em</a:t>
+            </a:r>
+            <a:r>
+              <a:rPr lang="en-US" sz="2200" dirty="0"/>
+              <a:t> background</a:t>
+            </a:r>
+          </a:p>
+          <a:p>
+            <a:pPr>
+              <a:lnSpc>
+                <a:spcPct val="150000"/>
+              </a:lnSpc>
+            </a:pPr>
+            <a:r>
+              <a:rPr lang="en-US" sz="2200" b="1" dirty="0"/>
+              <a:t>Broadcast Receiver</a:t>
+            </a:r>
+            <a:r>
+              <a:rPr lang="en-US" sz="2200" dirty="0"/>
+              <a:t>: </a:t>
+            </a:r>
+            <a:r>
+              <a:rPr lang="en-US" sz="2200" dirty="0" err="1"/>
+              <a:t>Recebe</a:t>
+            </a:r>
+            <a:r>
+              <a:rPr lang="en-US" sz="2200" dirty="0"/>
+              <a:t> “</a:t>
+            </a:r>
+            <a:r>
+              <a:rPr lang="en-US" sz="2200" dirty="0" err="1"/>
+              <a:t>msgs</a:t>
+            </a:r>
+            <a:r>
+              <a:rPr lang="en-US" sz="2200" dirty="0"/>
+              <a:t>” de </a:t>
+            </a:r>
+            <a:r>
+              <a:rPr lang="en-US" sz="2200" dirty="0" err="1"/>
+              <a:t>outras</a:t>
+            </a:r>
+            <a:r>
+              <a:rPr lang="en-US" sz="2200" dirty="0"/>
+              <a:t> </a:t>
+            </a:r>
+            <a:r>
+              <a:rPr lang="en-US" sz="2200" dirty="0" err="1"/>
+              <a:t>aplicações</a:t>
+            </a:r>
+            <a:endParaRPr lang="en-US" sz="2200" dirty="0"/>
+          </a:p>
+          <a:p>
+            <a:pPr>
+              <a:lnSpc>
+                <a:spcPct val="150000"/>
+              </a:lnSpc>
+            </a:pPr>
+            <a:r>
+              <a:rPr lang="en-US" sz="2200" b="1" dirty="0"/>
+              <a:t>Content Provider</a:t>
+            </a:r>
+            <a:r>
+              <a:rPr lang="en-US" sz="2200" dirty="0"/>
+              <a:t>: Banco de dados </a:t>
+            </a:r>
+            <a:r>
+              <a:rPr lang="en-US" sz="2200" dirty="0" err="1"/>
+              <a:t>relacional</a:t>
+            </a:r>
+            <a:r>
+              <a:rPr lang="en-US" sz="2200" dirty="0"/>
+              <a:t> (</a:t>
+            </a:r>
+            <a:r>
+              <a:rPr lang="en-US" sz="2200" dirty="0" err="1"/>
+              <a:t>ou</a:t>
+            </a:r>
+            <a:r>
+              <a:rPr lang="en-US" sz="2200" dirty="0"/>
+              <a:t> </a:t>
+            </a:r>
+            <a:r>
+              <a:rPr lang="en-US" sz="2200" dirty="0" err="1"/>
+              <a:t>arquivo</a:t>
+            </a:r>
+            <a:r>
+              <a:rPr lang="en-US" sz="2200" dirty="0"/>
+              <a:t>) para </a:t>
+            </a:r>
+            <a:r>
+              <a:rPr lang="en-US" sz="2200" dirty="0" err="1"/>
+              <a:t>compartilhamento</a:t>
+            </a:r>
+            <a:r>
+              <a:rPr lang="en-US" sz="2200" dirty="0"/>
+              <a:t> de dados entre </a:t>
+            </a:r>
+            <a:r>
+              <a:rPr lang="en-US" sz="2200" dirty="0" err="1"/>
+              <a:t>os</a:t>
+            </a:r>
+            <a:r>
+              <a:rPr lang="en-US" sz="2200" dirty="0"/>
+              <a:t> apps</a:t>
+            </a:r>
+          </a:p>
+          <a:p>
+            <a:pPr>
+              <a:lnSpc>
+                <a:spcPct val="150000"/>
+              </a:lnSpc>
+            </a:pPr>
+            <a:r>
+              <a:rPr lang="en-US" sz="2200" dirty="0" err="1"/>
+              <a:t>Comunicação</a:t>
+            </a:r>
+            <a:r>
+              <a:rPr lang="en-US" sz="2200" dirty="0"/>
+              <a:t> entre </a:t>
+            </a:r>
+            <a:r>
+              <a:rPr lang="en-US" sz="2200" dirty="0" err="1"/>
+              <a:t>processos</a:t>
+            </a:r>
+            <a:r>
+              <a:rPr lang="en-US" sz="2200" dirty="0"/>
+              <a:t> (IPC): </a:t>
+            </a:r>
+          </a:p>
+          <a:p>
+            <a:pPr marL="0" indent="0">
+              <a:lnSpc>
+                <a:spcPct val="150000"/>
+              </a:lnSpc>
+              <a:buNone/>
+            </a:pPr>
+            <a:r>
+              <a:rPr lang="pt-BR" sz="2200" b="1" dirty="0"/>
+              <a:t> </a:t>
+            </a:r>
+            <a:r>
+              <a:rPr lang="pt-BR" sz="2200" b="1" dirty="0" err="1"/>
+              <a:t>Intent</a:t>
+            </a:r>
+            <a:r>
+              <a:rPr lang="pt-BR" sz="2200" dirty="0"/>
+              <a:t>: Um objeto de mensagem que pode ser usado para solicitar </a:t>
+            </a:r>
+          </a:p>
+          <a:p>
+            <a:pPr marL="0" indent="0">
+              <a:lnSpc>
+                <a:spcPct val="150000"/>
+              </a:lnSpc>
+              <a:buNone/>
+            </a:pPr>
+            <a:r>
+              <a:rPr lang="pt-BR" sz="2200" dirty="0"/>
+              <a:t> uma  ação para outro componente do aplicativo e outros aplicativos</a:t>
+            </a:r>
+            <a:endParaRPr lang="en-US" sz="2200" dirty="0"/>
+          </a:p>
+          <a:p>
+            <a:pPr>
+              <a:lnSpc>
+                <a:spcPct val="150000"/>
+              </a:lnSpc>
+            </a:pPr>
+            <a:endParaRPr lang="en-US" sz="2200" dirty="0"/>
+          </a:p>
+          <a:p>
+            <a:pPr marL="0" indent="0">
+              <a:lnSpc>
+                <a:spcPct val="150000"/>
+              </a:lnSpc>
+              <a:buNone/>
+            </a:pPr>
+            <a:r>
+              <a:rPr lang="en-US" sz="2200" dirty="0"/>
+              <a:t> </a:t>
+            </a:r>
+            <a:endParaRPr lang="en-US" dirty="0"/>
+          </a:p>
+          <a:p>
+            <a:pPr marL="457200" lvl="1" indent="-342900">
+              <a:lnSpc>
+                <a:spcPct val="95000"/>
+              </a:lnSpc>
+              <a:spcBef>
+                <a:spcPct val="0"/>
+              </a:spcBef>
+              <a:buClr>
+                <a:srgbClr val="000000"/>
+              </a:buClr>
+              <a:buFontTx/>
+              <a:buChar char="•"/>
+            </a:pPr>
+            <a:endParaRPr lang="en-US" altLang="pt-BR" sz="2700" dirty="0">
+              <a:solidFill>
+                <a:srgbClr val="000000"/>
+              </a:solidFill>
+              <a:latin typeface="Arial" panose="020B0604020202020204" pitchFamily="34" charset="0"/>
+            </a:endParaRPr>
+          </a:p>
+        </p:txBody>
+      </p:sp>
     </p:spTree>
   </p:cSld>
   <p:clrMapOvr>
